--- a/HITESH TECHNICAL Day 2 Journey Book 2024.pptx
+++ b/HITESH TECHNICAL Day 2 Journey Book 2024.pptx
@@ -5,22 +5,28 @@
     <p:sldMasterId id="2147483648" r:id="rId4"/>
   </p:sldMasterIdLst>
   <p:notesMasterIdLst>
-    <p:notesMasterId r:id="rId10"/>
+    <p:notesMasterId r:id="rId16"/>
   </p:notesMasterIdLst>
   <p:handoutMasterIdLst>
-    <p:handoutMasterId r:id="rId11"/>
+    <p:handoutMasterId r:id="rId17"/>
   </p:handoutMasterIdLst>
   <p:sldIdLst>
     <p:sldId id="256" r:id="rId5"/>
     <p:sldId id="4848" r:id="rId6"/>
     <p:sldId id="2147375597" r:id="rId7"/>
     <p:sldId id="2147375600" r:id="rId8"/>
-    <p:sldId id="1633" r:id="rId9"/>
+    <p:sldId id="2147375605" r:id="rId9"/>
+    <p:sldId id="2147375601" r:id="rId10"/>
+    <p:sldId id="2147375602" r:id="rId11"/>
+    <p:sldId id="2147375606" r:id="rId12"/>
+    <p:sldId id="2147375603" r:id="rId13"/>
+    <p:sldId id="2147375607" r:id="rId14"/>
+    <p:sldId id="1633" r:id="rId15"/>
   </p:sldIdLst>
   <p:sldSz cx="12192000" cy="6858000"/>
   <p:notesSz cx="6858000" cy="9144000"/>
   <p:custDataLst>
-    <p:tags r:id="rId12"/>
+    <p:tags r:id="rId18"/>
   </p:custDataLst>
   <p:defaultTextStyle>
     <a:defPPr>
@@ -2281,7 +2287,7 @@
           <a:p>
             <a:fld id="{C665F293-8627-45D3-8E1A-F6ADA80B8E24}" type="datetimeFigureOut">
               <a:rPr lang="en-US" smtClean="0"/>
-              <a:t>9/1/2024</a:t>
+              <a:t>9/5/2024</a:t>
             </a:fld>
             <a:endParaRPr lang="en-US"/>
           </a:p>
@@ -2458,7 +2464,7 @@
           <a:p>
             <a:fld id="{20509F1D-83B7-43AF-A495-3D2B1AB5AEA1}" type="datetimeFigureOut">
               <a:rPr lang="fr-FR" smtClean="0"/>
-              <a:t>01/09/2024</a:t>
+              <a:t>05/09/2024</a:t>
             </a:fld>
             <a:endParaRPr lang="fr-FR"/>
           </a:p>
@@ -8638,6 +8644,767 @@
 </p:sld>
 </file>
 
+<file path=ppt/slides/slide10.xml><?xml version="1.0" encoding="utf-8"?>
+<p:sld xmlns:a="http://schemas.openxmlformats.org/drawingml/2006/main" xmlns:r="http://schemas.openxmlformats.org/officeDocument/2006/relationships" xmlns:p="http://schemas.openxmlformats.org/presentationml/2006/main">
+  <p:cSld>
+    <p:spTree>
+      <p:nvGrpSpPr>
+        <p:cNvPr id="1" name=""/>
+        <p:cNvGrpSpPr/>
+        <p:nvPr/>
+      </p:nvGrpSpPr>
+      <p:grpSpPr>
+        <a:xfrm>
+          <a:off x="0" y="0"/>
+          <a:ext cx="0" cy="0"/>
+          <a:chOff x="0" y="0"/>
+          <a:chExt cx="0" cy="0"/>
+        </a:xfrm>
+      </p:grpSpPr>
+      <p:graphicFrame>
+        <p:nvGraphicFramePr>
+          <p:cNvPr id="7" name="think-cell data - do not delete" hidden="1">
+            <a:extLst>
+              <a:ext uri="{FF2B5EF4-FFF2-40B4-BE49-F238E27FC236}">
+                <a16:creationId xmlns:a16="http://schemas.microsoft.com/office/drawing/2014/main" id="{3583FF9E-539E-FE29-E73B-3EF7E093601C}"/>
+              </a:ext>
+            </a:extLst>
+          </p:cNvPr>
+          <p:cNvGraphicFramePr>
+            <a:graphicFrameLocks noChangeAspect="1"/>
+          </p:cNvGraphicFramePr>
+          <p:nvPr>
+            <p:custDataLst>
+              <p:tags r:id="rId1"/>
+            </p:custDataLst>
+          </p:nvPr>
+        </p:nvGraphicFramePr>
+        <p:xfrm>
+          <a:off x="1588" y="1588"/>
+          <a:ext cx="1588" cy="1588"/>
+        </p:xfrm>
+        <a:graphic>
+          <a:graphicData uri="http://schemas.openxmlformats.org/presentationml/2006/ole">
+            <mc:AlternateContent xmlns:mc="http://schemas.openxmlformats.org/markup-compatibility/2006">
+              <mc:Choice xmlns:v="urn:schemas-microsoft-com:vml" Requires="v">
+                <p:oleObj name="think-cell Slide" r:id="rId3" imgW="395" imgH="394" progId="TCLayout.ActiveDocument.1">
+                  <p:embed/>
+                </p:oleObj>
+              </mc:Choice>
+              <mc:Fallback>
+                <p:oleObj name="think-cell Slide" r:id="rId3" imgW="395" imgH="394" progId="TCLayout.ActiveDocument.1">
+                  <p:embed/>
+                  <p:pic>
+                    <p:nvPicPr>
+                      <p:cNvPr id="7" name="think-cell data - do not delete" hidden="1">
+                        <a:extLst>
+                          <a:ext uri="{FF2B5EF4-FFF2-40B4-BE49-F238E27FC236}">
+                            <a16:creationId xmlns:a16="http://schemas.microsoft.com/office/drawing/2014/main" id="{3583FF9E-539E-FE29-E73B-3EF7E093601C}"/>
+                          </a:ext>
+                        </a:extLst>
+                      </p:cNvPr>
+                      <p:cNvPicPr/>
+                      <p:nvPr/>
+                    </p:nvPicPr>
+                    <p:blipFill>
+                      <a:blip r:embed="rId4"/>
+                      <a:stretch>
+                        <a:fillRect/>
+                      </a:stretch>
+                    </p:blipFill>
+                    <p:spPr>
+                      <a:xfrm>
+                        <a:off x="1588" y="1588"/>
+                        <a:ext cx="1588" cy="1588"/>
+                      </a:xfrm>
+                      <a:prstGeom prst="rect">
+                        <a:avLst/>
+                      </a:prstGeom>
+                    </p:spPr>
+                  </p:pic>
+                </p:oleObj>
+              </mc:Fallback>
+            </mc:AlternateContent>
+          </a:graphicData>
+        </a:graphic>
+      </p:graphicFrame>
+      <p:sp>
+        <p:nvSpPr>
+          <p:cNvPr id="10" name="Rectangle 9">
+            <a:extLst>
+              <a:ext uri="{FF2B5EF4-FFF2-40B4-BE49-F238E27FC236}">
+                <a16:creationId xmlns:a16="http://schemas.microsoft.com/office/drawing/2014/main" id="{8686D658-9330-BA20-4BC9-1E47EEC5B53D}"/>
+              </a:ext>
+            </a:extLst>
+          </p:cNvPr>
+          <p:cNvSpPr/>
+          <p:nvPr/>
+        </p:nvSpPr>
+        <p:spPr>
+          <a:xfrm>
+            <a:off x="10861040" y="0"/>
+            <a:ext cx="1330960" cy="1463040"/>
+          </a:xfrm>
+          <a:prstGeom prst="rect">
+            <a:avLst/>
+          </a:prstGeom>
+          <a:solidFill>
+            <a:srgbClr val="C00000"/>
+          </a:solidFill>
+          <a:ln>
+            <a:noFill/>
+          </a:ln>
+        </p:spPr>
+        <p:style>
+          <a:lnRef idx="2">
+            <a:schemeClr val="accent1">
+              <a:shade val="15000"/>
+            </a:schemeClr>
+          </a:lnRef>
+          <a:fillRef idx="1">
+            <a:schemeClr val="accent1"/>
+          </a:fillRef>
+          <a:effectRef idx="0">
+            <a:schemeClr val="accent1"/>
+          </a:effectRef>
+          <a:fontRef idx="minor">
+            <a:schemeClr val="lt1"/>
+          </a:fontRef>
+        </p:style>
+        <p:txBody>
+          <a:bodyPr rtlCol="0" anchor="ctr"/>
+          <a:lstStyle/>
+          <a:p>
+            <a:pPr algn="ctr"/>
+            <a:endParaRPr lang="en-IN"/>
+          </a:p>
+        </p:txBody>
+      </p:sp>
+      <p:sp>
+        <p:nvSpPr>
+          <p:cNvPr id="3" name="Title 2">
+            <a:extLst>
+              <a:ext uri="{FF2B5EF4-FFF2-40B4-BE49-F238E27FC236}">
+                <a16:creationId xmlns:a16="http://schemas.microsoft.com/office/drawing/2014/main" id="{CEA128C4-A0BC-A895-713C-306E7FF62894}"/>
+              </a:ext>
+            </a:extLst>
+          </p:cNvPr>
+          <p:cNvSpPr>
+            <a:spLocks noGrp="1"/>
+          </p:cNvSpPr>
+          <p:nvPr>
+            <p:ph type="title"/>
+          </p:nvPr>
+        </p:nvSpPr>
+        <p:spPr/>
+        <p:txBody>
+          <a:bodyPr vert="horz" anchor="ctr">
+            <a:noAutofit/>
+          </a:bodyPr>
+          <a:lstStyle/>
+          <a:p>
+            <a:r>
+              <a:rPr lang="en-US" b="1">
+                <a:effectLst>
+                  <a:outerShdw blurRad="38100" dist="38100" dir="2700000" algn="tl">
+                    <a:srgbClr val="000000">
+                      <a:alpha val="43137"/>
+                    </a:srgbClr>
+                  </a:outerShdw>
+                </a:effectLst>
+                <a:latin typeface="+mn-lt"/>
+                <a:cs typeface="+mj-cs"/>
+              </a:rPr>
+              <a:t>Learning </a:t>
+            </a:r>
+            <a:r>
+              <a:rPr lang="en-US" b="1" dirty="0">
+                <a:effectLst>
+                  <a:outerShdw blurRad="38100" dist="38100" dir="2700000" algn="tl">
+                    <a:srgbClr val="000000">
+                      <a:alpha val="43137"/>
+                    </a:srgbClr>
+                  </a:outerShdw>
+                </a:effectLst>
+                <a:latin typeface="+mn-lt"/>
+                <a:cs typeface="+mj-cs"/>
+              </a:rPr>
+              <a:t>6</a:t>
+            </a:r>
+            <a:r>
+              <a:rPr lang="en-US" b="1">
+                <a:effectLst>
+                  <a:outerShdw blurRad="38100" dist="38100" dir="2700000" algn="tl">
+                    <a:srgbClr val="000000">
+                      <a:alpha val="43137"/>
+                    </a:srgbClr>
+                  </a:outerShdw>
+                </a:effectLst>
+                <a:latin typeface="+mn-lt"/>
+                <a:cs typeface="+mj-cs"/>
+              </a:rPr>
+              <a:t> </a:t>
+            </a:r>
+            <a:r>
+              <a:rPr lang="en-US" b="1" dirty="0">
+                <a:effectLst>
+                  <a:outerShdw blurRad="38100" dist="38100" dir="2700000" algn="tl">
+                    <a:srgbClr val="000000">
+                      <a:alpha val="43137"/>
+                    </a:srgbClr>
+                  </a:outerShdw>
+                </a:effectLst>
+                <a:latin typeface="+mn-lt"/>
+                <a:cs typeface="+mj-cs"/>
+              </a:rPr>
+              <a:t>| My takeaways</a:t>
+            </a:r>
+            <a:endParaRPr lang="en-IN" sz="4000" i="1" u="sng" dirty="0">
+              <a:effectLst>
+                <a:outerShdw blurRad="38100" dist="38100" dir="2700000" algn="tl">
+                  <a:srgbClr val="000000">
+                    <a:alpha val="43137"/>
+                  </a:srgbClr>
+                </a:outerShdw>
+              </a:effectLst>
+              <a:highlight>
+                <a:srgbClr val="FF6600"/>
+              </a:highlight>
+            </a:endParaRPr>
+          </a:p>
+        </p:txBody>
+      </p:sp>
+      <p:sp>
+        <p:nvSpPr>
+          <p:cNvPr id="4" name="Slide Number Placeholder 3">
+            <a:extLst>
+              <a:ext uri="{FF2B5EF4-FFF2-40B4-BE49-F238E27FC236}">
+                <a16:creationId xmlns:a16="http://schemas.microsoft.com/office/drawing/2014/main" id="{82193751-E94F-32C7-DCCA-7D3244D279EA}"/>
+              </a:ext>
+            </a:extLst>
+          </p:cNvPr>
+          <p:cNvSpPr>
+            <a:spLocks noGrp="1"/>
+          </p:cNvSpPr>
+          <p:nvPr>
+            <p:ph type="sldNum" sz="quarter" idx="15"/>
+          </p:nvPr>
+        </p:nvSpPr>
+        <p:spPr/>
+        <p:txBody>
+          <a:bodyPr/>
+          <a:lstStyle/>
+          <a:p>
+            <a:fld id="{0879F475-59B1-4993-848A-C2B683DE9AF5}" type="slidenum">
+              <a:rPr lang="en-IN" smtClean="0"/>
+              <a:pPr/>
+              <a:t>10</a:t>
+            </a:fld>
+            <a:endParaRPr lang="en-IN" dirty="0"/>
+          </a:p>
+        </p:txBody>
+      </p:sp>
+      <p:pic>
+        <p:nvPicPr>
+          <p:cNvPr id="9" name="Graphic 8" descr="Idea outline">
+            <a:extLst>
+              <a:ext uri="{FF2B5EF4-FFF2-40B4-BE49-F238E27FC236}">
+                <a16:creationId xmlns:a16="http://schemas.microsoft.com/office/drawing/2014/main" id="{8701F636-0E69-F494-2D36-9D9665F8A8DA}"/>
+              </a:ext>
+            </a:extLst>
+          </p:cNvPr>
+          <p:cNvPicPr>
+            <a:picLocks noChangeAspect="1"/>
+          </p:cNvPicPr>
+          <p:nvPr/>
+        </p:nvPicPr>
+        <p:blipFill>
+          <a:blip r:embed="rId5">
+            <a:extLst>
+              <a:ext uri="{96DAC541-7B7A-43D3-8B79-37D633B846F1}">
+                <asvg:svgBlip xmlns:asvg="http://schemas.microsoft.com/office/drawing/2016/SVG/main" r:embed="rId6"/>
+              </a:ext>
+            </a:extLst>
+          </a:blip>
+          <a:stretch>
+            <a:fillRect/>
+          </a:stretch>
+        </p:blipFill>
+        <p:spPr>
+          <a:xfrm>
+            <a:off x="10957498" y="141532"/>
+            <a:ext cx="1159454" cy="1159454"/>
+          </a:xfrm>
+          <a:prstGeom prst="rect">
+            <a:avLst/>
+          </a:prstGeom>
+        </p:spPr>
+      </p:pic>
+      <p:sp>
+        <p:nvSpPr>
+          <p:cNvPr id="11" name="Content Placeholder 2">
+            <a:extLst>
+              <a:ext uri="{FF2B5EF4-FFF2-40B4-BE49-F238E27FC236}">
+                <a16:creationId xmlns:a16="http://schemas.microsoft.com/office/drawing/2014/main" id="{DE9F1BE0-7910-FA1B-DCE8-56EFD1E4FC09}"/>
+              </a:ext>
+            </a:extLst>
+          </p:cNvPr>
+          <p:cNvSpPr txBox="1">
+            <a:spLocks/>
+          </p:cNvSpPr>
+          <p:nvPr/>
+        </p:nvSpPr>
+        <p:spPr>
+          <a:xfrm>
+            <a:off x="442193" y="1860993"/>
+            <a:ext cx="11309311" cy="4076241"/>
+          </a:xfrm>
+          <a:prstGeom prst="rect">
+            <a:avLst/>
+          </a:prstGeom>
+          <a:solidFill>
+            <a:schemeClr val="bg1"/>
+          </a:solidFill>
+          <a:ln>
+            <a:noFill/>
+          </a:ln>
+          <a:effectLst>
+            <a:outerShdw blurRad="63500" sx="102000" sy="102000" algn="ctr" rotWithShape="0">
+              <a:prstClr val="black">
+                <a:alpha val="40000"/>
+              </a:prstClr>
+            </a:outerShdw>
+          </a:effectLst>
+        </p:spPr>
+        <p:txBody>
+          <a:bodyPr numCol="1"/>
+          <a:lstStyle>
+            <a:lvl1pPr marL="228600" indent="-228600" algn="l" defTabSz="914400" rtl="0" eaLnBrk="1" latinLnBrk="0" hangingPunct="1">
+              <a:lnSpc>
+                <a:spcPct val="90000"/>
+              </a:lnSpc>
+              <a:spcBef>
+                <a:spcPts val="1000"/>
+              </a:spcBef>
+              <a:buFont typeface="Arial" panose="020B0604020202020204" pitchFamily="34" charset="0"/>
+              <a:buChar char="•"/>
+              <a:defRPr sz="1600" kern="1200">
+                <a:solidFill>
+                  <a:schemeClr val="tx1"/>
+                </a:solidFill>
+                <a:latin typeface="+mn-lt"/>
+                <a:ea typeface="+mn-ea"/>
+                <a:cs typeface="+mn-cs"/>
+              </a:defRPr>
+            </a:lvl1pPr>
+            <a:lvl2pPr marL="685800" indent="-228600" algn="l" defTabSz="914400" rtl="0" eaLnBrk="1" latinLnBrk="0" hangingPunct="1">
+              <a:lnSpc>
+                <a:spcPct val="90000"/>
+              </a:lnSpc>
+              <a:spcBef>
+                <a:spcPts val="500"/>
+              </a:spcBef>
+              <a:buFont typeface="Arial" panose="020B0604020202020204" pitchFamily="34" charset="0"/>
+              <a:buChar char="•"/>
+              <a:defRPr sz="1600" kern="1200">
+                <a:solidFill>
+                  <a:schemeClr val="tx1"/>
+                </a:solidFill>
+                <a:latin typeface="+mn-lt"/>
+                <a:ea typeface="+mn-ea"/>
+                <a:cs typeface="+mn-cs"/>
+              </a:defRPr>
+            </a:lvl2pPr>
+            <a:lvl3pPr marL="1143000" indent="-228600" algn="l" defTabSz="914400" rtl="0" eaLnBrk="1" latinLnBrk="0" hangingPunct="1">
+              <a:lnSpc>
+                <a:spcPct val="90000"/>
+              </a:lnSpc>
+              <a:spcBef>
+                <a:spcPts val="500"/>
+              </a:spcBef>
+              <a:buFont typeface="Arial" panose="020B0604020202020204" pitchFamily="34" charset="0"/>
+              <a:buChar char="•"/>
+              <a:defRPr sz="1600" kern="1200">
+                <a:solidFill>
+                  <a:schemeClr val="tx1"/>
+                </a:solidFill>
+                <a:latin typeface="+mn-lt"/>
+                <a:ea typeface="+mn-ea"/>
+                <a:cs typeface="+mn-cs"/>
+              </a:defRPr>
+            </a:lvl3pPr>
+            <a:lvl4pPr marL="1600200" indent="-228600" algn="l" defTabSz="914400" rtl="0" eaLnBrk="1" latinLnBrk="0" hangingPunct="1">
+              <a:lnSpc>
+                <a:spcPct val="90000"/>
+              </a:lnSpc>
+              <a:spcBef>
+                <a:spcPts val="500"/>
+              </a:spcBef>
+              <a:buFont typeface="Arial" panose="020B0604020202020204" pitchFamily="34" charset="0"/>
+              <a:buChar char="•"/>
+              <a:defRPr sz="1600" kern="1200">
+                <a:solidFill>
+                  <a:schemeClr val="tx1"/>
+                </a:solidFill>
+                <a:latin typeface="+mn-lt"/>
+                <a:ea typeface="+mn-ea"/>
+                <a:cs typeface="+mn-cs"/>
+              </a:defRPr>
+            </a:lvl4pPr>
+            <a:lvl5pPr marL="2057400" indent="-228600" algn="l" defTabSz="914400" rtl="0" eaLnBrk="1" latinLnBrk="0" hangingPunct="1">
+              <a:lnSpc>
+                <a:spcPct val="90000"/>
+              </a:lnSpc>
+              <a:spcBef>
+                <a:spcPts val="500"/>
+              </a:spcBef>
+              <a:buFont typeface="Arial" panose="020B0604020202020204" pitchFamily="34" charset="0"/>
+              <a:buChar char="•"/>
+              <a:defRPr sz="1600" kern="1200">
+                <a:solidFill>
+                  <a:schemeClr val="tx1"/>
+                </a:solidFill>
+                <a:latin typeface="+mn-lt"/>
+                <a:ea typeface="+mn-ea"/>
+                <a:cs typeface="+mn-cs"/>
+              </a:defRPr>
+            </a:lvl5pPr>
+            <a:lvl6pPr marL="2514600" indent="-228600" algn="l" defTabSz="914400" rtl="0" eaLnBrk="1" latinLnBrk="0" hangingPunct="1">
+              <a:lnSpc>
+                <a:spcPct val="90000"/>
+              </a:lnSpc>
+              <a:spcBef>
+                <a:spcPts val="500"/>
+              </a:spcBef>
+              <a:buFont typeface="Arial" panose="020B0604020202020204" pitchFamily="34" charset="0"/>
+              <a:buChar char="•"/>
+              <a:defRPr sz="1800" kern="1200">
+                <a:solidFill>
+                  <a:schemeClr val="tx1"/>
+                </a:solidFill>
+                <a:latin typeface="+mn-lt"/>
+                <a:ea typeface="+mn-ea"/>
+                <a:cs typeface="+mn-cs"/>
+              </a:defRPr>
+            </a:lvl6pPr>
+            <a:lvl7pPr marL="2971800" indent="-228600" algn="l" defTabSz="914400" rtl="0" eaLnBrk="1" latinLnBrk="0" hangingPunct="1">
+              <a:lnSpc>
+                <a:spcPct val="90000"/>
+              </a:lnSpc>
+              <a:spcBef>
+                <a:spcPts val="500"/>
+              </a:spcBef>
+              <a:buFont typeface="Arial" panose="020B0604020202020204" pitchFamily="34" charset="0"/>
+              <a:buChar char="•"/>
+              <a:defRPr sz="1800" kern="1200">
+                <a:solidFill>
+                  <a:schemeClr val="tx1"/>
+                </a:solidFill>
+                <a:latin typeface="+mn-lt"/>
+                <a:ea typeface="+mn-ea"/>
+                <a:cs typeface="+mn-cs"/>
+              </a:defRPr>
+            </a:lvl7pPr>
+            <a:lvl8pPr marL="3429000" indent="-228600" algn="l" defTabSz="914400" rtl="0" eaLnBrk="1" latinLnBrk="0" hangingPunct="1">
+              <a:lnSpc>
+                <a:spcPct val="90000"/>
+              </a:lnSpc>
+              <a:spcBef>
+                <a:spcPts val="500"/>
+              </a:spcBef>
+              <a:buFont typeface="Arial" panose="020B0604020202020204" pitchFamily="34" charset="0"/>
+              <a:buChar char="•"/>
+              <a:defRPr sz="1800" kern="1200">
+                <a:solidFill>
+                  <a:schemeClr val="tx1"/>
+                </a:solidFill>
+                <a:latin typeface="+mn-lt"/>
+                <a:ea typeface="+mn-ea"/>
+                <a:cs typeface="+mn-cs"/>
+              </a:defRPr>
+            </a:lvl8pPr>
+            <a:lvl9pPr marL="3886200" indent="-228600" algn="l" defTabSz="914400" rtl="0" eaLnBrk="1" latinLnBrk="0" hangingPunct="1">
+              <a:lnSpc>
+                <a:spcPct val="90000"/>
+              </a:lnSpc>
+              <a:spcBef>
+                <a:spcPts val="500"/>
+              </a:spcBef>
+              <a:buFont typeface="Arial" panose="020B0604020202020204" pitchFamily="34" charset="0"/>
+              <a:buChar char="•"/>
+              <a:defRPr sz="1800" kern="1200">
+                <a:solidFill>
+                  <a:schemeClr val="tx1"/>
+                </a:solidFill>
+                <a:latin typeface="+mn-lt"/>
+                <a:ea typeface="+mn-ea"/>
+                <a:cs typeface="+mn-cs"/>
+              </a:defRPr>
+            </a:lvl9pPr>
+          </a:lstStyle>
+          <a:p>
+            <a:pPr marL="0" marR="0">
+              <a:lnSpc>
+                <a:spcPct val="115000"/>
+              </a:lnSpc>
+              <a:spcBef>
+                <a:spcPts val="0"/>
+              </a:spcBef>
+              <a:spcAft>
+                <a:spcPts val="800"/>
+              </a:spcAft>
+            </a:pPr>
+            <a:r>
+              <a:rPr lang="en-US" sz="1400" b="1" dirty="0">
+                <a:solidFill>
+                  <a:srgbClr val="111111"/>
+                </a:solidFill>
+                <a:highlight>
+                  <a:srgbClr val="F7F7F7"/>
+                </a:highlight>
+                <a:latin typeface="-apple-system"/>
+              </a:rPr>
+              <a:t>Velocity Charts</a:t>
+            </a:r>
+          </a:p>
+          <a:p>
+            <a:pPr marL="800100" lvl="1" indent="-342900">
+              <a:lnSpc>
+                <a:spcPct val="115000"/>
+              </a:lnSpc>
+              <a:spcBef>
+                <a:spcPts val="0"/>
+              </a:spcBef>
+              <a:spcAft>
+                <a:spcPts val="800"/>
+              </a:spcAft>
+              <a:buSzPts val="1000"/>
+              <a:buFont typeface="Symbol" panose="05050102010706020507" pitchFamily="18" charset="2"/>
+              <a:buChar char=""/>
+              <a:tabLst>
+                <a:tab pos="457200" algn="l"/>
+              </a:tabLst>
+            </a:pPr>
+            <a:r>
+              <a:rPr lang="en-US" sz="1400" b="1" dirty="0">
+                <a:solidFill>
+                  <a:srgbClr val="111111"/>
+                </a:solidFill>
+                <a:highlight>
+                  <a:srgbClr val="F7F7F7"/>
+                </a:highlight>
+                <a:latin typeface="-apple-system"/>
+              </a:rPr>
+              <a:t>Definition: </a:t>
+            </a:r>
+            <a:r>
+              <a:rPr lang="en-US" sz="1400" dirty="0">
+                <a:solidFill>
+                  <a:srgbClr val="111111"/>
+                </a:solidFill>
+                <a:highlight>
+                  <a:srgbClr val="F7F7F7"/>
+                </a:highlight>
+                <a:latin typeface="-apple-system"/>
+              </a:rPr>
+              <a:t>These charts track the amount of work a team completes in a sprint (measured in story points), helping predict how much work can be done in future sprints.</a:t>
+            </a:r>
+          </a:p>
+          <a:p>
+            <a:pPr marL="800100" lvl="1" indent="-342900">
+              <a:lnSpc>
+                <a:spcPct val="115000"/>
+              </a:lnSpc>
+              <a:spcBef>
+                <a:spcPts val="0"/>
+              </a:spcBef>
+              <a:spcAft>
+                <a:spcPts val="800"/>
+              </a:spcAft>
+              <a:buSzPts val="1000"/>
+              <a:buFont typeface="Symbol" panose="05050102010706020507" pitchFamily="18" charset="2"/>
+              <a:buChar char=""/>
+              <a:tabLst>
+                <a:tab pos="457200" algn="l"/>
+              </a:tabLst>
+            </a:pPr>
+            <a:r>
+              <a:rPr lang="en-US" sz="1400" b="1" dirty="0">
+                <a:solidFill>
+                  <a:srgbClr val="111111"/>
+                </a:solidFill>
+                <a:highlight>
+                  <a:srgbClr val="F7F7F7"/>
+                </a:highlight>
+                <a:latin typeface="-apple-system"/>
+              </a:rPr>
+              <a:t>Example: </a:t>
+            </a:r>
+            <a:r>
+              <a:rPr lang="en-US" sz="1400" dirty="0">
+                <a:solidFill>
+                  <a:srgbClr val="111111"/>
+                </a:solidFill>
+                <a:highlight>
+                  <a:srgbClr val="F7F7F7"/>
+                </a:highlight>
+                <a:latin typeface="-apple-system"/>
+              </a:rPr>
+              <a:t>If a team consistently completes around 20 story points per sprint, that becomes their velocity.</a:t>
+            </a:r>
+          </a:p>
+          <a:p>
+            <a:pPr marL="804672" indent="-347472" algn="just" rtl="0" eaLnBrk="1" latinLnBrk="0" hangingPunct="1">
+              <a:lnSpc>
+                <a:spcPct val="115000"/>
+              </a:lnSpc>
+              <a:spcBef>
+                <a:spcPts val="0"/>
+              </a:spcBef>
+              <a:spcAft>
+                <a:spcPts val="800"/>
+              </a:spcAft>
+              <a:tabLst>
+                <a:tab pos="457200" algn="l"/>
+              </a:tabLst>
+            </a:pPr>
+            <a:endParaRPr lang="en-US" sz="1400" dirty="0">
+              <a:effectLst/>
+            </a:endParaRPr>
+          </a:p>
+        </p:txBody>
+      </p:sp>
+      <p:pic>
+        <p:nvPicPr>
+          <p:cNvPr id="8196" name="Picture 4" descr="Velocity charts – an example - Hands-On Agile Software Development with  JIRA [Book]">
+            <a:extLst>
+              <a:ext uri="{FF2B5EF4-FFF2-40B4-BE49-F238E27FC236}">
+                <a16:creationId xmlns:a16="http://schemas.microsoft.com/office/drawing/2014/main" id="{24ADB8FF-39AC-8DF3-50C3-B81A3E5B6633}"/>
+              </a:ext>
+            </a:extLst>
+          </p:cNvPr>
+          <p:cNvPicPr>
+            <a:picLocks noChangeAspect="1" noChangeArrowheads="1"/>
+          </p:cNvPicPr>
+          <p:nvPr/>
+        </p:nvPicPr>
+        <p:blipFill rotWithShape="1">
+          <a:blip r:embed="rId7" cstate="screen">
+            <a:extLst>
+              <a:ext uri="{28A0092B-C50C-407E-A947-70E740481C1C}">
+                <a14:useLocalDpi xmlns:a14="http://schemas.microsoft.com/office/drawing/2010/main" val="0"/>
+              </a:ext>
+            </a:extLst>
+          </a:blip>
+          <a:srcRect t="13568"/>
+          <a:stretch/>
+        </p:blipFill>
+        <p:spPr bwMode="auto">
+          <a:xfrm>
+            <a:off x="3272775" y="3196057"/>
+            <a:ext cx="5641827" cy="2643900"/>
+          </a:xfrm>
+          <a:prstGeom prst="rect">
+            <a:avLst/>
+          </a:prstGeom>
+          <a:noFill/>
+          <a:extLst>
+            <a:ext uri="{909E8E84-426E-40DD-AFC4-6F175D3DCCD1}">
+              <a14:hiddenFill xmlns:a14="http://schemas.microsoft.com/office/drawing/2010/main">
+                <a:solidFill>
+                  <a:srgbClr val="FFFFFF"/>
+                </a:solidFill>
+              </a14:hiddenFill>
+            </a:ext>
+          </a:extLst>
+        </p:spPr>
+      </p:pic>
+    </p:spTree>
+    <p:extLst>
+      <p:ext uri="{BB962C8B-B14F-4D97-AF65-F5344CB8AC3E}">
+        <p14:creationId xmlns:p14="http://schemas.microsoft.com/office/powerpoint/2010/main" val="3206491286"/>
+      </p:ext>
+    </p:extLst>
+  </p:cSld>
+  <p:clrMapOvr>
+    <a:masterClrMapping/>
+  </p:clrMapOvr>
+</p:sld>
+</file>
+
+<file path=ppt/slides/slide11.xml><?xml version="1.0" encoding="utf-8"?>
+<p:sld xmlns:a="http://schemas.openxmlformats.org/drawingml/2006/main" xmlns:r="http://schemas.openxmlformats.org/officeDocument/2006/relationships" xmlns:p="http://schemas.openxmlformats.org/presentationml/2006/main">
+  <p:cSld>
+    <p:spTree>
+      <p:nvGrpSpPr>
+        <p:cNvPr id="1" name=""/>
+        <p:cNvGrpSpPr/>
+        <p:nvPr/>
+      </p:nvGrpSpPr>
+      <p:grpSpPr>
+        <a:xfrm>
+          <a:off x="0" y="0"/>
+          <a:ext cx="0" cy="0"/>
+          <a:chOff x="0" y="0"/>
+          <a:chExt cx="0" cy="0"/>
+        </a:xfrm>
+      </p:grpSpPr>
+      <p:sp>
+        <p:nvSpPr>
+          <p:cNvPr id="5" name="Text Placeholder 4">
+            <a:extLst>
+              <a:ext uri="{FF2B5EF4-FFF2-40B4-BE49-F238E27FC236}">
+                <a16:creationId xmlns:a16="http://schemas.microsoft.com/office/drawing/2014/main" id="{02BCC5FF-5A86-457C-9D70-8722A7CA3A57}"/>
+              </a:ext>
+            </a:extLst>
+          </p:cNvPr>
+          <p:cNvSpPr>
+            <a:spLocks noGrp="1"/>
+          </p:cNvSpPr>
+          <p:nvPr>
+            <p:ph type="body" sz="quarter" idx="12"/>
+          </p:nvPr>
+        </p:nvSpPr>
+        <p:spPr>
+          <a:xfrm>
+            <a:off x="545642" y="2673043"/>
+            <a:ext cx="10525125" cy="923330"/>
+          </a:xfrm>
+        </p:spPr>
+        <p:txBody>
+          <a:bodyPr/>
+          <a:lstStyle/>
+          <a:p>
+            <a:pPr algn="ctr"/>
+            <a:r>
+              <a:rPr lang="en-US" sz="6000" dirty="0"/>
+              <a:t>Thank</a:t>
+            </a:r>
+            <a:r>
+              <a:rPr lang="en-US" sz="3200" dirty="0"/>
+              <a:t> </a:t>
+            </a:r>
+            <a:r>
+              <a:rPr lang="en-US" sz="5400" dirty="0"/>
+              <a:t>You</a:t>
+            </a:r>
+            <a:endParaRPr lang="en-US" sz="3200" dirty="0"/>
+          </a:p>
+        </p:txBody>
+      </p:sp>
+    </p:spTree>
+    <p:extLst>
+      <p:ext uri="{BB962C8B-B14F-4D97-AF65-F5344CB8AC3E}">
+        <p14:creationId xmlns:p14="http://schemas.microsoft.com/office/powerpoint/2010/main" val="3805975874"/>
+      </p:ext>
+    </p:extLst>
+  </p:cSld>
+  <p:clrMapOvr>
+    <a:masterClrMapping/>
+  </p:clrMapOvr>
+</p:sld>
+</file>
+
 <file path=ppt/slides/slide2.xml><?xml version="1.0" encoding="utf-8"?>
 <p:sld xmlns:a="http://schemas.openxmlformats.org/drawingml/2006/main" xmlns:r="http://schemas.openxmlformats.org/officeDocument/2006/relationships" xmlns:p="http://schemas.openxmlformats.org/presentationml/2006/main">
   <p:cSld>
@@ -9034,7 +9801,7 @@
           </a:effectLst>
         </p:spPr>
         <p:txBody>
-          <a:bodyPr/>
+          <a:bodyPr numCol="2" spcCol="274320"/>
           <a:lstStyle>
             <a:lvl1pPr marL="228600" indent="-228600" algn="l" defTabSz="914400" rtl="0" eaLnBrk="1" latinLnBrk="0" hangingPunct="1">
               <a:lnSpc>
@@ -9200,405 +9967,460 @@
             </a:lvl9pPr>
           </a:lstStyle>
           <a:p>
-            <a:pPr algn="l">
-              <a:buFont typeface="+mj-lt"/>
-              <a:buAutoNum type="arabicPeriod"/>
+            <a:pPr marL="0" marR="0" algn="just">
+              <a:spcBef>
+                <a:spcPts val="0"/>
+              </a:spcBef>
+              <a:spcAft>
+                <a:spcPts val="800"/>
+              </a:spcAft>
             </a:pPr>
             <a:r>
-              <a:rPr lang="en-GB" sz="1400" b="1" i="0" dirty="0">
+              <a:rPr lang="en-US" sz="1400" b="1" dirty="0">
                 <a:solidFill>
                   <a:srgbClr val="111111"/>
                 </a:solidFill>
-                <a:effectLst/>
                 <a:highlight>
                   <a:srgbClr val="F7F7F7"/>
                 </a:highlight>
                 <a:latin typeface="-apple-system"/>
               </a:rPr>
-              <a:t>Epic - Story - Task - Sub Task</a:t>
-            </a:r>
-            <a:endParaRPr lang="en-GB" sz="1400" b="0" i="0" dirty="0">
-              <a:solidFill>
-                <a:srgbClr val="111111"/>
-              </a:solidFill>
-              <a:effectLst/>
-              <a:highlight>
-                <a:srgbClr val="F7F7F7"/>
-              </a:highlight>
-              <a:latin typeface="-apple-system"/>
-            </a:endParaRPr>
-          </a:p>
-          <a:p>
-            <a:pPr marL="742950" lvl="1" indent="-285750" algn="l">
-              <a:buFont typeface="+mj-lt"/>
-              <a:buAutoNum type="arabicPeriod"/>
+              <a:t>Epic</a:t>
+            </a:r>
+          </a:p>
+          <a:p>
+            <a:pPr marL="800100" lvl="1" indent="-342900" algn="just">
+              <a:spcBef>
+                <a:spcPts val="0"/>
+              </a:spcBef>
+              <a:spcAft>
+                <a:spcPts val="800"/>
+              </a:spcAft>
+              <a:buSzPts val="1000"/>
+              <a:buFont typeface="Symbol" panose="05050102010706020507" pitchFamily="18" charset="2"/>
+              <a:buChar char=""/>
+              <a:tabLst>
+                <a:tab pos="457200" algn="l"/>
+              </a:tabLst>
             </a:pPr>
             <a:r>
-              <a:rPr lang="en-GB" sz="1400" b="1" i="0" dirty="0">
+              <a:rPr lang="en-US" sz="1400" b="1" dirty="0">
                 <a:solidFill>
                   <a:srgbClr val="111111"/>
                 </a:solidFill>
-                <a:effectLst/>
                 <a:highlight>
                   <a:srgbClr val="F7F7F7"/>
                 </a:highlight>
                 <a:latin typeface="-apple-system"/>
               </a:rPr>
-              <a:t>Epic:</a:t>
-            </a:r>
-            <a:r>
-              <a:rPr lang="en-GB" sz="1400" b="0" i="0" dirty="0">
+              <a:t>Definition: </a:t>
+            </a:r>
+            <a:r>
+              <a:rPr lang="en-US" sz="1400" dirty="0">
                 <a:solidFill>
                   <a:srgbClr val="111111"/>
                 </a:solidFill>
-                <a:effectLst/>
                 <a:highlight>
                   <a:srgbClr val="F7F7F7"/>
                 </a:highlight>
                 <a:latin typeface="-apple-system"/>
               </a:rPr>
-              <a:t> Think of an Epic as a large story that needs to be broken down into multiple smaller stories.</a:t>
-            </a:r>
-          </a:p>
-          <a:p>
-            <a:pPr marL="742950" lvl="1" indent="-285750" algn="l">
-              <a:buFont typeface="+mj-lt"/>
-              <a:buAutoNum type="arabicPeriod"/>
+              <a:t>A large body of work that can be broken down into multiple smaller stories. An Epic usually takes multiple sprints to complete.</a:t>
+            </a:r>
+          </a:p>
+          <a:p>
+            <a:pPr marL="800100" lvl="1" indent="-342900" algn="just">
+              <a:spcBef>
+                <a:spcPts val="0"/>
+              </a:spcBef>
+              <a:spcAft>
+                <a:spcPts val="800"/>
+              </a:spcAft>
+              <a:buSzPts val="1000"/>
+              <a:buFont typeface="Symbol" panose="05050102010706020507" pitchFamily="18" charset="2"/>
+              <a:buChar char=""/>
+              <a:tabLst>
+                <a:tab pos="457200" algn="l"/>
+              </a:tabLst>
             </a:pPr>
             <a:r>
-              <a:rPr lang="en-GB" sz="1400" b="1" i="0" dirty="0">
+              <a:rPr lang="en-US" sz="1400" b="1" dirty="0">
                 <a:solidFill>
                   <a:srgbClr val="111111"/>
                 </a:solidFill>
-                <a:effectLst/>
                 <a:highlight>
                   <a:srgbClr val="F7F7F7"/>
                 </a:highlight>
                 <a:latin typeface="-apple-system"/>
               </a:rPr>
-              <a:t>Story:</a:t>
-            </a:r>
-            <a:r>
-              <a:rPr lang="en-GB" sz="1400" b="0" i="0" dirty="0">
+              <a:t>Example:</a:t>
+            </a:r>
+            <a:r>
+              <a:rPr lang="en-US" sz="1400" dirty="0">
                 <a:solidFill>
                   <a:srgbClr val="111111"/>
                 </a:solidFill>
-                <a:effectLst/>
                 <a:highlight>
                   <a:srgbClr val="F7F7F7"/>
                 </a:highlight>
                 <a:latin typeface="-apple-system"/>
               </a:rPr>
-              <a:t> A requirement detailed enough to be estimated.</a:t>
-            </a:r>
-          </a:p>
-          <a:p>
-            <a:pPr marL="742950" lvl="1" indent="-285750" algn="l">
-              <a:buFont typeface="+mj-lt"/>
-              <a:buAutoNum type="arabicPeriod"/>
+              <a:t> Developing a new feature like "User Authentication" for an application, which may include several stories like "Login Page," "Sign Up," and "Password Reset."</a:t>
+            </a:r>
+          </a:p>
+          <a:p>
+            <a:pPr marL="0" marR="0" algn="just">
+              <a:spcBef>
+                <a:spcPts val="0"/>
+              </a:spcBef>
+              <a:spcAft>
+                <a:spcPts val="800"/>
+              </a:spcAft>
             </a:pPr>
             <a:r>
-              <a:rPr lang="en-GB" sz="1400" b="1" i="0" dirty="0">
+              <a:rPr lang="en-US" sz="1400" b="1" dirty="0">
                 <a:solidFill>
                   <a:srgbClr val="111111"/>
                 </a:solidFill>
-                <a:effectLst/>
                 <a:highlight>
                   <a:srgbClr val="F7F7F7"/>
                 </a:highlight>
                 <a:latin typeface="-apple-system"/>
               </a:rPr>
-              <a:t>Task:</a:t>
-            </a:r>
-            <a:r>
-              <a:rPr lang="en-GB" sz="1400" b="0" i="0" dirty="0">
+              <a:t>Story</a:t>
+            </a:r>
+          </a:p>
+          <a:p>
+            <a:pPr marL="800100" lvl="1" indent="-342900" algn="just">
+              <a:spcBef>
+                <a:spcPts val="0"/>
+              </a:spcBef>
+              <a:spcAft>
+                <a:spcPts val="800"/>
+              </a:spcAft>
+              <a:buSzPts val="1000"/>
+              <a:buFont typeface="Symbol" panose="05050102010706020507" pitchFamily="18" charset="2"/>
+              <a:buChar char=""/>
+              <a:tabLst>
+                <a:tab pos="457200" algn="l"/>
+              </a:tabLst>
+            </a:pPr>
+            <a:r>
+              <a:rPr lang="en-US" sz="1400" b="1" dirty="0">
                 <a:solidFill>
                   <a:srgbClr val="111111"/>
                 </a:solidFill>
-                <a:effectLst/>
                 <a:highlight>
                   <a:srgbClr val="F7F7F7"/>
                 </a:highlight>
                 <a:latin typeface="-apple-system"/>
               </a:rPr>
-              <a:t> Developers and testers break down the story into tasks to estimate, develop, and test it.</a:t>
-            </a:r>
-          </a:p>
-          <a:p>
-            <a:pPr marL="742950" lvl="1" indent="-285750" algn="l">
-              <a:buFont typeface="+mj-lt"/>
-              <a:buAutoNum type="arabicPeriod"/>
-            </a:pPr>
-            <a:r>
-              <a:rPr lang="en-GB" sz="1400" b="1" i="0" dirty="0">
+              <a:t>Definition: </a:t>
+            </a:r>
+            <a:r>
+              <a:rPr lang="en-US" sz="1400" dirty="0">
                 <a:solidFill>
                   <a:srgbClr val="111111"/>
                 </a:solidFill>
-                <a:effectLst/>
                 <a:highlight>
                   <a:srgbClr val="F7F7F7"/>
                 </a:highlight>
                 <a:latin typeface="-apple-system"/>
               </a:rPr>
-              <a:t>Sub Task:</a:t>
-            </a:r>
-            <a:r>
-              <a:rPr lang="en-GB" sz="1400" b="0" i="0" dirty="0">
+              <a:t>A user requirement that is detailed enough to be estimated and implemented in a sprint. It often follows the format: "As a [type of user], I want [an action] so that [a benefit]."</a:t>
+            </a:r>
+          </a:p>
+          <a:p>
+            <a:pPr marL="800100" lvl="1" indent="-342900" algn="just">
+              <a:spcBef>
+                <a:spcPts val="0"/>
+              </a:spcBef>
+              <a:spcAft>
+                <a:spcPts val="800"/>
+              </a:spcAft>
+              <a:buSzPts val="1000"/>
+              <a:buFont typeface="Symbol" panose="05050102010706020507" pitchFamily="18" charset="2"/>
+              <a:buChar char=""/>
+              <a:tabLst>
+                <a:tab pos="457200" algn="l"/>
+              </a:tabLst>
+            </a:pPr>
+            <a:r>
+              <a:rPr lang="en-US" sz="1400" b="1" dirty="0">
                 <a:solidFill>
                   <a:srgbClr val="111111"/>
                 </a:solidFill>
-                <a:effectLst/>
                 <a:highlight>
                   <a:srgbClr val="F7F7F7"/>
                 </a:highlight>
                 <a:latin typeface="-apple-system"/>
               </a:rPr>
-              <a:t> These are smaller chunks of a parent task, assigned and tracked individually.</a:t>
-            </a:r>
-          </a:p>
-          <a:p>
-            <a:pPr algn="l">
-              <a:buFont typeface="+mj-lt"/>
-              <a:buAutoNum type="arabicPeriod"/>
-            </a:pPr>
-            <a:r>
-              <a:rPr lang="en-GB" sz="1400" b="1" i="0" dirty="0">
+              <a:t>Example:</a:t>
+            </a:r>
+            <a:r>
+              <a:rPr lang="en-US" sz="1400" dirty="0">
                 <a:solidFill>
                   <a:srgbClr val="111111"/>
                 </a:solidFill>
-                <a:effectLst/>
                 <a:highlight>
                   <a:srgbClr val="F7F7F7"/>
                 </a:highlight>
                 <a:latin typeface="-apple-system"/>
               </a:rPr>
-              <a:t>Enabler and Spike Story</a:t>
-            </a:r>
-            <a:endParaRPr lang="en-GB" sz="1400" b="0" i="0" dirty="0">
-              <a:solidFill>
-                <a:srgbClr val="111111"/>
-              </a:solidFill>
-              <a:effectLst/>
-              <a:highlight>
-                <a:srgbClr val="F7F7F7"/>
-              </a:highlight>
-              <a:latin typeface="-apple-system"/>
-            </a:endParaRPr>
-          </a:p>
-          <a:p>
-            <a:pPr marL="742950" lvl="1" indent="-285750" algn="l">
-              <a:buFont typeface="+mj-lt"/>
-              <a:buAutoNum type="arabicPeriod"/>
+              <a:t> "As a user, I want to reset my password so that I can regain access to my account if I forget my password."</a:t>
+            </a:r>
+          </a:p>
+          <a:p>
+            <a:pPr marL="0" marR="0" algn="just">
+              <a:spcBef>
+                <a:spcPts val="0"/>
+              </a:spcBef>
+              <a:spcAft>
+                <a:spcPts val="800"/>
+              </a:spcAft>
             </a:pPr>
             <a:r>
-              <a:rPr lang="en-GB" sz="1400" b="1" i="0" dirty="0">
+              <a:rPr lang="en-US" sz="1400" b="1" dirty="0">
                 <a:solidFill>
                   <a:srgbClr val="111111"/>
                 </a:solidFill>
-                <a:effectLst/>
                 <a:highlight>
                   <a:srgbClr val="F7F7F7"/>
                 </a:highlight>
                 <a:latin typeface="-apple-system"/>
               </a:rPr>
-              <a:t>Enabler:</a:t>
-            </a:r>
-            <a:r>
-              <a:rPr lang="en-GB" sz="1400" b="0" i="0" dirty="0">
+              <a:t>Task</a:t>
+            </a:r>
+          </a:p>
+          <a:p>
+            <a:pPr marL="800100" lvl="1" indent="-342900" algn="just">
+              <a:spcBef>
+                <a:spcPts val="0"/>
+              </a:spcBef>
+              <a:spcAft>
+                <a:spcPts val="800"/>
+              </a:spcAft>
+              <a:buSzPts val="1000"/>
+              <a:buFont typeface="Symbol" panose="05050102010706020507" pitchFamily="18" charset="2"/>
+              <a:buChar char=""/>
+              <a:tabLst>
+                <a:tab pos="457200" algn="l"/>
+              </a:tabLst>
+            </a:pPr>
+            <a:r>
+              <a:rPr lang="en-US" sz="1400" b="1" dirty="0">
                 <a:solidFill>
                   <a:srgbClr val="111111"/>
                 </a:solidFill>
-                <a:effectLst/>
                 <a:highlight>
                   <a:srgbClr val="F7F7F7"/>
                 </a:highlight>
                 <a:latin typeface="-apple-system"/>
               </a:rPr>
-              <a:t> Supports activities needed to extend the architectural runway for future business functionality.</a:t>
-            </a:r>
-          </a:p>
-          <a:p>
-            <a:pPr marL="742950" lvl="1" indent="-285750" algn="l">
-              <a:buFont typeface="+mj-lt"/>
-              <a:buAutoNum type="arabicPeriod"/>
-            </a:pPr>
-            <a:r>
-              <a:rPr lang="en-GB" sz="1400" b="1" i="0" dirty="0">
+              <a:t>Definition: </a:t>
+            </a:r>
+            <a:r>
+              <a:rPr lang="en-US" sz="1400" dirty="0">
                 <a:solidFill>
                   <a:srgbClr val="111111"/>
                 </a:solidFill>
-                <a:effectLst/>
                 <a:highlight>
                   <a:srgbClr val="F7F7F7"/>
                 </a:highlight>
                 <a:latin typeface="-apple-system"/>
               </a:rPr>
-              <a:t>Spike:</a:t>
-            </a:r>
-            <a:r>
-              <a:rPr lang="en-GB" sz="1400" b="0" i="0" dirty="0">
+              <a:t>A specific piece of work that developers and testers break down from a story to estimate, develop, and test. Tasks are the actionable items in a sprint.</a:t>
+            </a:r>
+          </a:p>
+          <a:p>
+            <a:pPr marL="800100" lvl="1" indent="-342900" algn="just">
+              <a:spcBef>
+                <a:spcPts val="0"/>
+              </a:spcBef>
+              <a:spcAft>
+                <a:spcPts val="800"/>
+              </a:spcAft>
+              <a:buSzPts val="1000"/>
+              <a:buFont typeface="Symbol" panose="05050102010706020507" pitchFamily="18" charset="2"/>
+              <a:buChar char=""/>
+              <a:tabLst>
+                <a:tab pos="457200" algn="l"/>
+              </a:tabLst>
+            </a:pPr>
+            <a:r>
+              <a:rPr lang="en-US" sz="1400" b="1" dirty="0">
                 <a:solidFill>
                   <a:srgbClr val="111111"/>
                 </a:solidFill>
-                <a:effectLst/>
                 <a:highlight>
                   <a:srgbClr val="F7F7F7"/>
                 </a:highlight>
                 <a:latin typeface="-apple-system"/>
               </a:rPr>
-              <a:t> A time-boxed user story or task created to research a question or resolve a problem.</a:t>
-            </a:r>
-          </a:p>
-          <a:p>
-            <a:pPr algn="l">
-              <a:buFont typeface="+mj-lt"/>
-              <a:buAutoNum type="arabicPeriod"/>
-            </a:pPr>
-            <a:r>
-              <a:rPr lang="en-GB" sz="1400" b="1" i="0" dirty="0">
+              <a:t>Example: </a:t>
+            </a:r>
+            <a:r>
+              <a:rPr lang="en-US" sz="1400" dirty="0">
                 <a:solidFill>
                   <a:srgbClr val="111111"/>
                 </a:solidFill>
-                <a:effectLst/>
                 <a:highlight>
                   <a:srgbClr val="F7F7F7"/>
                 </a:highlight>
                 <a:latin typeface="-apple-system"/>
               </a:rPr>
-              <a:t>Activity Done for Enabler Story</a:t>
-            </a:r>
-            <a:endParaRPr lang="en-GB" sz="1400" b="0" i="0" dirty="0">
-              <a:solidFill>
-                <a:srgbClr val="111111"/>
-              </a:solidFill>
-              <a:effectLst/>
-              <a:highlight>
-                <a:srgbClr val="F7F7F7"/>
-              </a:highlight>
-              <a:latin typeface="-apple-system"/>
-            </a:endParaRPr>
-          </a:p>
-          <a:p>
-            <a:pPr algn="l">
-              <a:buFont typeface="+mj-lt"/>
-              <a:buAutoNum type="arabicPeriod"/>
+              <a:t>"Design the reset password page UI" or "Implement password reset functionality."</a:t>
+            </a:r>
+          </a:p>
+          <a:p>
+            <a:pPr marL="0" marR="0" algn="just">
+              <a:spcBef>
+                <a:spcPts val="0"/>
+              </a:spcBef>
+              <a:spcAft>
+                <a:spcPts val="800"/>
+              </a:spcAft>
             </a:pPr>
             <a:r>
-              <a:rPr lang="en-GB" sz="1400" b="1" i="0" dirty="0">
+              <a:rPr lang="en-US" sz="1400" b="1" dirty="0">
                 <a:solidFill>
                   <a:srgbClr val="111111"/>
                 </a:solidFill>
-                <a:effectLst/>
                 <a:highlight>
                   <a:srgbClr val="F7F7F7"/>
                 </a:highlight>
                 <a:latin typeface="-apple-system"/>
               </a:rPr>
-              <a:t>Story Pointing</a:t>
-            </a:r>
-            <a:endParaRPr lang="en-GB" sz="1400" b="0" i="0" dirty="0">
-              <a:solidFill>
-                <a:srgbClr val="111111"/>
-              </a:solidFill>
-              <a:effectLst/>
-              <a:highlight>
-                <a:srgbClr val="F7F7F7"/>
-              </a:highlight>
-              <a:latin typeface="-apple-system"/>
-            </a:endParaRPr>
-          </a:p>
-          <a:p>
-            <a:pPr lvl="1"/>
-            <a:r>
-              <a:rPr lang="en-GB" sz="1400" b="0" i="0" dirty="0">
+              <a:t>Sub-Task</a:t>
+            </a:r>
+          </a:p>
+          <a:p>
+            <a:pPr marL="800100" lvl="1" indent="-342900" algn="just">
+              <a:spcBef>
+                <a:spcPts val="0"/>
+              </a:spcBef>
+              <a:spcAft>
+                <a:spcPts val="800"/>
+              </a:spcAft>
+              <a:buSzPts val="1000"/>
+              <a:buFont typeface="Symbol" panose="05050102010706020507" pitchFamily="18" charset="2"/>
+              <a:buChar char=""/>
+              <a:tabLst>
+                <a:tab pos="457200" algn="l"/>
+              </a:tabLst>
+            </a:pPr>
+            <a:r>
+              <a:rPr lang="en-US" sz="1400" b="1" dirty="0">
                 <a:solidFill>
                   <a:srgbClr val="111111"/>
                 </a:solidFill>
-                <a:effectLst/>
                 <a:highlight>
                   <a:srgbClr val="F7F7F7"/>
                 </a:highlight>
                 <a:latin typeface="-apple-system"/>
               </a:rPr>
-              <a:t>Story points measure the effort required to complete a piece of work.</a:t>
-            </a:r>
-          </a:p>
-          <a:p>
-            <a:pPr lvl="1"/>
-            <a:r>
-              <a:rPr lang="en-GB" sz="1400" b="0" i="0" dirty="0">
+              <a:t>Definition:</a:t>
+            </a:r>
+            <a:r>
+              <a:rPr lang="en-US" sz="1400" dirty="0">
                 <a:solidFill>
                   <a:srgbClr val="111111"/>
                 </a:solidFill>
-                <a:effectLst/>
                 <a:highlight>
                   <a:srgbClr val="F7F7F7"/>
                 </a:highlight>
                 <a:latin typeface="-apple-system"/>
               </a:rPr>
-              <a:t>The team assigns story points based on complexity, amount, and uncertainty.</a:t>
-            </a:r>
-          </a:p>
-          <a:p>
-            <a:pPr algn="l">
-              <a:buFont typeface="+mj-lt"/>
-              <a:buAutoNum type="arabicPeriod"/>
+              <a:t> Smaller portions of a parent task, each assigned and tracked individually. Sub-tasks help distribute the workload among team members.</a:t>
+            </a:r>
+          </a:p>
+          <a:p>
+            <a:pPr marL="800100" lvl="1" indent="-342900" algn="just">
+              <a:spcBef>
+                <a:spcPts val="0"/>
+              </a:spcBef>
+              <a:spcAft>
+                <a:spcPts val="800"/>
+              </a:spcAft>
+              <a:buSzPts val="1000"/>
+              <a:buFont typeface="Symbol" panose="05050102010706020507" pitchFamily="18" charset="2"/>
+              <a:buChar char=""/>
+              <a:tabLst>
+                <a:tab pos="457200" algn="l"/>
+              </a:tabLst>
             </a:pPr>
             <a:r>
-              <a:rPr lang="en-GB" sz="1400" b="1" i="0" dirty="0">
+              <a:rPr lang="en-US" sz="1400" b="1" dirty="0">
                 <a:solidFill>
                   <a:srgbClr val="111111"/>
                 </a:solidFill>
-                <a:effectLst/>
                 <a:highlight>
                   <a:srgbClr val="F7F7F7"/>
                 </a:highlight>
                 <a:latin typeface="-apple-system"/>
               </a:rPr>
-              <a:t>Definition of Ready</a:t>
-            </a:r>
-            <a:endParaRPr lang="en-GB" sz="1400" b="0" i="0" dirty="0">
-              <a:solidFill>
-                <a:srgbClr val="111111"/>
-              </a:solidFill>
-              <a:effectLst/>
-              <a:highlight>
-                <a:srgbClr val="F7F7F7"/>
-              </a:highlight>
-              <a:latin typeface="-apple-system"/>
-            </a:endParaRPr>
-          </a:p>
-          <a:p>
-            <a:pPr lvl="1"/>
-            <a:r>
-              <a:rPr lang="en-GB" sz="1400" b="0" i="0" dirty="0">
+              <a:t>Example: </a:t>
+            </a:r>
+            <a:r>
+              <a:rPr lang="en-US" sz="1400" dirty="0">
                 <a:solidFill>
                   <a:srgbClr val="111111"/>
                 </a:solidFill>
-                <a:effectLst/>
                 <a:highlight>
                   <a:srgbClr val="F7F7F7"/>
                 </a:highlight>
                 <a:latin typeface="-apple-system"/>
               </a:rPr>
-              <a:t>Defines the criteria a user story must meet before it can be picked up for a sprint.</a:t>
-            </a:r>
-            <a:br>
-              <a:rPr lang="en-GB" sz="1400" dirty="0"/>
-            </a:br>
-            <a:endParaRPr lang="en-GB" sz="1100" b="1" i="0" dirty="0">
-              <a:solidFill>
-                <a:srgbClr val="111111"/>
-              </a:solidFill>
-              <a:effectLst/>
-              <a:highlight>
-                <a:srgbClr val="F7F7F7"/>
-              </a:highlight>
-              <a:latin typeface="-apple-system"/>
-            </a:endParaRPr>
+              <a:t>"Create a front-end form for password reset" under the task "Implement password reset functionality."</a:t>
+            </a:r>
           </a:p>
         </p:txBody>
       </p:sp>
+      <p:pic>
+        <p:nvPicPr>
+          <p:cNvPr id="5" name="Picture 4" descr="Epics, Stories, Tasks, Subtasks… what's the difference | Last Call Media">
+            <a:extLst>
+              <a:ext uri="{FF2B5EF4-FFF2-40B4-BE49-F238E27FC236}">
+                <a16:creationId xmlns:a16="http://schemas.microsoft.com/office/drawing/2014/main" id="{09A12869-6957-194B-7206-BE1515800D00}"/>
+              </a:ext>
+            </a:extLst>
+          </p:cNvPr>
+          <p:cNvPicPr>
+            <a:picLocks noChangeAspect="1" noChangeArrowheads="1"/>
+          </p:cNvPicPr>
+          <p:nvPr/>
+        </p:nvPicPr>
+        <p:blipFill rotWithShape="1">
+          <a:blip r:embed="rId7" cstate="screen">
+            <a:extLst>
+              <a:ext uri="{28A0092B-C50C-407E-A947-70E740481C1C}">
+                <a14:useLocalDpi xmlns:a14="http://schemas.microsoft.com/office/drawing/2010/main" val="0"/>
+              </a:ext>
+            </a:extLst>
+          </a:blip>
+          <a:srcRect l="8714" t="23397" r="8382" b="24762"/>
+          <a:stretch/>
+        </p:blipFill>
+        <p:spPr bwMode="auto">
+          <a:xfrm>
+            <a:off x="7063693" y="4212038"/>
+            <a:ext cx="4473532" cy="1573921"/>
+          </a:xfrm>
+          <a:prstGeom prst="rect">
+            <a:avLst/>
+          </a:prstGeom>
+          <a:noFill/>
+          <a:extLst>
+            <a:ext uri="{909E8E84-426E-40DD-AFC4-6F175D3DCCD1}">
+              <a14:hiddenFill xmlns:a14="http://schemas.microsoft.com/office/drawing/2010/main">
+                <a:solidFill>
+                  <a:srgbClr val="FFFFFF"/>
+                </a:solidFill>
+              </a14:hiddenFill>
+            </a:ext>
+          </a:extLst>
+        </p:spPr>
+      </p:pic>
     </p:spTree>
     <p:extLst>
       <p:ext uri="{BB962C8B-B14F-4D97-AF65-F5344CB8AC3E}">
@@ -9908,7 +10730,7 @@
           </a:effectLst>
         </p:spPr>
         <p:txBody>
-          <a:bodyPr/>
+          <a:bodyPr numCol="2" spcCol="274320"/>
           <a:lstStyle>
             <a:lvl1pPr marL="228600" indent="-228600" algn="l" defTabSz="914400" rtl="0" eaLnBrk="1" latinLnBrk="0" hangingPunct="1">
               <a:lnSpc>
@@ -10074,300 +10896,416 @@
             </a:lvl9pPr>
           </a:lstStyle>
           <a:p>
-            <a:pPr marL="342900" indent="-342900" algn="l">
-              <a:buFont typeface="+mj-lt"/>
-              <a:buAutoNum type="arabicPeriod" startAt="6"/>
-            </a:pPr>
-            <a:r>
-              <a:rPr lang="en-GB" sz="1400" b="1" i="0" dirty="0">
+            <a:r>
+              <a:rPr lang="en-US" sz="1400" b="1" dirty="0">
                 <a:solidFill>
                   <a:srgbClr val="111111"/>
                 </a:solidFill>
-                <a:effectLst/>
                 <a:highlight>
                   <a:srgbClr val="F7F7F7"/>
                 </a:highlight>
                 <a:latin typeface="-apple-system"/>
               </a:rPr>
-              <a:t>Scrum Board</a:t>
-            </a:r>
-            <a:endParaRPr lang="en-GB" sz="1400" b="0" i="0" dirty="0">
-              <a:solidFill>
-                <a:srgbClr val="111111"/>
-              </a:solidFill>
-              <a:effectLst/>
-              <a:highlight>
-                <a:srgbClr val="F7F7F7"/>
-              </a:highlight>
-              <a:latin typeface="-apple-system"/>
-            </a:endParaRPr>
+              <a:t>Enabler Story</a:t>
+            </a:r>
           </a:p>
           <a:p>
             <a:pPr lvl="1"/>
             <a:r>
-              <a:rPr lang="en-GB" sz="1400" b="0" i="0" dirty="0">
+              <a:rPr lang="en-US" sz="1400" b="1" dirty="0">
                 <a:solidFill>
                   <a:srgbClr val="111111"/>
                 </a:solidFill>
-                <a:effectLst/>
                 <a:highlight>
                   <a:srgbClr val="F7F7F7"/>
                 </a:highlight>
                 <a:latin typeface="-apple-system"/>
               </a:rPr>
-              <a:t>Also known as a sprint board, it’s a visual representation of work to be done in a single sprint.</a:t>
-            </a:r>
-          </a:p>
-          <a:p>
-            <a:pPr algn="l">
-              <a:buFont typeface="+mj-lt"/>
-              <a:buAutoNum type="arabicPeriod" startAt="6"/>
-            </a:pPr>
-            <a:r>
-              <a:rPr lang="en-GB" sz="1400" b="1" i="0" dirty="0">
+              <a:t>Definition: </a:t>
+            </a:r>
+            <a:r>
+              <a:rPr lang="en-US" sz="1400" dirty="0">
                 <a:solidFill>
                   <a:srgbClr val="111111"/>
                 </a:solidFill>
-                <a:effectLst/>
                 <a:highlight>
                   <a:srgbClr val="F7F7F7"/>
                 </a:highlight>
                 <a:latin typeface="-apple-system"/>
               </a:rPr>
-              <a:t>Agile Workflow</a:t>
-            </a:r>
-            <a:endParaRPr lang="en-GB" sz="1400" b="0" i="0" dirty="0">
-              <a:solidFill>
-                <a:srgbClr val="111111"/>
-              </a:solidFill>
-              <a:effectLst/>
-              <a:highlight>
-                <a:srgbClr val="F7F7F7"/>
-              </a:highlight>
-              <a:latin typeface="-apple-system"/>
-            </a:endParaRPr>
-          </a:p>
-          <a:p>
-            <a:pPr algn="l">
-              <a:buFont typeface="+mj-lt"/>
-              <a:buAutoNum type="arabicPeriod" startAt="6"/>
-            </a:pPr>
-            <a:r>
-              <a:rPr lang="en-GB" sz="1400" b="1" i="0" dirty="0">
+              <a:t>Supports activities necessary for future functionality, extending the architectural runway.</a:t>
+            </a:r>
+          </a:p>
+          <a:p>
+            <a:pPr lvl="1"/>
+            <a:r>
+              <a:rPr lang="en-US" sz="1400" b="1" dirty="0">
                 <a:solidFill>
                   <a:srgbClr val="111111"/>
                 </a:solidFill>
-                <a:effectLst/>
                 <a:highlight>
                   <a:srgbClr val="F7F7F7"/>
                 </a:highlight>
                 <a:latin typeface="-apple-system"/>
               </a:rPr>
-              <a:t>Agile Product Roadmap</a:t>
-            </a:r>
-            <a:endParaRPr lang="en-GB" sz="1400" b="0" i="0" dirty="0">
-              <a:solidFill>
-                <a:srgbClr val="111111"/>
-              </a:solidFill>
-              <a:effectLst/>
-              <a:highlight>
-                <a:srgbClr val="F7F7F7"/>
-              </a:highlight>
-              <a:latin typeface="-apple-system"/>
-            </a:endParaRPr>
-          </a:p>
-          <a:p>
-            <a:pPr algn="l">
-              <a:buFont typeface="+mj-lt"/>
-              <a:buAutoNum type="arabicPeriod" startAt="6"/>
-            </a:pPr>
-            <a:r>
-              <a:rPr lang="en-GB" sz="1400" b="1" i="0" dirty="0">
+              <a:t>Example: </a:t>
+            </a:r>
+            <a:r>
+              <a:rPr lang="en-US" sz="1400" dirty="0">
                 <a:solidFill>
                   <a:srgbClr val="111111"/>
                 </a:solidFill>
-                <a:effectLst/>
                 <a:highlight>
                   <a:srgbClr val="F7F7F7"/>
                 </a:highlight>
                 <a:latin typeface="-apple-system"/>
               </a:rPr>
-              <a:t>Time Estimation</a:t>
-            </a:r>
-            <a:endParaRPr lang="en-GB" sz="1400" b="0" i="0" dirty="0">
-              <a:solidFill>
-                <a:srgbClr val="111111"/>
-              </a:solidFill>
-              <a:effectLst/>
-              <a:highlight>
-                <a:srgbClr val="F7F7F7"/>
-              </a:highlight>
-              <a:latin typeface="-apple-system"/>
-            </a:endParaRPr>
-          </a:p>
-          <a:p>
-            <a:pPr algn="l">
-              <a:buFont typeface="+mj-lt"/>
-              <a:buAutoNum type="arabicPeriod" startAt="6"/>
-            </a:pPr>
-            <a:r>
-              <a:rPr lang="en-GB" sz="1400" b="1" i="0" dirty="0">
+              <a:t>Setting up a continuous integration pipeline.</a:t>
+            </a:r>
+          </a:p>
+          <a:p>
+            <a:r>
+              <a:rPr lang="en-US" sz="1400" b="1" dirty="0">
                 <a:solidFill>
                   <a:srgbClr val="111111"/>
                 </a:solidFill>
-                <a:effectLst/>
                 <a:highlight>
                   <a:srgbClr val="F7F7F7"/>
                 </a:highlight>
                 <a:latin typeface="-apple-system"/>
               </a:rPr>
-              <a:t>Logging Work</a:t>
-            </a:r>
-            <a:endParaRPr lang="en-GB" sz="1400" b="0" i="0" dirty="0">
-              <a:solidFill>
-                <a:srgbClr val="111111"/>
-              </a:solidFill>
-              <a:effectLst/>
-              <a:highlight>
-                <a:srgbClr val="F7F7F7"/>
-              </a:highlight>
-              <a:latin typeface="-apple-system"/>
-            </a:endParaRPr>
-          </a:p>
-          <a:p>
-            <a:pPr algn="l">
-              <a:buFont typeface="+mj-lt"/>
-              <a:buAutoNum type="arabicPeriod" startAt="6"/>
-            </a:pPr>
-            <a:r>
-              <a:rPr lang="en-GB" sz="1400" b="1" i="0" dirty="0">
+              <a:t>Spike</a:t>
+            </a:r>
+          </a:p>
+          <a:p>
+            <a:pPr lvl="1"/>
+            <a:r>
+              <a:rPr lang="en-US" sz="1400" b="1" dirty="0">
                 <a:solidFill>
                   <a:srgbClr val="111111"/>
                 </a:solidFill>
-                <a:effectLst/>
                 <a:highlight>
                   <a:srgbClr val="F7F7F7"/>
                 </a:highlight>
                 <a:latin typeface="-apple-system"/>
               </a:rPr>
-              <a:t>Why Kanban Board?</a:t>
-            </a:r>
-            <a:endParaRPr lang="en-GB" sz="1400" b="0" i="0" dirty="0">
-              <a:solidFill>
-                <a:srgbClr val="111111"/>
-              </a:solidFill>
-              <a:effectLst/>
-              <a:highlight>
-                <a:srgbClr val="F7F7F7"/>
-              </a:highlight>
-              <a:latin typeface="-apple-system"/>
-            </a:endParaRPr>
-          </a:p>
-          <a:p>
-            <a:pPr algn="l">
-              <a:buFont typeface="+mj-lt"/>
-              <a:buAutoNum type="arabicPeriod" startAt="6"/>
-            </a:pPr>
-            <a:r>
-              <a:rPr lang="en-GB" sz="1400" b="1" i="0" dirty="0">
+              <a:t>Definition: </a:t>
+            </a:r>
+            <a:r>
+              <a:rPr lang="en-US" sz="1400" dirty="0">
                 <a:solidFill>
                   <a:srgbClr val="111111"/>
                 </a:solidFill>
-                <a:effectLst/>
                 <a:highlight>
                   <a:srgbClr val="F7F7F7"/>
                 </a:highlight>
                 <a:latin typeface="-apple-system"/>
               </a:rPr>
-              <a:t>Why Use Fibonacci Numbers?</a:t>
-            </a:r>
-            <a:endParaRPr lang="en-GB" sz="1400" b="0" i="0" dirty="0">
-              <a:solidFill>
-                <a:srgbClr val="111111"/>
-              </a:solidFill>
-              <a:effectLst/>
-              <a:highlight>
-                <a:srgbClr val="F7F7F7"/>
-              </a:highlight>
-              <a:latin typeface="-apple-system"/>
-            </a:endParaRPr>
+              <a:t>A time-boxed task for research or problem-solving to reduce risks or unknowns.</a:t>
+            </a:r>
           </a:p>
           <a:p>
             <a:pPr lvl="1"/>
             <a:r>
-              <a:rPr lang="en-GB" sz="1400" b="0" i="0" dirty="0">
+              <a:rPr lang="en-US" sz="1400" b="1" dirty="0">
                 <a:solidFill>
                   <a:srgbClr val="111111"/>
                 </a:solidFill>
-                <a:effectLst/>
                 <a:highlight>
                   <a:srgbClr val="F7F7F7"/>
                 </a:highlight>
                 <a:latin typeface="-apple-system"/>
               </a:rPr>
-              <a:t>Fibonacci numbers get farther apart as they increase, making estimation easier.</a:t>
-            </a:r>
-          </a:p>
-          <a:p>
-            <a:pPr algn="l">
-              <a:buFont typeface="+mj-lt"/>
-              <a:buAutoNum type="arabicPeriod" startAt="6"/>
-            </a:pPr>
-            <a:r>
-              <a:rPr lang="en-GB" sz="1400" b="1" i="0" dirty="0">
+              <a:t>Example: </a:t>
+            </a:r>
+            <a:r>
+              <a:rPr lang="en-US" sz="1400" dirty="0">
                 <a:solidFill>
                   <a:srgbClr val="111111"/>
                 </a:solidFill>
-                <a:effectLst/>
                 <a:highlight>
                   <a:srgbClr val="F7F7F7"/>
                 </a:highlight>
                 <a:latin typeface="-apple-system"/>
               </a:rPr>
-              <a:t>Burn Up Charts vs. Burndown Charts</a:t>
-            </a:r>
-            <a:endParaRPr lang="en-GB" sz="1400" b="0" i="0" dirty="0">
-              <a:solidFill>
-                <a:srgbClr val="111111"/>
-              </a:solidFill>
-              <a:effectLst/>
-              <a:highlight>
-                <a:srgbClr val="F7F7F7"/>
-              </a:highlight>
-              <a:latin typeface="-apple-system"/>
-            </a:endParaRPr>
-          </a:p>
-          <a:p>
-            <a:pPr algn="l">
-              <a:buFont typeface="+mj-lt"/>
-              <a:buAutoNum type="arabicPeriod" startAt="6"/>
-            </a:pPr>
-            <a:r>
-              <a:rPr lang="en-GB" sz="1400" b="1" i="0" dirty="0">
+              <a:t>Researching how to integrate OAuth 2.0 for authentication.</a:t>
+            </a:r>
+          </a:p>
+          <a:p>
+            <a:r>
+              <a:rPr lang="en-US" sz="1400" b="1" dirty="0">
                 <a:solidFill>
                   <a:srgbClr val="111111"/>
                 </a:solidFill>
-                <a:effectLst/>
                 <a:highlight>
                   <a:srgbClr val="F7F7F7"/>
                 </a:highlight>
                 <a:latin typeface="-apple-system"/>
               </a:rPr>
-              <a:t>Velocity Charts</a:t>
-            </a:r>
-            <a:endParaRPr lang="en-GB" sz="1400" b="0" i="0" dirty="0">
-              <a:solidFill>
-                <a:srgbClr val="111111"/>
-              </a:solidFill>
-              <a:effectLst/>
-              <a:highlight>
-                <a:srgbClr val="F7F7F7"/>
-              </a:highlight>
-              <a:latin typeface="-apple-system"/>
-            </a:endParaRPr>
+              <a:t>Story Pointing</a:t>
+            </a:r>
+          </a:p>
+          <a:p>
+            <a:pPr lvl="1"/>
+            <a:r>
+              <a:rPr lang="en-US" sz="1400" b="1" dirty="0">
+                <a:solidFill>
+                  <a:srgbClr val="111111"/>
+                </a:solidFill>
+                <a:highlight>
+                  <a:srgbClr val="F7F7F7"/>
+                </a:highlight>
+                <a:latin typeface="-apple-system"/>
+              </a:rPr>
+              <a:t>Definition: </a:t>
+            </a:r>
+            <a:r>
+              <a:rPr lang="en-US" sz="1400" dirty="0">
+                <a:solidFill>
+                  <a:srgbClr val="111111"/>
+                </a:solidFill>
+                <a:highlight>
+                  <a:srgbClr val="F7F7F7"/>
+                </a:highlight>
+                <a:latin typeface="-apple-system"/>
+              </a:rPr>
+              <a:t>Measures effort using story points, considering complexity, amount, and uncertainty. Often uses Fibonacci sequence.</a:t>
+            </a:r>
+          </a:p>
+          <a:p>
+            <a:pPr lvl="1"/>
+            <a:r>
+              <a:rPr lang="en-US" sz="1400" b="1" dirty="0">
+                <a:solidFill>
+                  <a:srgbClr val="111111"/>
+                </a:solidFill>
+                <a:highlight>
+                  <a:srgbClr val="F7F7F7"/>
+                </a:highlight>
+                <a:latin typeface="-apple-system"/>
+              </a:rPr>
+              <a:t>Example: </a:t>
+            </a:r>
+            <a:r>
+              <a:rPr lang="en-US" sz="1400" dirty="0">
+                <a:solidFill>
+                  <a:srgbClr val="111111"/>
+                </a:solidFill>
+                <a:highlight>
+                  <a:srgbClr val="F7F7F7"/>
+                </a:highlight>
+                <a:latin typeface="-apple-system"/>
+              </a:rPr>
+              <a:t>A login button might be 1 point; integrating third-party authentication could be 8 points.</a:t>
+            </a:r>
+          </a:p>
+          <a:p>
+            <a:r>
+              <a:rPr lang="en-US" sz="1400" b="1" dirty="0">
+                <a:solidFill>
+                  <a:srgbClr val="111111"/>
+                </a:solidFill>
+                <a:highlight>
+                  <a:srgbClr val="F7F7F7"/>
+                </a:highlight>
+                <a:latin typeface="-apple-system"/>
+              </a:rPr>
+              <a:t>Definition of Ready (</a:t>
+            </a:r>
+            <a:r>
+              <a:rPr lang="en-US" sz="1400" b="1" dirty="0" err="1">
+                <a:solidFill>
+                  <a:srgbClr val="111111"/>
+                </a:solidFill>
+                <a:highlight>
+                  <a:srgbClr val="F7F7F7"/>
+                </a:highlight>
+                <a:latin typeface="-apple-system"/>
+              </a:rPr>
+              <a:t>DoR</a:t>
+            </a:r>
+            <a:r>
+              <a:rPr lang="en-US" sz="1400" b="1" dirty="0">
+                <a:solidFill>
+                  <a:srgbClr val="111111"/>
+                </a:solidFill>
+                <a:highlight>
+                  <a:srgbClr val="F7F7F7"/>
+                </a:highlight>
+                <a:latin typeface="-apple-system"/>
+              </a:rPr>
+              <a:t>)</a:t>
+            </a:r>
+          </a:p>
+          <a:p>
+            <a:pPr lvl="1"/>
+            <a:r>
+              <a:rPr lang="en-US" sz="1400" b="1" dirty="0">
+                <a:solidFill>
+                  <a:srgbClr val="111111"/>
+                </a:solidFill>
+                <a:highlight>
+                  <a:srgbClr val="F7F7F7"/>
+                </a:highlight>
+                <a:latin typeface="-apple-system"/>
+              </a:rPr>
+              <a:t>Definition: </a:t>
+            </a:r>
+            <a:r>
+              <a:rPr lang="en-US" sz="1400" dirty="0">
+                <a:solidFill>
+                  <a:srgbClr val="111111"/>
+                </a:solidFill>
+                <a:highlight>
+                  <a:srgbClr val="F7F7F7"/>
+                </a:highlight>
+                <a:latin typeface="-apple-system"/>
+              </a:rPr>
+              <a:t>A checklist that ensures a story is well-defined and actionable before being picked up for a sprint.</a:t>
+            </a:r>
+          </a:p>
+          <a:p>
+            <a:pPr lvl="1"/>
+            <a:r>
+              <a:rPr lang="en-US" sz="1400" b="1" dirty="0">
+                <a:solidFill>
+                  <a:srgbClr val="111111"/>
+                </a:solidFill>
+                <a:highlight>
+                  <a:srgbClr val="F7F7F7"/>
+                </a:highlight>
+                <a:latin typeface="-apple-system"/>
+              </a:rPr>
+              <a:t>Example: </a:t>
+            </a:r>
+            <a:r>
+              <a:rPr lang="en-US" sz="1400" dirty="0">
+                <a:solidFill>
+                  <a:srgbClr val="111111"/>
+                </a:solidFill>
+                <a:highlight>
+                  <a:srgbClr val="F7F7F7"/>
+                </a:highlight>
+                <a:latin typeface="-apple-system"/>
+              </a:rPr>
+              <a:t>Acceptance criteria are defined, and dependencies are identified.</a:t>
+            </a:r>
+          </a:p>
+          <a:p>
+            <a:r>
+              <a:rPr lang="en-US" sz="1400" b="1" dirty="0">
+                <a:solidFill>
+                  <a:srgbClr val="111111"/>
+                </a:solidFill>
+                <a:highlight>
+                  <a:srgbClr val="F7F7F7"/>
+                </a:highlight>
+                <a:latin typeface="-apple-system"/>
+              </a:rPr>
+              <a:t>Definition of Done (DoD)</a:t>
+            </a:r>
+          </a:p>
+          <a:p>
+            <a:pPr lvl="1"/>
+            <a:r>
+              <a:rPr lang="en-US" sz="1400" b="1" dirty="0">
+                <a:solidFill>
+                  <a:srgbClr val="111111"/>
+                </a:solidFill>
+                <a:highlight>
+                  <a:srgbClr val="F7F7F7"/>
+                </a:highlight>
+                <a:latin typeface="-apple-system"/>
+              </a:rPr>
+              <a:t>Definition: </a:t>
+            </a:r>
+            <a:r>
+              <a:rPr lang="en-US" sz="1400" dirty="0">
+                <a:solidFill>
+                  <a:srgbClr val="111111"/>
+                </a:solidFill>
+                <a:highlight>
+                  <a:srgbClr val="F7F7F7"/>
+                </a:highlight>
+                <a:latin typeface="-apple-system"/>
+              </a:rPr>
+              <a:t>A set of criteria a story must meet to be considered complete, ensuring all aspects are finished.</a:t>
+            </a:r>
+          </a:p>
+          <a:p>
+            <a:pPr lvl="1"/>
+            <a:r>
+              <a:rPr lang="en-US" sz="1400" b="1" dirty="0">
+                <a:solidFill>
+                  <a:srgbClr val="111111"/>
+                </a:solidFill>
+                <a:highlight>
+                  <a:srgbClr val="F7F7F7"/>
+                </a:highlight>
+                <a:latin typeface="-apple-system"/>
+              </a:rPr>
+              <a:t>Example: </a:t>
+            </a:r>
+            <a:r>
+              <a:rPr lang="en-US" sz="1400" dirty="0">
+                <a:solidFill>
+                  <a:srgbClr val="111111"/>
+                </a:solidFill>
+                <a:highlight>
+                  <a:srgbClr val="F7F7F7"/>
+                </a:highlight>
+                <a:latin typeface="-apple-system"/>
+              </a:rPr>
+              <a:t>Code is written, tested, reviewed, and deployed to staging.</a:t>
+            </a:r>
           </a:p>
         </p:txBody>
       </p:sp>
+      <p:pic>
+        <p:nvPicPr>
+          <p:cNvPr id="2054" name="Picture 6" descr="What Are Story Points and How Do You Use Them?">
+            <a:extLst>
+              <a:ext uri="{FF2B5EF4-FFF2-40B4-BE49-F238E27FC236}">
+                <a16:creationId xmlns:a16="http://schemas.microsoft.com/office/drawing/2014/main" id="{F011E11F-5A7A-F31C-5336-75DE62483432}"/>
+              </a:ext>
+            </a:extLst>
+          </p:cNvPr>
+          <p:cNvPicPr>
+            <a:picLocks noChangeAspect="1" noChangeArrowheads="1"/>
+          </p:cNvPicPr>
+          <p:nvPr/>
+        </p:nvPicPr>
+        <p:blipFill rotWithShape="1">
+          <a:blip r:embed="rId7" cstate="screen">
+            <a:extLst>
+              <a:ext uri="{28A0092B-C50C-407E-A947-70E740481C1C}">
+                <a14:useLocalDpi xmlns:a14="http://schemas.microsoft.com/office/drawing/2010/main" val="0"/>
+              </a:ext>
+            </a:extLst>
+          </a:blip>
+          <a:srcRect l="14929" t="30703" r="12731" b="23165"/>
+          <a:stretch/>
+        </p:blipFill>
+        <p:spPr bwMode="auto">
+          <a:xfrm>
+            <a:off x="7169285" y="4053950"/>
+            <a:ext cx="3788213" cy="1811830"/>
+          </a:xfrm>
+          <a:prstGeom prst="rect">
+            <a:avLst/>
+          </a:prstGeom>
+          <a:noFill/>
+          <a:extLst>
+            <a:ext uri="{909E8E84-426E-40DD-AFC4-6F175D3DCCD1}">
+              <a14:hiddenFill xmlns:a14="http://schemas.microsoft.com/office/drawing/2010/main">
+                <a:solidFill>
+                  <a:srgbClr val="FFFFFF"/>
+                </a:solidFill>
+              </a14:hiddenFill>
+            </a:ext>
+          </a:extLst>
+        </p:spPr>
+      </p:pic>
     </p:spTree>
     <p:extLst>
       <p:ext uri="{BB962C8B-B14F-4D97-AF65-F5344CB8AC3E}">
@@ -10398,12 +11336,131 @@
           <a:chExt cx="0" cy="0"/>
         </a:xfrm>
       </p:grpSpPr>
+      <p:graphicFrame>
+        <p:nvGraphicFramePr>
+          <p:cNvPr id="7" name="think-cell data - do not delete" hidden="1">
+            <a:extLst>
+              <a:ext uri="{FF2B5EF4-FFF2-40B4-BE49-F238E27FC236}">
+                <a16:creationId xmlns:a16="http://schemas.microsoft.com/office/drawing/2014/main" id="{3583FF9E-539E-FE29-E73B-3EF7E093601C}"/>
+              </a:ext>
+            </a:extLst>
+          </p:cNvPr>
+          <p:cNvGraphicFramePr>
+            <a:graphicFrameLocks noChangeAspect="1"/>
+          </p:cNvGraphicFramePr>
+          <p:nvPr>
+            <p:custDataLst>
+              <p:tags r:id="rId1"/>
+            </p:custDataLst>
+          </p:nvPr>
+        </p:nvGraphicFramePr>
+        <p:xfrm>
+          <a:off x="1588" y="1588"/>
+          <a:ext cx="1588" cy="1588"/>
+        </p:xfrm>
+        <a:graphic>
+          <a:graphicData uri="http://schemas.openxmlformats.org/presentationml/2006/ole">
+            <mc:AlternateContent xmlns:mc="http://schemas.openxmlformats.org/markup-compatibility/2006">
+              <mc:Choice xmlns:v="urn:schemas-microsoft-com:vml" Requires="v">
+                <p:oleObj name="think-cell Slide" r:id="rId3" imgW="395" imgH="394" progId="TCLayout.ActiveDocument.1">
+                  <p:embed/>
+                </p:oleObj>
+              </mc:Choice>
+              <mc:Fallback>
+                <p:oleObj name="think-cell Slide" r:id="rId3" imgW="395" imgH="394" progId="TCLayout.ActiveDocument.1">
+                  <p:embed/>
+                  <p:pic>
+                    <p:nvPicPr>
+                      <p:cNvPr id="7" name="think-cell data - do not delete" hidden="1">
+                        <a:extLst>
+                          <a:ext uri="{FF2B5EF4-FFF2-40B4-BE49-F238E27FC236}">
+                            <a16:creationId xmlns:a16="http://schemas.microsoft.com/office/drawing/2014/main" id="{3583FF9E-539E-FE29-E73B-3EF7E093601C}"/>
+                          </a:ext>
+                        </a:extLst>
+                      </p:cNvPr>
+                      <p:cNvPicPr/>
+                      <p:nvPr/>
+                    </p:nvPicPr>
+                    <p:blipFill>
+                      <a:blip r:embed="rId4"/>
+                      <a:stretch>
+                        <a:fillRect/>
+                      </a:stretch>
+                    </p:blipFill>
+                    <p:spPr>
+                      <a:xfrm>
+                        <a:off x="1588" y="1588"/>
+                        <a:ext cx="1588" cy="1588"/>
+                      </a:xfrm>
+                      <a:prstGeom prst="rect">
+                        <a:avLst/>
+                      </a:prstGeom>
+                    </p:spPr>
+                  </p:pic>
+                </p:oleObj>
+              </mc:Fallback>
+            </mc:AlternateContent>
+          </a:graphicData>
+        </a:graphic>
+      </p:graphicFrame>
       <p:sp>
         <p:nvSpPr>
-          <p:cNvPr id="5" name="Text Placeholder 4">
+          <p:cNvPr id="10" name="Rectangle 9">
             <a:extLst>
               <a:ext uri="{FF2B5EF4-FFF2-40B4-BE49-F238E27FC236}">
-                <a16:creationId xmlns:a16="http://schemas.microsoft.com/office/drawing/2014/main" id="{02BCC5FF-5A86-457C-9D70-8722A7CA3A57}"/>
+                <a16:creationId xmlns:a16="http://schemas.microsoft.com/office/drawing/2014/main" id="{8686D658-9330-BA20-4BC9-1E47EEC5B53D}"/>
+              </a:ext>
+            </a:extLst>
+          </p:cNvPr>
+          <p:cNvSpPr/>
+          <p:nvPr/>
+        </p:nvSpPr>
+        <p:spPr>
+          <a:xfrm>
+            <a:off x="10861040" y="0"/>
+            <a:ext cx="1330960" cy="1463040"/>
+          </a:xfrm>
+          <a:prstGeom prst="rect">
+            <a:avLst/>
+          </a:prstGeom>
+          <a:solidFill>
+            <a:srgbClr val="C00000"/>
+          </a:solidFill>
+          <a:ln>
+            <a:noFill/>
+          </a:ln>
+        </p:spPr>
+        <p:style>
+          <a:lnRef idx="2">
+            <a:schemeClr val="accent1">
+              <a:shade val="15000"/>
+            </a:schemeClr>
+          </a:lnRef>
+          <a:fillRef idx="1">
+            <a:schemeClr val="accent1"/>
+          </a:fillRef>
+          <a:effectRef idx="0">
+            <a:schemeClr val="accent1"/>
+          </a:effectRef>
+          <a:fontRef idx="minor">
+            <a:schemeClr val="lt1"/>
+          </a:fontRef>
+        </p:style>
+        <p:txBody>
+          <a:bodyPr rtlCol="0" anchor="ctr"/>
+          <a:lstStyle/>
+          <a:p>
+            <a:pPr algn="ctr"/>
+            <a:endParaRPr lang="en-IN"/>
+          </a:p>
+        </p:txBody>
+      </p:sp>
+      <p:sp>
+        <p:nvSpPr>
+          <p:cNvPr id="3" name="Title 2">
+            <a:extLst>
+              <a:ext uri="{FF2B5EF4-FFF2-40B4-BE49-F238E27FC236}">
+                <a16:creationId xmlns:a16="http://schemas.microsoft.com/office/drawing/2014/main" id="{CEA128C4-A0BC-A895-713C-306E7FF62894}"/>
               </a:ext>
             </a:extLst>
           </p:cNvPr>
@@ -10411,40 +11468,3025 @@
             <a:spLocks noGrp="1"/>
           </p:cNvSpPr>
           <p:nvPr>
-            <p:ph type="body" sz="quarter" idx="12"/>
+            <p:ph type="title"/>
           </p:nvPr>
+        </p:nvSpPr>
+        <p:spPr/>
+        <p:txBody>
+          <a:bodyPr vert="horz" anchor="ctr">
+            <a:noAutofit/>
+          </a:bodyPr>
+          <a:lstStyle/>
+          <a:p>
+            <a:r>
+              <a:rPr lang="en-US" b="1" dirty="0">
+                <a:effectLst>
+                  <a:outerShdw blurRad="38100" dist="38100" dir="2700000" algn="tl">
+                    <a:srgbClr val="000000">
+                      <a:alpha val="43137"/>
+                    </a:srgbClr>
+                  </a:outerShdw>
+                </a:effectLst>
+                <a:latin typeface="+mn-lt"/>
+                <a:cs typeface="+mj-cs"/>
+              </a:rPr>
+              <a:t>Learning 3 | My takeaways</a:t>
+            </a:r>
+            <a:endParaRPr lang="en-IN" sz="4000" i="1" u="sng" dirty="0">
+              <a:effectLst>
+                <a:outerShdw blurRad="38100" dist="38100" dir="2700000" algn="tl">
+                  <a:srgbClr val="000000">
+                    <a:alpha val="43137"/>
+                  </a:srgbClr>
+                </a:outerShdw>
+              </a:effectLst>
+              <a:highlight>
+                <a:srgbClr val="FF6600"/>
+              </a:highlight>
+            </a:endParaRPr>
+          </a:p>
+        </p:txBody>
+      </p:sp>
+      <p:sp>
+        <p:nvSpPr>
+          <p:cNvPr id="4" name="Slide Number Placeholder 3">
+            <a:extLst>
+              <a:ext uri="{FF2B5EF4-FFF2-40B4-BE49-F238E27FC236}">
+                <a16:creationId xmlns:a16="http://schemas.microsoft.com/office/drawing/2014/main" id="{82193751-E94F-32C7-DCCA-7D3244D279EA}"/>
+              </a:ext>
+            </a:extLst>
+          </p:cNvPr>
+          <p:cNvSpPr>
+            <a:spLocks noGrp="1"/>
+          </p:cNvSpPr>
+          <p:nvPr>
+            <p:ph type="sldNum" sz="quarter" idx="15"/>
+          </p:nvPr>
+        </p:nvSpPr>
+        <p:spPr/>
+        <p:txBody>
+          <a:bodyPr/>
+          <a:lstStyle/>
+          <a:p>
+            <a:fld id="{0879F475-59B1-4993-848A-C2B683DE9AF5}" type="slidenum">
+              <a:rPr lang="en-IN" smtClean="0"/>
+              <a:pPr/>
+              <a:t>5</a:t>
+            </a:fld>
+            <a:endParaRPr lang="en-IN" dirty="0"/>
+          </a:p>
+        </p:txBody>
+      </p:sp>
+      <p:pic>
+        <p:nvPicPr>
+          <p:cNvPr id="9" name="Graphic 8" descr="Idea outline">
+            <a:extLst>
+              <a:ext uri="{FF2B5EF4-FFF2-40B4-BE49-F238E27FC236}">
+                <a16:creationId xmlns:a16="http://schemas.microsoft.com/office/drawing/2014/main" id="{8701F636-0E69-F494-2D36-9D9665F8A8DA}"/>
+              </a:ext>
+            </a:extLst>
+          </p:cNvPr>
+          <p:cNvPicPr>
+            <a:picLocks noChangeAspect="1"/>
+          </p:cNvPicPr>
+          <p:nvPr/>
+        </p:nvPicPr>
+        <p:blipFill>
+          <a:blip r:embed="rId5">
+            <a:extLst>
+              <a:ext uri="{96DAC541-7B7A-43D3-8B79-37D633B846F1}">
+                <asvg:svgBlip xmlns:asvg="http://schemas.microsoft.com/office/drawing/2016/SVG/main" r:embed="rId6"/>
+              </a:ext>
+            </a:extLst>
+          </a:blip>
+          <a:stretch>
+            <a:fillRect/>
+          </a:stretch>
+        </p:blipFill>
+        <p:spPr>
+          <a:xfrm>
+            <a:off x="10957498" y="141532"/>
+            <a:ext cx="1159454" cy="1159454"/>
+          </a:xfrm>
+          <a:prstGeom prst="rect">
+            <a:avLst/>
+          </a:prstGeom>
+        </p:spPr>
+      </p:pic>
+      <p:sp>
+        <p:nvSpPr>
+          <p:cNvPr id="11" name="Content Placeholder 2">
+            <a:extLst>
+              <a:ext uri="{FF2B5EF4-FFF2-40B4-BE49-F238E27FC236}">
+                <a16:creationId xmlns:a16="http://schemas.microsoft.com/office/drawing/2014/main" id="{DE9F1BE0-7910-FA1B-DCE8-56EFD1E4FC09}"/>
+              </a:ext>
+            </a:extLst>
+          </p:cNvPr>
+          <p:cNvSpPr txBox="1">
+            <a:spLocks/>
+          </p:cNvSpPr>
+          <p:nvPr/>
         </p:nvSpPr>
         <p:spPr>
           <a:xfrm>
-            <a:off x="545642" y="2673043"/>
-            <a:ext cx="10525125" cy="923330"/>
+            <a:off x="442193" y="1860993"/>
+            <a:ext cx="11309311" cy="4076241"/>
           </a:xfrm>
+          <a:prstGeom prst="rect">
+            <a:avLst/>
+          </a:prstGeom>
+          <a:solidFill>
+            <a:schemeClr val="bg1"/>
+          </a:solidFill>
+          <a:ln>
+            <a:noFill/>
+          </a:ln>
+          <a:effectLst>
+            <a:outerShdw blurRad="63500" sx="102000" sy="102000" algn="ctr" rotWithShape="0">
+              <a:prstClr val="black">
+                <a:alpha val="40000"/>
+              </a:prstClr>
+            </a:outerShdw>
+          </a:effectLst>
         </p:spPr>
         <p:txBody>
-          <a:bodyPr/>
-          <a:lstStyle/>
-          <a:p>
-            <a:pPr algn="ctr"/>
-            <a:r>
-              <a:rPr lang="en-US" sz="6000" dirty="0"/>
-              <a:t>Thank</a:t>
-            </a:r>
-            <a:r>
-              <a:rPr lang="en-US" sz="3200" dirty="0"/>
-              <a:t> </a:t>
-            </a:r>
-            <a:r>
-              <a:rPr lang="en-US" sz="5400" dirty="0"/>
-              <a:t>You</a:t>
-            </a:r>
-            <a:endParaRPr lang="en-US" sz="3200" dirty="0"/>
+          <a:bodyPr numCol="2" spcCol="274320"/>
+          <a:lstStyle>
+            <a:lvl1pPr marL="228600" indent="-228600" algn="l" defTabSz="914400" rtl="0" eaLnBrk="1" latinLnBrk="0" hangingPunct="1">
+              <a:lnSpc>
+                <a:spcPct val="90000"/>
+              </a:lnSpc>
+              <a:spcBef>
+                <a:spcPts val="1000"/>
+              </a:spcBef>
+              <a:buFont typeface="Arial" panose="020B0604020202020204" pitchFamily="34" charset="0"/>
+              <a:buChar char="•"/>
+              <a:defRPr sz="1600" kern="1200">
+                <a:solidFill>
+                  <a:schemeClr val="tx1"/>
+                </a:solidFill>
+                <a:latin typeface="+mn-lt"/>
+                <a:ea typeface="+mn-ea"/>
+                <a:cs typeface="+mn-cs"/>
+              </a:defRPr>
+            </a:lvl1pPr>
+            <a:lvl2pPr marL="685800" indent="-228600" algn="l" defTabSz="914400" rtl="0" eaLnBrk="1" latinLnBrk="0" hangingPunct="1">
+              <a:lnSpc>
+                <a:spcPct val="90000"/>
+              </a:lnSpc>
+              <a:spcBef>
+                <a:spcPts val="500"/>
+              </a:spcBef>
+              <a:buFont typeface="Arial" panose="020B0604020202020204" pitchFamily="34" charset="0"/>
+              <a:buChar char="•"/>
+              <a:defRPr sz="1600" kern="1200">
+                <a:solidFill>
+                  <a:schemeClr val="tx1"/>
+                </a:solidFill>
+                <a:latin typeface="+mn-lt"/>
+                <a:ea typeface="+mn-ea"/>
+                <a:cs typeface="+mn-cs"/>
+              </a:defRPr>
+            </a:lvl2pPr>
+            <a:lvl3pPr marL="1143000" indent="-228600" algn="l" defTabSz="914400" rtl="0" eaLnBrk="1" latinLnBrk="0" hangingPunct="1">
+              <a:lnSpc>
+                <a:spcPct val="90000"/>
+              </a:lnSpc>
+              <a:spcBef>
+                <a:spcPts val="500"/>
+              </a:spcBef>
+              <a:buFont typeface="Arial" panose="020B0604020202020204" pitchFamily="34" charset="0"/>
+              <a:buChar char="•"/>
+              <a:defRPr sz="1600" kern="1200">
+                <a:solidFill>
+                  <a:schemeClr val="tx1"/>
+                </a:solidFill>
+                <a:latin typeface="+mn-lt"/>
+                <a:ea typeface="+mn-ea"/>
+                <a:cs typeface="+mn-cs"/>
+              </a:defRPr>
+            </a:lvl3pPr>
+            <a:lvl4pPr marL="1600200" indent="-228600" algn="l" defTabSz="914400" rtl="0" eaLnBrk="1" latinLnBrk="0" hangingPunct="1">
+              <a:lnSpc>
+                <a:spcPct val="90000"/>
+              </a:lnSpc>
+              <a:spcBef>
+                <a:spcPts val="500"/>
+              </a:spcBef>
+              <a:buFont typeface="Arial" panose="020B0604020202020204" pitchFamily="34" charset="0"/>
+              <a:buChar char="•"/>
+              <a:defRPr sz="1600" kern="1200">
+                <a:solidFill>
+                  <a:schemeClr val="tx1"/>
+                </a:solidFill>
+                <a:latin typeface="+mn-lt"/>
+                <a:ea typeface="+mn-ea"/>
+                <a:cs typeface="+mn-cs"/>
+              </a:defRPr>
+            </a:lvl4pPr>
+            <a:lvl5pPr marL="2057400" indent="-228600" algn="l" defTabSz="914400" rtl="0" eaLnBrk="1" latinLnBrk="0" hangingPunct="1">
+              <a:lnSpc>
+                <a:spcPct val="90000"/>
+              </a:lnSpc>
+              <a:spcBef>
+                <a:spcPts val="500"/>
+              </a:spcBef>
+              <a:buFont typeface="Arial" panose="020B0604020202020204" pitchFamily="34" charset="0"/>
+              <a:buChar char="•"/>
+              <a:defRPr sz="1600" kern="1200">
+                <a:solidFill>
+                  <a:schemeClr val="tx1"/>
+                </a:solidFill>
+                <a:latin typeface="+mn-lt"/>
+                <a:ea typeface="+mn-ea"/>
+                <a:cs typeface="+mn-cs"/>
+              </a:defRPr>
+            </a:lvl5pPr>
+            <a:lvl6pPr marL="2514600" indent="-228600" algn="l" defTabSz="914400" rtl="0" eaLnBrk="1" latinLnBrk="0" hangingPunct="1">
+              <a:lnSpc>
+                <a:spcPct val="90000"/>
+              </a:lnSpc>
+              <a:spcBef>
+                <a:spcPts val="500"/>
+              </a:spcBef>
+              <a:buFont typeface="Arial" panose="020B0604020202020204" pitchFamily="34" charset="0"/>
+              <a:buChar char="•"/>
+              <a:defRPr sz="1800" kern="1200">
+                <a:solidFill>
+                  <a:schemeClr val="tx1"/>
+                </a:solidFill>
+                <a:latin typeface="+mn-lt"/>
+                <a:ea typeface="+mn-ea"/>
+                <a:cs typeface="+mn-cs"/>
+              </a:defRPr>
+            </a:lvl6pPr>
+            <a:lvl7pPr marL="2971800" indent="-228600" algn="l" defTabSz="914400" rtl="0" eaLnBrk="1" latinLnBrk="0" hangingPunct="1">
+              <a:lnSpc>
+                <a:spcPct val="90000"/>
+              </a:lnSpc>
+              <a:spcBef>
+                <a:spcPts val="500"/>
+              </a:spcBef>
+              <a:buFont typeface="Arial" panose="020B0604020202020204" pitchFamily="34" charset="0"/>
+              <a:buChar char="•"/>
+              <a:defRPr sz="1800" kern="1200">
+                <a:solidFill>
+                  <a:schemeClr val="tx1"/>
+                </a:solidFill>
+                <a:latin typeface="+mn-lt"/>
+                <a:ea typeface="+mn-ea"/>
+                <a:cs typeface="+mn-cs"/>
+              </a:defRPr>
+            </a:lvl7pPr>
+            <a:lvl8pPr marL="3429000" indent="-228600" algn="l" defTabSz="914400" rtl="0" eaLnBrk="1" latinLnBrk="0" hangingPunct="1">
+              <a:lnSpc>
+                <a:spcPct val="90000"/>
+              </a:lnSpc>
+              <a:spcBef>
+                <a:spcPts val="500"/>
+              </a:spcBef>
+              <a:buFont typeface="Arial" panose="020B0604020202020204" pitchFamily="34" charset="0"/>
+              <a:buChar char="•"/>
+              <a:defRPr sz="1800" kern="1200">
+                <a:solidFill>
+                  <a:schemeClr val="tx1"/>
+                </a:solidFill>
+                <a:latin typeface="+mn-lt"/>
+                <a:ea typeface="+mn-ea"/>
+                <a:cs typeface="+mn-cs"/>
+              </a:defRPr>
+            </a:lvl8pPr>
+            <a:lvl9pPr marL="3886200" indent="-228600" algn="l" defTabSz="914400" rtl="0" eaLnBrk="1" latinLnBrk="0" hangingPunct="1">
+              <a:lnSpc>
+                <a:spcPct val="90000"/>
+              </a:lnSpc>
+              <a:spcBef>
+                <a:spcPts val="500"/>
+              </a:spcBef>
+              <a:buFont typeface="Arial" panose="020B0604020202020204" pitchFamily="34" charset="0"/>
+              <a:buChar char="•"/>
+              <a:defRPr sz="1800" kern="1200">
+                <a:solidFill>
+                  <a:schemeClr val="tx1"/>
+                </a:solidFill>
+                <a:latin typeface="+mn-lt"/>
+                <a:ea typeface="+mn-ea"/>
+                <a:cs typeface="+mn-cs"/>
+              </a:defRPr>
+            </a:lvl9pPr>
+          </a:lstStyle>
+          <a:p>
+            <a:pPr marL="0" marR="0" algn="just">
+              <a:lnSpc>
+                <a:spcPct val="115000"/>
+              </a:lnSpc>
+              <a:spcBef>
+                <a:spcPts val="0"/>
+              </a:spcBef>
+              <a:spcAft>
+                <a:spcPts val="800"/>
+              </a:spcAft>
+            </a:pPr>
+            <a:r>
+              <a:rPr lang="en-US" sz="1400" b="1" dirty="0">
+                <a:solidFill>
+                  <a:srgbClr val="111111"/>
+                </a:solidFill>
+                <a:highlight>
+                  <a:srgbClr val="F7F7F7"/>
+                </a:highlight>
+                <a:latin typeface="-apple-system"/>
+              </a:rPr>
+              <a:t>Scrum Board</a:t>
+            </a:r>
+          </a:p>
+          <a:p>
+            <a:pPr marL="800100" lvl="1" indent="-342900" algn="just">
+              <a:lnSpc>
+                <a:spcPct val="115000"/>
+              </a:lnSpc>
+              <a:spcBef>
+                <a:spcPts val="0"/>
+              </a:spcBef>
+              <a:spcAft>
+                <a:spcPts val="800"/>
+              </a:spcAft>
+              <a:buSzPts val="1000"/>
+              <a:buFont typeface="Symbol" panose="05050102010706020507" pitchFamily="18" charset="2"/>
+              <a:buChar char=""/>
+              <a:tabLst>
+                <a:tab pos="457200" algn="l"/>
+              </a:tabLst>
+            </a:pPr>
+            <a:r>
+              <a:rPr lang="en-US" sz="1400" b="1" dirty="0">
+                <a:solidFill>
+                  <a:srgbClr val="111111"/>
+                </a:solidFill>
+                <a:highlight>
+                  <a:srgbClr val="F7F7F7"/>
+                </a:highlight>
+                <a:latin typeface="-apple-system"/>
+              </a:rPr>
+              <a:t>Definition: </a:t>
+            </a:r>
+            <a:r>
+              <a:rPr lang="en-US" sz="1400" dirty="0">
+                <a:solidFill>
+                  <a:srgbClr val="111111"/>
+                </a:solidFill>
+                <a:highlight>
+                  <a:srgbClr val="F7F7F7"/>
+                </a:highlight>
+                <a:latin typeface="-apple-system"/>
+              </a:rPr>
+              <a:t>A visual representation of work to be done, in progress, and completed within a single sprint. It's used to track the status of stories, tasks, and sub-tasks.</a:t>
+            </a:r>
+          </a:p>
+          <a:p>
+            <a:pPr marL="800100" lvl="1" indent="-342900" algn="just">
+              <a:lnSpc>
+                <a:spcPct val="115000"/>
+              </a:lnSpc>
+              <a:spcBef>
+                <a:spcPts val="0"/>
+              </a:spcBef>
+              <a:spcAft>
+                <a:spcPts val="800"/>
+              </a:spcAft>
+              <a:buSzPts val="1000"/>
+              <a:buFont typeface="Symbol" panose="05050102010706020507" pitchFamily="18" charset="2"/>
+              <a:buChar char=""/>
+              <a:tabLst>
+                <a:tab pos="457200" algn="l"/>
+              </a:tabLst>
+            </a:pPr>
+            <a:r>
+              <a:rPr lang="en-US" sz="1400" b="1" dirty="0">
+                <a:solidFill>
+                  <a:srgbClr val="111111"/>
+                </a:solidFill>
+                <a:highlight>
+                  <a:srgbClr val="F7F7F7"/>
+                </a:highlight>
+                <a:latin typeface="-apple-system"/>
+              </a:rPr>
+              <a:t>Example: </a:t>
+            </a:r>
+            <a:r>
+              <a:rPr lang="en-US" sz="1400" dirty="0">
+                <a:solidFill>
+                  <a:srgbClr val="111111"/>
+                </a:solidFill>
+                <a:highlight>
+                  <a:srgbClr val="F7F7F7"/>
+                </a:highlight>
+                <a:latin typeface="-apple-system"/>
+              </a:rPr>
+              <a:t>Columns on the board might include "To Do," "In Progress," "In Review," and "Done."</a:t>
+            </a:r>
+          </a:p>
+          <a:p>
+            <a:pPr marL="0" marR="0" algn="just">
+              <a:lnSpc>
+                <a:spcPct val="115000"/>
+              </a:lnSpc>
+              <a:spcBef>
+                <a:spcPts val="0"/>
+              </a:spcBef>
+              <a:spcAft>
+                <a:spcPts val="800"/>
+              </a:spcAft>
+            </a:pPr>
+            <a:r>
+              <a:rPr lang="en-US" sz="1400" b="1" dirty="0">
+                <a:solidFill>
+                  <a:srgbClr val="111111"/>
+                </a:solidFill>
+                <a:highlight>
+                  <a:srgbClr val="F7F7F7"/>
+                </a:highlight>
+                <a:latin typeface="-apple-system"/>
+              </a:rPr>
+              <a:t>Agile Workflow</a:t>
+            </a:r>
+          </a:p>
+          <a:p>
+            <a:pPr marL="800100" lvl="1" indent="-342900" algn="just">
+              <a:lnSpc>
+                <a:spcPct val="115000"/>
+              </a:lnSpc>
+              <a:spcBef>
+                <a:spcPts val="0"/>
+              </a:spcBef>
+              <a:spcAft>
+                <a:spcPts val="800"/>
+              </a:spcAft>
+              <a:buSzPts val="1000"/>
+              <a:buFont typeface="Symbol" panose="05050102010706020507" pitchFamily="18" charset="2"/>
+              <a:buChar char=""/>
+              <a:tabLst>
+                <a:tab pos="457200" algn="l"/>
+              </a:tabLst>
+            </a:pPr>
+            <a:r>
+              <a:rPr lang="en-US" sz="1400" b="1" dirty="0">
+                <a:solidFill>
+                  <a:srgbClr val="111111"/>
+                </a:solidFill>
+                <a:highlight>
+                  <a:srgbClr val="F7F7F7"/>
+                </a:highlight>
+                <a:latin typeface="-apple-system"/>
+              </a:rPr>
+              <a:t>Definition: </a:t>
+            </a:r>
+            <a:r>
+              <a:rPr lang="en-US" sz="1400" dirty="0">
+                <a:solidFill>
+                  <a:srgbClr val="111111"/>
+                </a:solidFill>
+                <a:highlight>
+                  <a:srgbClr val="F7F7F7"/>
+                </a:highlight>
+                <a:latin typeface="-apple-system"/>
+              </a:rPr>
+              <a:t>The process flow followed in Agile, typically involving stages like "Backlog," "In Development," "In Testing," and "Done." It ensures that work progresses smoothly through the sprint.</a:t>
+            </a:r>
+          </a:p>
+          <a:p>
+            <a:pPr marL="800100" lvl="1" indent="-342900" algn="just">
+              <a:lnSpc>
+                <a:spcPct val="115000"/>
+              </a:lnSpc>
+              <a:spcBef>
+                <a:spcPts val="0"/>
+              </a:spcBef>
+              <a:spcAft>
+                <a:spcPts val="800"/>
+              </a:spcAft>
+              <a:buSzPts val="1000"/>
+              <a:buFont typeface="Symbol" panose="05050102010706020507" pitchFamily="18" charset="2"/>
+              <a:buChar char=""/>
+              <a:tabLst>
+                <a:tab pos="457200" algn="l"/>
+              </a:tabLst>
+            </a:pPr>
+            <a:r>
+              <a:rPr lang="en-US" sz="1400" b="1" dirty="0">
+                <a:solidFill>
+                  <a:srgbClr val="111111"/>
+                </a:solidFill>
+                <a:highlight>
+                  <a:srgbClr val="F7F7F7"/>
+                </a:highlight>
+                <a:latin typeface="-apple-system"/>
+              </a:rPr>
+              <a:t>Example: </a:t>
+            </a:r>
+            <a:r>
+              <a:rPr lang="en-US" sz="1400" dirty="0">
+                <a:solidFill>
+                  <a:srgbClr val="111111"/>
+                </a:solidFill>
+                <a:highlight>
+                  <a:srgbClr val="F7F7F7"/>
+                </a:highlight>
+                <a:latin typeface="-apple-system"/>
+              </a:rPr>
+              <a:t>A story moves from the backlog to "In Development," then to "In Testing," and finally to "Done" as it passes each stage of the workflow.</a:t>
+            </a:r>
+          </a:p>
+          <a:p>
+            <a:pPr marL="0" marR="0" algn="just">
+              <a:lnSpc>
+                <a:spcPct val="115000"/>
+              </a:lnSpc>
+              <a:spcBef>
+                <a:spcPts val="0"/>
+              </a:spcBef>
+              <a:spcAft>
+                <a:spcPts val="800"/>
+              </a:spcAft>
+            </a:pPr>
+            <a:r>
+              <a:rPr lang="en-US" sz="1400" b="1" dirty="0">
+                <a:solidFill>
+                  <a:srgbClr val="111111"/>
+                </a:solidFill>
+                <a:highlight>
+                  <a:srgbClr val="F7F7F7"/>
+                </a:highlight>
+                <a:latin typeface="-apple-system"/>
+              </a:rPr>
+              <a:t>Agile Product Roadmap</a:t>
+            </a:r>
+          </a:p>
+          <a:p>
+            <a:pPr marL="800100" lvl="1" indent="-342900" algn="just">
+              <a:lnSpc>
+                <a:spcPct val="115000"/>
+              </a:lnSpc>
+              <a:spcBef>
+                <a:spcPts val="0"/>
+              </a:spcBef>
+              <a:spcAft>
+                <a:spcPts val="800"/>
+              </a:spcAft>
+              <a:buSzPts val="1000"/>
+              <a:buFont typeface="Symbol" panose="05050102010706020507" pitchFamily="18" charset="2"/>
+              <a:buChar char=""/>
+              <a:tabLst>
+                <a:tab pos="457200" algn="l"/>
+              </a:tabLst>
+            </a:pPr>
+            <a:r>
+              <a:rPr lang="en-US" sz="1400" b="1" dirty="0">
+                <a:solidFill>
+                  <a:srgbClr val="111111"/>
+                </a:solidFill>
+                <a:highlight>
+                  <a:srgbClr val="F7F7F7"/>
+                </a:highlight>
+                <a:latin typeface="-apple-system"/>
+              </a:rPr>
+              <a:t>Definition: </a:t>
+            </a:r>
+            <a:r>
+              <a:rPr lang="en-US" sz="1400" dirty="0">
+                <a:solidFill>
+                  <a:srgbClr val="111111"/>
+                </a:solidFill>
+                <a:highlight>
+                  <a:srgbClr val="F7F7F7"/>
+                </a:highlight>
+                <a:latin typeface="-apple-system"/>
+              </a:rPr>
+              <a:t>A high-level strategic plan that outlines the development and release timeline of the product. It aligns the team's work with business objectives.</a:t>
+            </a:r>
+          </a:p>
+          <a:p>
+            <a:pPr marL="800100" lvl="1" indent="-342900" algn="just">
+              <a:lnSpc>
+                <a:spcPct val="115000"/>
+              </a:lnSpc>
+              <a:spcBef>
+                <a:spcPts val="0"/>
+              </a:spcBef>
+              <a:spcAft>
+                <a:spcPts val="800"/>
+              </a:spcAft>
+              <a:buSzPts val="1000"/>
+              <a:buFont typeface="Symbol" panose="05050102010706020507" pitchFamily="18" charset="2"/>
+              <a:buChar char=""/>
+              <a:tabLst>
+                <a:tab pos="457200" algn="l"/>
+              </a:tabLst>
+            </a:pPr>
+            <a:r>
+              <a:rPr lang="en-US" sz="1400" b="1" dirty="0">
+                <a:solidFill>
+                  <a:srgbClr val="111111"/>
+                </a:solidFill>
+                <a:highlight>
+                  <a:srgbClr val="F7F7F7"/>
+                </a:highlight>
+                <a:latin typeface="-apple-system"/>
+              </a:rPr>
+              <a:t>Example: </a:t>
+            </a:r>
+            <a:r>
+              <a:rPr lang="en-US" sz="1400" dirty="0">
+                <a:solidFill>
+                  <a:srgbClr val="111111"/>
+                </a:solidFill>
+                <a:highlight>
+                  <a:srgbClr val="F7F7F7"/>
+                </a:highlight>
+                <a:latin typeface="-apple-system"/>
+              </a:rPr>
+              <a:t>"Q1: Implement user authentication; Q2: Develop shopping cart; Q3: Launch MVP."</a:t>
+            </a:r>
+          </a:p>
+          <a:p>
+            <a:pPr marL="0" marR="0" algn="just">
+              <a:lnSpc>
+                <a:spcPct val="115000"/>
+              </a:lnSpc>
+              <a:spcBef>
+                <a:spcPts val="0"/>
+              </a:spcBef>
+              <a:spcAft>
+                <a:spcPts val="800"/>
+              </a:spcAft>
+            </a:pPr>
+            <a:r>
+              <a:rPr lang="en-US" sz="1400" b="1" dirty="0">
+                <a:solidFill>
+                  <a:srgbClr val="111111"/>
+                </a:solidFill>
+                <a:highlight>
+                  <a:srgbClr val="F7F7F7"/>
+                </a:highlight>
+                <a:latin typeface="-apple-system"/>
+              </a:rPr>
+              <a:t>Time Estimation</a:t>
+            </a:r>
+          </a:p>
+          <a:p>
+            <a:pPr marL="800100" lvl="1" indent="-342900" algn="just">
+              <a:lnSpc>
+                <a:spcPct val="115000"/>
+              </a:lnSpc>
+              <a:spcBef>
+                <a:spcPts val="0"/>
+              </a:spcBef>
+              <a:spcAft>
+                <a:spcPts val="800"/>
+              </a:spcAft>
+              <a:buSzPts val="1000"/>
+              <a:buFont typeface="Symbol" panose="05050102010706020507" pitchFamily="18" charset="2"/>
+              <a:buChar char=""/>
+              <a:tabLst>
+                <a:tab pos="457200" algn="l"/>
+              </a:tabLst>
+            </a:pPr>
+            <a:r>
+              <a:rPr lang="en-US" sz="1400" b="1" dirty="0">
+                <a:solidFill>
+                  <a:srgbClr val="111111"/>
+                </a:solidFill>
+                <a:highlight>
+                  <a:srgbClr val="F7F7F7"/>
+                </a:highlight>
+                <a:latin typeface="-apple-system"/>
+              </a:rPr>
+              <a:t>Definition: </a:t>
+            </a:r>
+            <a:r>
+              <a:rPr lang="en-US" sz="1400" dirty="0">
+                <a:solidFill>
+                  <a:srgbClr val="111111"/>
+                </a:solidFill>
+                <a:highlight>
+                  <a:srgbClr val="F7F7F7"/>
+                </a:highlight>
+                <a:latin typeface="-apple-system"/>
+              </a:rPr>
+              <a:t>The process of predicting the amount of time needed to complete a task, story, or epic. Estimation is crucial for planning sprints and releases.</a:t>
+            </a:r>
+          </a:p>
+          <a:p>
+            <a:pPr marL="800100" lvl="1" indent="-342900" algn="just">
+              <a:lnSpc>
+                <a:spcPct val="115000"/>
+              </a:lnSpc>
+              <a:spcBef>
+                <a:spcPts val="0"/>
+              </a:spcBef>
+              <a:spcAft>
+                <a:spcPts val="800"/>
+              </a:spcAft>
+              <a:buSzPts val="1000"/>
+              <a:buFont typeface="Symbol" panose="05050102010706020507" pitchFamily="18" charset="2"/>
+              <a:buChar char=""/>
+              <a:tabLst>
+                <a:tab pos="457200" algn="l"/>
+              </a:tabLst>
+            </a:pPr>
+            <a:r>
+              <a:rPr lang="en-US" sz="1400" b="1" dirty="0">
+                <a:solidFill>
+                  <a:srgbClr val="111111"/>
+                </a:solidFill>
+                <a:highlight>
+                  <a:srgbClr val="F7F7F7"/>
+                </a:highlight>
+                <a:latin typeface="-apple-system"/>
+              </a:rPr>
+              <a:t>Example: </a:t>
+            </a:r>
+            <a:r>
+              <a:rPr lang="en-US" sz="1400" dirty="0">
+                <a:solidFill>
+                  <a:srgbClr val="111111"/>
+                </a:solidFill>
+                <a:highlight>
+                  <a:srgbClr val="F7F7F7"/>
+                </a:highlight>
+                <a:latin typeface="-apple-system"/>
+              </a:rPr>
+              <a:t>Estimating that "Implement password reset" will take 3 days to complete.</a:t>
+            </a:r>
           </a:p>
         </p:txBody>
       </p:sp>
     </p:spTree>
     <p:extLst>
       <p:ext uri="{BB962C8B-B14F-4D97-AF65-F5344CB8AC3E}">
-        <p14:creationId xmlns:p14="http://schemas.microsoft.com/office/powerpoint/2010/main" val="3805975874"/>
+        <p14:creationId xmlns:p14="http://schemas.microsoft.com/office/powerpoint/2010/main" val="2728443643"/>
+      </p:ext>
+    </p:extLst>
+  </p:cSld>
+  <p:clrMapOvr>
+    <a:masterClrMapping/>
+  </p:clrMapOvr>
+</p:sld>
+</file>
+
+<file path=ppt/slides/slide6.xml><?xml version="1.0" encoding="utf-8"?>
+<p:sld xmlns:a="http://schemas.openxmlformats.org/drawingml/2006/main" xmlns:r="http://schemas.openxmlformats.org/officeDocument/2006/relationships" xmlns:p="http://schemas.openxmlformats.org/presentationml/2006/main">
+  <p:cSld>
+    <p:spTree>
+      <p:nvGrpSpPr>
+        <p:cNvPr id="1" name=""/>
+        <p:cNvGrpSpPr/>
+        <p:nvPr/>
+      </p:nvGrpSpPr>
+      <p:grpSpPr>
+        <a:xfrm>
+          <a:off x="0" y="0"/>
+          <a:ext cx="0" cy="0"/>
+          <a:chOff x="0" y="0"/>
+          <a:chExt cx="0" cy="0"/>
+        </a:xfrm>
+      </p:grpSpPr>
+      <p:graphicFrame>
+        <p:nvGraphicFramePr>
+          <p:cNvPr id="7" name="think-cell data - do not delete" hidden="1">
+            <a:extLst>
+              <a:ext uri="{FF2B5EF4-FFF2-40B4-BE49-F238E27FC236}">
+                <a16:creationId xmlns:a16="http://schemas.microsoft.com/office/drawing/2014/main" id="{3583FF9E-539E-FE29-E73B-3EF7E093601C}"/>
+              </a:ext>
+            </a:extLst>
+          </p:cNvPr>
+          <p:cNvGraphicFramePr>
+            <a:graphicFrameLocks noChangeAspect="1"/>
+          </p:cNvGraphicFramePr>
+          <p:nvPr>
+            <p:custDataLst>
+              <p:tags r:id="rId1"/>
+            </p:custDataLst>
+          </p:nvPr>
+        </p:nvGraphicFramePr>
+        <p:xfrm>
+          <a:off x="1588" y="1588"/>
+          <a:ext cx="1588" cy="1588"/>
+        </p:xfrm>
+        <a:graphic>
+          <a:graphicData uri="http://schemas.openxmlformats.org/presentationml/2006/ole">
+            <mc:AlternateContent xmlns:mc="http://schemas.openxmlformats.org/markup-compatibility/2006">
+              <mc:Choice xmlns:v="urn:schemas-microsoft-com:vml" Requires="v">
+                <p:oleObj name="think-cell Slide" r:id="rId3" imgW="395" imgH="394" progId="TCLayout.ActiveDocument.1">
+                  <p:embed/>
+                </p:oleObj>
+              </mc:Choice>
+              <mc:Fallback>
+                <p:oleObj name="think-cell Slide" r:id="rId3" imgW="395" imgH="394" progId="TCLayout.ActiveDocument.1">
+                  <p:embed/>
+                  <p:pic>
+                    <p:nvPicPr>
+                      <p:cNvPr id="7" name="think-cell data - do not delete" hidden="1">
+                        <a:extLst>
+                          <a:ext uri="{FF2B5EF4-FFF2-40B4-BE49-F238E27FC236}">
+                            <a16:creationId xmlns:a16="http://schemas.microsoft.com/office/drawing/2014/main" id="{3583FF9E-539E-FE29-E73B-3EF7E093601C}"/>
+                          </a:ext>
+                        </a:extLst>
+                      </p:cNvPr>
+                      <p:cNvPicPr/>
+                      <p:nvPr/>
+                    </p:nvPicPr>
+                    <p:blipFill>
+                      <a:blip r:embed="rId4"/>
+                      <a:stretch>
+                        <a:fillRect/>
+                      </a:stretch>
+                    </p:blipFill>
+                    <p:spPr>
+                      <a:xfrm>
+                        <a:off x="1588" y="1588"/>
+                        <a:ext cx="1588" cy="1588"/>
+                      </a:xfrm>
+                      <a:prstGeom prst="rect">
+                        <a:avLst/>
+                      </a:prstGeom>
+                    </p:spPr>
+                  </p:pic>
+                </p:oleObj>
+              </mc:Fallback>
+            </mc:AlternateContent>
+          </a:graphicData>
+        </a:graphic>
+      </p:graphicFrame>
+      <p:sp>
+        <p:nvSpPr>
+          <p:cNvPr id="10" name="Rectangle 9">
+            <a:extLst>
+              <a:ext uri="{FF2B5EF4-FFF2-40B4-BE49-F238E27FC236}">
+                <a16:creationId xmlns:a16="http://schemas.microsoft.com/office/drawing/2014/main" id="{8686D658-9330-BA20-4BC9-1E47EEC5B53D}"/>
+              </a:ext>
+            </a:extLst>
+          </p:cNvPr>
+          <p:cNvSpPr/>
+          <p:nvPr/>
+        </p:nvSpPr>
+        <p:spPr>
+          <a:xfrm>
+            <a:off x="10861040" y="0"/>
+            <a:ext cx="1330960" cy="1463040"/>
+          </a:xfrm>
+          <a:prstGeom prst="rect">
+            <a:avLst/>
+          </a:prstGeom>
+          <a:solidFill>
+            <a:srgbClr val="C00000"/>
+          </a:solidFill>
+          <a:ln>
+            <a:noFill/>
+          </a:ln>
+        </p:spPr>
+        <p:style>
+          <a:lnRef idx="2">
+            <a:schemeClr val="accent1">
+              <a:shade val="15000"/>
+            </a:schemeClr>
+          </a:lnRef>
+          <a:fillRef idx="1">
+            <a:schemeClr val="accent1"/>
+          </a:fillRef>
+          <a:effectRef idx="0">
+            <a:schemeClr val="accent1"/>
+          </a:effectRef>
+          <a:fontRef idx="minor">
+            <a:schemeClr val="lt1"/>
+          </a:fontRef>
+        </p:style>
+        <p:txBody>
+          <a:bodyPr rtlCol="0" anchor="ctr"/>
+          <a:lstStyle/>
+          <a:p>
+            <a:pPr algn="ctr"/>
+            <a:endParaRPr lang="en-IN"/>
+          </a:p>
+        </p:txBody>
+      </p:sp>
+      <p:sp>
+        <p:nvSpPr>
+          <p:cNvPr id="3" name="Title 2">
+            <a:extLst>
+              <a:ext uri="{FF2B5EF4-FFF2-40B4-BE49-F238E27FC236}">
+                <a16:creationId xmlns:a16="http://schemas.microsoft.com/office/drawing/2014/main" id="{CEA128C4-A0BC-A895-713C-306E7FF62894}"/>
+              </a:ext>
+            </a:extLst>
+          </p:cNvPr>
+          <p:cNvSpPr>
+            <a:spLocks noGrp="1"/>
+          </p:cNvSpPr>
+          <p:nvPr>
+            <p:ph type="title"/>
+          </p:nvPr>
+        </p:nvSpPr>
+        <p:spPr/>
+        <p:txBody>
+          <a:bodyPr vert="horz" anchor="ctr">
+            <a:noAutofit/>
+          </a:bodyPr>
+          <a:lstStyle/>
+          <a:p>
+            <a:r>
+              <a:rPr lang="en-US" b="1" dirty="0">
+                <a:effectLst>
+                  <a:outerShdw blurRad="38100" dist="38100" dir="2700000" algn="tl">
+                    <a:srgbClr val="000000">
+                      <a:alpha val="43137"/>
+                    </a:srgbClr>
+                  </a:outerShdw>
+                </a:effectLst>
+                <a:latin typeface="+mn-lt"/>
+                <a:cs typeface="+mj-cs"/>
+              </a:rPr>
+              <a:t>Learning 3 | My takeaways</a:t>
+            </a:r>
+            <a:endParaRPr lang="en-IN" sz="4000" i="1" u="sng" dirty="0">
+              <a:effectLst>
+                <a:outerShdw blurRad="38100" dist="38100" dir="2700000" algn="tl">
+                  <a:srgbClr val="000000">
+                    <a:alpha val="43137"/>
+                  </a:srgbClr>
+                </a:outerShdw>
+              </a:effectLst>
+              <a:highlight>
+                <a:srgbClr val="FF6600"/>
+              </a:highlight>
+            </a:endParaRPr>
+          </a:p>
+        </p:txBody>
+      </p:sp>
+      <p:sp>
+        <p:nvSpPr>
+          <p:cNvPr id="4" name="Slide Number Placeholder 3">
+            <a:extLst>
+              <a:ext uri="{FF2B5EF4-FFF2-40B4-BE49-F238E27FC236}">
+                <a16:creationId xmlns:a16="http://schemas.microsoft.com/office/drawing/2014/main" id="{82193751-E94F-32C7-DCCA-7D3244D279EA}"/>
+              </a:ext>
+            </a:extLst>
+          </p:cNvPr>
+          <p:cNvSpPr>
+            <a:spLocks noGrp="1"/>
+          </p:cNvSpPr>
+          <p:nvPr>
+            <p:ph type="sldNum" sz="quarter" idx="15"/>
+          </p:nvPr>
+        </p:nvSpPr>
+        <p:spPr/>
+        <p:txBody>
+          <a:bodyPr/>
+          <a:lstStyle/>
+          <a:p>
+            <a:fld id="{0879F475-59B1-4993-848A-C2B683DE9AF5}" type="slidenum">
+              <a:rPr lang="en-IN" smtClean="0"/>
+              <a:pPr/>
+              <a:t>6</a:t>
+            </a:fld>
+            <a:endParaRPr lang="en-IN" dirty="0"/>
+          </a:p>
+        </p:txBody>
+      </p:sp>
+      <p:pic>
+        <p:nvPicPr>
+          <p:cNvPr id="9" name="Graphic 8" descr="Idea outline">
+            <a:extLst>
+              <a:ext uri="{FF2B5EF4-FFF2-40B4-BE49-F238E27FC236}">
+                <a16:creationId xmlns:a16="http://schemas.microsoft.com/office/drawing/2014/main" id="{8701F636-0E69-F494-2D36-9D9665F8A8DA}"/>
+              </a:ext>
+            </a:extLst>
+          </p:cNvPr>
+          <p:cNvPicPr>
+            <a:picLocks noChangeAspect="1"/>
+          </p:cNvPicPr>
+          <p:nvPr/>
+        </p:nvPicPr>
+        <p:blipFill>
+          <a:blip r:embed="rId5">
+            <a:extLst>
+              <a:ext uri="{96DAC541-7B7A-43D3-8B79-37D633B846F1}">
+                <asvg:svgBlip xmlns:asvg="http://schemas.microsoft.com/office/drawing/2016/SVG/main" r:embed="rId6"/>
+              </a:ext>
+            </a:extLst>
+          </a:blip>
+          <a:stretch>
+            <a:fillRect/>
+          </a:stretch>
+        </p:blipFill>
+        <p:spPr>
+          <a:xfrm>
+            <a:off x="10957498" y="141532"/>
+            <a:ext cx="1159454" cy="1159454"/>
+          </a:xfrm>
+          <a:prstGeom prst="rect">
+            <a:avLst/>
+          </a:prstGeom>
+        </p:spPr>
+      </p:pic>
+      <p:pic>
+        <p:nvPicPr>
+          <p:cNvPr id="8" name="Picture 7">
+            <a:extLst>
+              <a:ext uri="{FF2B5EF4-FFF2-40B4-BE49-F238E27FC236}">
+                <a16:creationId xmlns:a16="http://schemas.microsoft.com/office/drawing/2014/main" id="{104800A2-EB7D-84B2-B183-065915C89C0D}"/>
+              </a:ext>
+            </a:extLst>
+          </p:cNvPr>
+          <p:cNvPicPr>
+            <a:picLocks noChangeAspect="1"/>
+          </p:cNvPicPr>
+          <p:nvPr/>
+        </p:nvPicPr>
+        <p:blipFill>
+          <a:blip r:embed="rId7"/>
+          <a:srcRect l="6755" t="4463" r="6637" b="4549"/>
+          <a:stretch/>
+        </p:blipFill>
+        <p:spPr>
+          <a:xfrm>
+            <a:off x="2277250" y="1835322"/>
+            <a:ext cx="7637500" cy="4413035"/>
+          </a:xfrm>
+          <a:prstGeom prst="rect">
+            <a:avLst/>
+          </a:prstGeom>
+        </p:spPr>
+      </p:pic>
+      <p:sp>
+        <p:nvSpPr>
+          <p:cNvPr id="12" name="Title 2">
+            <a:extLst>
+              <a:ext uri="{FF2B5EF4-FFF2-40B4-BE49-F238E27FC236}">
+                <a16:creationId xmlns:a16="http://schemas.microsoft.com/office/drawing/2014/main" id="{5D0F5799-D4A3-72E0-1448-72F6C6C73630}"/>
+              </a:ext>
+            </a:extLst>
+          </p:cNvPr>
+          <p:cNvSpPr txBox="1">
+            <a:spLocks/>
+          </p:cNvSpPr>
+          <p:nvPr/>
+        </p:nvSpPr>
+        <p:spPr>
+          <a:xfrm>
+            <a:off x="753519" y="1284525"/>
+            <a:ext cx="10684963" cy="660108"/>
+          </a:xfrm>
+          <a:prstGeom prst="rect">
+            <a:avLst/>
+          </a:prstGeom>
+        </p:spPr>
+        <p:txBody>
+          <a:bodyPr vert="horz" anchor="ctr">
+            <a:noAutofit/>
+          </a:bodyPr>
+          <a:lstStyle>
+            <a:lvl1pPr algn="l" defTabSz="914400" rtl="0" eaLnBrk="1" latinLnBrk="0" hangingPunct="1">
+              <a:lnSpc>
+                <a:spcPct val="90000"/>
+              </a:lnSpc>
+              <a:spcBef>
+                <a:spcPct val="0"/>
+              </a:spcBef>
+              <a:buNone/>
+              <a:defRPr sz="2800" b="0" kern="1200">
+                <a:solidFill>
+                  <a:schemeClr val="tx1"/>
+                </a:solidFill>
+                <a:latin typeface="Arial" panose="020B0604020202020204" pitchFamily="34" charset="0"/>
+                <a:ea typeface="+mj-ea"/>
+                <a:cs typeface="Arial" panose="020B0604020202020204" pitchFamily="34" charset="0"/>
+              </a:defRPr>
+            </a:lvl1pPr>
+          </a:lstStyle>
+          <a:p>
+            <a:pPr algn="ctr"/>
+            <a:r>
+              <a:rPr lang="en-US" dirty="0">
+                <a:effectLst>
+                  <a:outerShdw blurRad="38100" dist="38100" dir="2700000" algn="tl">
+                    <a:srgbClr val="000000">
+                      <a:alpha val="43137"/>
+                    </a:srgbClr>
+                  </a:outerShdw>
+                </a:effectLst>
+                <a:latin typeface="+mn-lt"/>
+                <a:cs typeface="+mj-cs"/>
+              </a:rPr>
+              <a:t>Scrum Board</a:t>
+            </a:r>
+            <a:endParaRPr lang="en-IN" sz="4000" i="1" u="sng" dirty="0">
+              <a:effectLst>
+                <a:outerShdw blurRad="38100" dist="38100" dir="2700000" algn="tl">
+                  <a:srgbClr val="000000">
+                    <a:alpha val="43137"/>
+                  </a:srgbClr>
+                </a:outerShdw>
+              </a:effectLst>
+              <a:highlight>
+                <a:srgbClr val="FF6600"/>
+              </a:highlight>
+            </a:endParaRPr>
+          </a:p>
+        </p:txBody>
+      </p:sp>
+    </p:spTree>
+    <p:extLst>
+      <p:ext uri="{BB962C8B-B14F-4D97-AF65-F5344CB8AC3E}">
+        <p14:creationId xmlns:p14="http://schemas.microsoft.com/office/powerpoint/2010/main" val="1878967553"/>
+      </p:ext>
+    </p:extLst>
+  </p:cSld>
+  <p:clrMapOvr>
+    <a:masterClrMapping/>
+  </p:clrMapOvr>
+</p:sld>
+</file>
+
+<file path=ppt/slides/slide7.xml><?xml version="1.0" encoding="utf-8"?>
+<p:sld xmlns:a="http://schemas.openxmlformats.org/drawingml/2006/main" xmlns:r="http://schemas.openxmlformats.org/officeDocument/2006/relationships" xmlns:p="http://schemas.openxmlformats.org/presentationml/2006/main">
+  <p:cSld>
+    <p:spTree>
+      <p:nvGrpSpPr>
+        <p:cNvPr id="1" name=""/>
+        <p:cNvGrpSpPr/>
+        <p:nvPr/>
+      </p:nvGrpSpPr>
+      <p:grpSpPr>
+        <a:xfrm>
+          <a:off x="0" y="0"/>
+          <a:ext cx="0" cy="0"/>
+          <a:chOff x="0" y="0"/>
+          <a:chExt cx="0" cy="0"/>
+        </a:xfrm>
+      </p:grpSpPr>
+      <p:graphicFrame>
+        <p:nvGraphicFramePr>
+          <p:cNvPr id="7" name="think-cell data - do not delete" hidden="1">
+            <a:extLst>
+              <a:ext uri="{FF2B5EF4-FFF2-40B4-BE49-F238E27FC236}">
+                <a16:creationId xmlns:a16="http://schemas.microsoft.com/office/drawing/2014/main" id="{3583FF9E-539E-FE29-E73B-3EF7E093601C}"/>
+              </a:ext>
+            </a:extLst>
+          </p:cNvPr>
+          <p:cNvGraphicFramePr>
+            <a:graphicFrameLocks noChangeAspect="1"/>
+          </p:cNvGraphicFramePr>
+          <p:nvPr>
+            <p:custDataLst>
+              <p:tags r:id="rId1"/>
+            </p:custDataLst>
+          </p:nvPr>
+        </p:nvGraphicFramePr>
+        <p:xfrm>
+          <a:off x="1588" y="1588"/>
+          <a:ext cx="1588" cy="1588"/>
+        </p:xfrm>
+        <a:graphic>
+          <a:graphicData uri="http://schemas.openxmlformats.org/presentationml/2006/ole">
+            <mc:AlternateContent xmlns:mc="http://schemas.openxmlformats.org/markup-compatibility/2006">
+              <mc:Choice xmlns:v="urn:schemas-microsoft-com:vml" Requires="v">
+                <p:oleObj name="think-cell Slide" r:id="rId3" imgW="395" imgH="394" progId="TCLayout.ActiveDocument.1">
+                  <p:embed/>
+                </p:oleObj>
+              </mc:Choice>
+              <mc:Fallback>
+                <p:oleObj name="think-cell Slide" r:id="rId3" imgW="395" imgH="394" progId="TCLayout.ActiveDocument.1">
+                  <p:embed/>
+                  <p:pic>
+                    <p:nvPicPr>
+                      <p:cNvPr id="7" name="think-cell data - do not delete" hidden="1">
+                        <a:extLst>
+                          <a:ext uri="{FF2B5EF4-FFF2-40B4-BE49-F238E27FC236}">
+                            <a16:creationId xmlns:a16="http://schemas.microsoft.com/office/drawing/2014/main" id="{3583FF9E-539E-FE29-E73B-3EF7E093601C}"/>
+                          </a:ext>
+                        </a:extLst>
+                      </p:cNvPr>
+                      <p:cNvPicPr/>
+                      <p:nvPr/>
+                    </p:nvPicPr>
+                    <p:blipFill>
+                      <a:blip r:embed="rId4"/>
+                      <a:stretch>
+                        <a:fillRect/>
+                      </a:stretch>
+                    </p:blipFill>
+                    <p:spPr>
+                      <a:xfrm>
+                        <a:off x="1588" y="1588"/>
+                        <a:ext cx="1588" cy="1588"/>
+                      </a:xfrm>
+                      <a:prstGeom prst="rect">
+                        <a:avLst/>
+                      </a:prstGeom>
+                    </p:spPr>
+                  </p:pic>
+                </p:oleObj>
+              </mc:Fallback>
+            </mc:AlternateContent>
+          </a:graphicData>
+        </a:graphic>
+      </p:graphicFrame>
+      <p:sp>
+        <p:nvSpPr>
+          <p:cNvPr id="10" name="Rectangle 9">
+            <a:extLst>
+              <a:ext uri="{FF2B5EF4-FFF2-40B4-BE49-F238E27FC236}">
+                <a16:creationId xmlns:a16="http://schemas.microsoft.com/office/drawing/2014/main" id="{8686D658-9330-BA20-4BC9-1E47EEC5B53D}"/>
+              </a:ext>
+            </a:extLst>
+          </p:cNvPr>
+          <p:cNvSpPr/>
+          <p:nvPr/>
+        </p:nvSpPr>
+        <p:spPr>
+          <a:xfrm>
+            <a:off x="10861040" y="0"/>
+            <a:ext cx="1330960" cy="1463040"/>
+          </a:xfrm>
+          <a:prstGeom prst="rect">
+            <a:avLst/>
+          </a:prstGeom>
+          <a:solidFill>
+            <a:srgbClr val="C00000"/>
+          </a:solidFill>
+          <a:ln>
+            <a:noFill/>
+          </a:ln>
+        </p:spPr>
+        <p:style>
+          <a:lnRef idx="2">
+            <a:schemeClr val="accent1">
+              <a:shade val="15000"/>
+            </a:schemeClr>
+          </a:lnRef>
+          <a:fillRef idx="1">
+            <a:schemeClr val="accent1"/>
+          </a:fillRef>
+          <a:effectRef idx="0">
+            <a:schemeClr val="accent1"/>
+          </a:effectRef>
+          <a:fontRef idx="minor">
+            <a:schemeClr val="lt1"/>
+          </a:fontRef>
+        </p:style>
+        <p:txBody>
+          <a:bodyPr rtlCol="0" anchor="ctr"/>
+          <a:lstStyle/>
+          <a:p>
+            <a:pPr algn="ctr"/>
+            <a:endParaRPr lang="en-IN"/>
+          </a:p>
+        </p:txBody>
+      </p:sp>
+      <p:sp>
+        <p:nvSpPr>
+          <p:cNvPr id="3" name="Title 2">
+            <a:extLst>
+              <a:ext uri="{FF2B5EF4-FFF2-40B4-BE49-F238E27FC236}">
+                <a16:creationId xmlns:a16="http://schemas.microsoft.com/office/drawing/2014/main" id="{CEA128C4-A0BC-A895-713C-306E7FF62894}"/>
+              </a:ext>
+            </a:extLst>
+          </p:cNvPr>
+          <p:cNvSpPr>
+            <a:spLocks noGrp="1"/>
+          </p:cNvSpPr>
+          <p:nvPr>
+            <p:ph type="title"/>
+          </p:nvPr>
+        </p:nvSpPr>
+        <p:spPr/>
+        <p:txBody>
+          <a:bodyPr vert="horz" anchor="ctr">
+            <a:noAutofit/>
+          </a:bodyPr>
+          <a:lstStyle/>
+          <a:p>
+            <a:r>
+              <a:rPr lang="en-US" b="1" dirty="0">
+                <a:effectLst>
+                  <a:outerShdw blurRad="38100" dist="38100" dir="2700000" algn="tl">
+                    <a:srgbClr val="000000">
+                      <a:alpha val="43137"/>
+                    </a:srgbClr>
+                  </a:outerShdw>
+                </a:effectLst>
+                <a:latin typeface="+mn-lt"/>
+                <a:cs typeface="+mj-cs"/>
+              </a:rPr>
+              <a:t>Learning 4 | My takeaways</a:t>
+            </a:r>
+            <a:endParaRPr lang="en-IN" sz="4000" i="1" u="sng" dirty="0">
+              <a:effectLst>
+                <a:outerShdw blurRad="38100" dist="38100" dir="2700000" algn="tl">
+                  <a:srgbClr val="000000">
+                    <a:alpha val="43137"/>
+                  </a:srgbClr>
+                </a:outerShdw>
+              </a:effectLst>
+              <a:highlight>
+                <a:srgbClr val="FF6600"/>
+              </a:highlight>
+            </a:endParaRPr>
+          </a:p>
+        </p:txBody>
+      </p:sp>
+      <p:sp>
+        <p:nvSpPr>
+          <p:cNvPr id="4" name="Slide Number Placeholder 3">
+            <a:extLst>
+              <a:ext uri="{FF2B5EF4-FFF2-40B4-BE49-F238E27FC236}">
+                <a16:creationId xmlns:a16="http://schemas.microsoft.com/office/drawing/2014/main" id="{82193751-E94F-32C7-DCCA-7D3244D279EA}"/>
+              </a:ext>
+            </a:extLst>
+          </p:cNvPr>
+          <p:cNvSpPr>
+            <a:spLocks noGrp="1"/>
+          </p:cNvSpPr>
+          <p:nvPr>
+            <p:ph type="sldNum" sz="quarter" idx="15"/>
+          </p:nvPr>
+        </p:nvSpPr>
+        <p:spPr/>
+        <p:txBody>
+          <a:bodyPr/>
+          <a:lstStyle/>
+          <a:p>
+            <a:fld id="{0879F475-59B1-4993-848A-C2B683DE9AF5}" type="slidenum">
+              <a:rPr lang="en-IN" smtClean="0"/>
+              <a:pPr/>
+              <a:t>7</a:t>
+            </a:fld>
+            <a:endParaRPr lang="en-IN" dirty="0"/>
+          </a:p>
+        </p:txBody>
+      </p:sp>
+      <p:pic>
+        <p:nvPicPr>
+          <p:cNvPr id="9" name="Graphic 8" descr="Idea outline">
+            <a:extLst>
+              <a:ext uri="{FF2B5EF4-FFF2-40B4-BE49-F238E27FC236}">
+                <a16:creationId xmlns:a16="http://schemas.microsoft.com/office/drawing/2014/main" id="{8701F636-0E69-F494-2D36-9D9665F8A8DA}"/>
+              </a:ext>
+            </a:extLst>
+          </p:cNvPr>
+          <p:cNvPicPr>
+            <a:picLocks noChangeAspect="1"/>
+          </p:cNvPicPr>
+          <p:nvPr/>
+        </p:nvPicPr>
+        <p:blipFill>
+          <a:blip r:embed="rId5">
+            <a:extLst>
+              <a:ext uri="{96DAC541-7B7A-43D3-8B79-37D633B846F1}">
+                <asvg:svgBlip xmlns:asvg="http://schemas.microsoft.com/office/drawing/2016/SVG/main" r:embed="rId6"/>
+              </a:ext>
+            </a:extLst>
+          </a:blip>
+          <a:stretch>
+            <a:fillRect/>
+          </a:stretch>
+        </p:blipFill>
+        <p:spPr>
+          <a:xfrm>
+            <a:off x="10957498" y="141532"/>
+            <a:ext cx="1159454" cy="1159454"/>
+          </a:xfrm>
+          <a:prstGeom prst="rect">
+            <a:avLst/>
+          </a:prstGeom>
+        </p:spPr>
+      </p:pic>
+      <p:sp>
+        <p:nvSpPr>
+          <p:cNvPr id="11" name="Content Placeholder 2">
+            <a:extLst>
+              <a:ext uri="{FF2B5EF4-FFF2-40B4-BE49-F238E27FC236}">
+                <a16:creationId xmlns:a16="http://schemas.microsoft.com/office/drawing/2014/main" id="{DE9F1BE0-7910-FA1B-DCE8-56EFD1E4FC09}"/>
+              </a:ext>
+            </a:extLst>
+          </p:cNvPr>
+          <p:cNvSpPr txBox="1">
+            <a:spLocks/>
+          </p:cNvSpPr>
+          <p:nvPr/>
+        </p:nvSpPr>
+        <p:spPr>
+          <a:xfrm>
+            <a:off x="442193" y="1860993"/>
+            <a:ext cx="11309311" cy="4076241"/>
+          </a:xfrm>
+          <a:prstGeom prst="rect">
+            <a:avLst/>
+          </a:prstGeom>
+          <a:solidFill>
+            <a:schemeClr val="bg1"/>
+          </a:solidFill>
+          <a:ln>
+            <a:noFill/>
+          </a:ln>
+          <a:effectLst>
+            <a:outerShdw blurRad="63500" sx="102000" sy="102000" algn="ctr" rotWithShape="0">
+              <a:prstClr val="black">
+                <a:alpha val="40000"/>
+              </a:prstClr>
+            </a:outerShdw>
+          </a:effectLst>
+        </p:spPr>
+        <p:txBody>
+          <a:bodyPr numCol="2" spcCol="274320"/>
+          <a:lstStyle>
+            <a:lvl1pPr marL="228600" indent="-228600" algn="l" defTabSz="914400" rtl="0" eaLnBrk="1" latinLnBrk="0" hangingPunct="1">
+              <a:lnSpc>
+                <a:spcPct val="90000"/>
+              </a:lnSpc>
+              <a:spcBef>
+                <a:spcPts val="1000"/>
+              </a:spcBef>
+              <a:buFont typeface="Arial" panose="020B0604020202020204" pitchFamily="34" charset="0"/>
+              <a:buChar char="•"/>
+              <a:defRPr sz="1600" kern="1200">
+                <a:solidFill>
+                  <a:schemeClr val="tx1"/>
+                </a:solidFill>
+                <a:latin typeface="+mn-lt"/>
+                <a:ea typeface="+mn-ea"/>
+                <a:cs typeface="+mn-cs"/>
+              </a:defRPr>
+            </a:lvl1pPr>
+            <a:lvl2pPr marL="685800" indent="-228600" algn="l" defTabSz="914400" rtl="0" eaLnBrk="1" latinLnBrk="0" hangingPunct="1">
+              <a:lnSpc>
+                <a:spcPct val="90000"/>
+              </a:lnSpc>
+              <a:spcBef>
+                <a:spcPts val="500"/>
+              </a:spcBef>
+              <a:buFont typeface="Arial" panose="020B0604020202020204" pitchFamily="34" charset="0"/>
+              <a:buChar char="•"/>
+              <a:defRPr sz="1600" kern="1200">
+                <a:solidFill>
+                  <a:schemeClr val="tx1"/>
+                </a:solidFill>
+                <a:latin typeface="+mn-lt"/>
+                <a:ea typeface="+mn-ea"/>
+                <a:cs typeface="+mn-cs"/>
+              </a:defRPr>
+            </a:lvl2pPr>
+            <a:lvl3pPr marL="1143000" indent="-228600" algn="l" defTabSz="914400" rtl="0" eaLnBrk="1" latinLnBrk="0" hangingPunct="1">
+              <a:lnSpc>
+                <a:spcPct val="90000"/>
+              </a:lnSpc>
+              <a:spcBef>
+                <a:spcPts val="500"/>
+              </a:spcBef>
+              <a:buFont typeface="Arial" panose="020B0604020202020204" pitchFamily="34" charset="0"/>
+              <a:buChar char="•"/>
+              <a:defRPr sz="1600" kern="1200">
+                <a:solidFill>
+                  <a:schemeClr val="tx1"/>
+                </a:solidFill>
+                <a:latin typeface="+mn-lt"/>
+                <a:ea typeface="+mn-ea"/>
+                <a:cs typeface="+mn-cs"/>
+              </a:defRPr>
+            </a:lvl3pPr>
+            <a:lvl4pPr marL="1600200" indent="-228600" algn="l" defTabSz="914400" rtl="0" eaLnBrk="1" latinLnBrk="0" hangingPunct="1">
+              <a:lnSpc>
+                <a:spcPct val="90000"/>
+              </a:lnSpc>
+              <a:spcBef>
+                <a:spcPts val="500"/>
+              </a:spcBef>
+              <a:buFont typeface="Arial" panose="020B0604020202020204" pitchFamily="34" charset="0"/>
+              <a:buChar char="•"/>
+              <a:defRPr sz="1600" kern="1200">
+                <a:solidFill>
+                  <a:schemeClr val="tx1"/>
+                </a:solidFill>
+                <a:latin typeface="+mn-lt"/>
+                <a:ea typeface="+mn-ea"/>
+                <a:cs typeface="+mn-cs"/>
+              </a:defRPr>
+            </a:lvl4pPr>
+            <a:lvl5pPr marL="2057400" indent="-228600" algn="l" defTabSz="914400" rtl="0" eaLnBrk="1" latinLnBrk="0" hangingPunct="1">
+              <a:lnSpc>
+                <a:spcPct val="90000"/>
+              </a:lnSpc>
+              <a:spcBef>
+                <a:spcPts val="500"/>
+              </a:spcBef>
+              <a:buFont typeface="Arial" panose="020B0604020202020204" pitchFamily="34" charset="0"/>
+              <a:buChar char="•"/>
+              <a:defRPr sz="1600" kern="1200">
+                <a:solidFill>
+                  <a:schemeClr val="tx1"/>
+                </a:solidFill>
+                <a:latin typeface="+mn-lt"/>
+                <a:ea typeface="+mn-ea"/>
+                <a:cs typeface="+mn-cs"/>
+              </a:defRPr>
+            </a:lvl5pPr>
+            <a:lvl6pPr marL="2514600" indent="-228600" algn="l" defTabSz="914400" rtl="0" eaLnBrk="1" latinLnBrk="0" hangingPunct="1">
+              <a:lnSpc>
+                <a:spcPct val="90000"/>
+              </a:lnSpc>
+              <a:spcBef>
+                <a:spcPts val="500"/>
+              </a:spcBef>
+              <a:buFont typeface="Arial" panose="020B0604020202020204" pitchFamily="34" charset="0"/>
+              <a:buChar char="•"/>
+              <a:defRPr sz="1800" kern="1200">
+                <a:solidFill>
+                  <a:schemeClr val="tx1"/>
+                </a:solidFill>
+                <a:latin typeface="+mn-lt"/>
+                <a:ea typeface="+mn-ea"/>
+                <a:cs typeface="+mn-cs"/>
+              </a:defRPr>
+            </a:lvl6pPr>
+            <a:lvl7pPr marL="2971800" indent="-228600" algn="l" defTabSz="914400" rtl="0" eaLnBrk="1" latinLnBrk="0" hangingPunct="1">
+              <a:lnSpc>
+                <a:spcPct val="90000"/>
+              </a:lnSpc>
+              <a:spcBef>
+                <a:spcPts val="500"/>
+              </a:spcBef>
+              <a:buFont typeface="Arial" panose="020B0604020202020204" pitchFamily="34" charset="0"/>
+              <a:buChar char="•"/>
+              <a:defRPr sz="1800" kern="1200">
+                <a:solidFill>
+                  <a:schemeClr val="tx1"/>
+                </a:solidFill>
+                <a:latin typeface="+mn-lt"/>
+                <a:ea typeface="+mn-ea"/>
+                <a:cs typeface="+mn-cs"/>
+              </a:defRPr>
+            </a:lvl7pPr>
+            <a:lvl8pPr marL="3429000" indent="-228600" algn="l" defTabSz="914400" rtl="0" eaLnBrk="1" latinLnBrk="0" hangingPunct="1">
+              <a:lnSpc>
+                <a:spcPct val="90000"/>
+              </a:lnSpc>
+              <a:spcBef>
+                <a:spcPts val="500"/>
+              </a:spcBef>
+              <a:buFont typeface="Arial" panose="020B0604020202020204" pitchFamily="34" charset="0"/>
+              <a:buChar char="•"/>
+              <a:defRPr sz="1800" kern="1200">
+                <a:solidFill>
+                  <a:schemeClr val="tx1"/>
+                </a:solidFill>
+                <a:latin typeface="+mn-lt"/>
+                <a:ea typeface="+mn-ea"/>
+                <a:cs typeface="+mn-cs"/>
+              </a:defRPr>
+            </a:lvl8pPr>
+            <a:lvl9pPr marL="3886200" indent="-228600" algn="l" defTabSz="914400" rtl="0" eaLnBrk="1" latinLnBrk="0" hangingPunct="1">
+              <a:lnSpc>
+                <a:spcPct val="90000"/>
+              </a:lnSpc>
+              <a:spcBef>
+                <a:spcPts val="500"/>
+              </a:spcBef>
+              <a:buFont typeface="Arial" panose="020B0604020202020204" pitchFamily="34" charset="0"/>
+              <a:buChar char="•"/>
+              <a:defRPr sz="1800" kern="1200">
+                <a:solidFill>
+                  <a:schemeClr val="tx1"/>
+                </a:solidFill>
+                <a:latin typeface="+mn-lt"/>
+                <a:ea typeface="+mn-ea"/>
+                <a:cs typeface="+mn-cs"/>
+              </a:defRPr>
+            </a:lvl9pPr>
+          </a:lstStyle>
+          <a:p>
+            <a:pPr marL="0" marR="0" algn="just">
+              <a:lnSpc>
+                <a:spcPct val="115000"/>
+              </a:lnSpc>
+              <a:spcBef>
+                <a:spcPts val="0"/>
+              </a:spcBef>
+              <a:spcAft>
+                <a:spcPts val="800"/>
+              </a:spcAft>
+            </a:pPr>
+            <a:r>
+              <a:rPr lang="en-US" sz="1400" b="1" dirty="0">
+                <a:solidFill>
+                  <a:srgbClr val="111111"/>
+                </a:solidFill>
+                <a:highlight>
+                  <a:srgbClr val="F7F7F7"/>
+                </a:highlight>
+                <a:latin typeface="-apple-system"/>
+              </a:rPr>
+              <a:t>Logging Work</a:t>
+            </a:r>
+          </a:p>
+          <a:p>
+            <a:pPr marL="800100" lvl="1" indent="-342900" algn="just">
+              <a:lnSpc>
+                <a:spcPct val="115000"/>
+              </a:lnSpc>
+              <a:spcBef>
+                <a:spcPts val="0"/>
+              </a:spcBef>
+              <a:spcAft>
+                <a:spcPts val="800"/>
+              </a:spcAft>
+              <a:buSzPts val="1000"/>
+              <a:buFont typeface="Symbol" panose="05050102010706020507" pitchFamily="18" charset="2"/>
+              <a:buChar char=""/>
+              <a:tabLst>
+                <a:tab pos="457200" algn="l"/>
+              </a:tabLst>
+            </a:pPr>
+            <a:r>
+              <a:rPr lang="en-US" sz="1400" b="1" dirty="0">
+                <a:solidFill>
+                  <a:srgbClr val="111111"/>
+                </a:solidFill>
+                <a:highlight>
+                  <a:srgbClr val="F7F7F7"/>
+                </a:highlight>
+                <a:latin typeface="-apple-system"/>
+              </a:rPr>
+              <a:t>Definition:</a:t>
+            </a:r>
+            <a:r>
+              <a:rPr lang="en-US" sz="1400" dirty="0">
+                <a:solidFill>
+                  <a:srgbClr val="111111"/>
+                </a:solidFill>
+                <a:highlight>
+                  <a:srgbClr val="F7F7F7"/>
+                </a:highlight>
+                <a:latin typeface="-apple-system"/>
+              </a:rPr>
+              <a:t> The practice of recording the time spent on tasks or stories in a sprint. This helps in tracking progress and adjusting future estimations.</a:t>
+            </a:r>
+          </a:p>
+          <a:p>
+            <a:pPr marL="800100" lvl="1" indent="-342900" algn="just">
+              <a:lnSpc>
+                <a:spcPct val="115000"/>
+              </a:lnSpc>
+              <a:spcBef>
+                <a:spcPts val="0"/>
+              </a:spcBef>
+              <a:spcAft>
+                <a:spcPts val="800"/>
+              </a:spcAft>
+              <a:buSzPts val="1000"/>
+              <a:buFont typeface="Symbol" panose="05050102010706020507" pitchFamily="18" charset="2"/>
+              <a:buChar char=""/>
+              <a:tabLst>
+                <a:tab pos="457200" algn="l"/>
+              </a:tabLst>
+            </a:pPr>
+            <a:r>
+              <a:rPr lang="en-US" sz="1400" b="1" dirty="0">
+                <a:solidFill>
+                  <a:srgbClr val="111111"/>
+                </a:solidFill>
+                <a:highlight>
+                  <a:srgbClr val="F7F7F7"/>
+                </a:highlight>
+                <a:latin typeface="-apple-system"/>
+              </a:rPr>
+              <a:t>Example: </a:t>
+            </a:r>
+            <a:r>
+              <a:rPr lang="en-US" sz="1400" dirty="0">
+                <a:solidFill>
+                  <a:srgbClr val="111111"/>
+                </a:solidFill>
+                <a:highlight>
+                  <a:srgbClr val="F7F7F7"/>
+                </a:highlight>
+                <a:latin typeface="-apple-system"/>
+              </a:rPr>
+              <a:t>Logging 5 hours spent on "Creating the reset password UI."</a:t>
+            </a:r>
+          </a:p>
+          <a:p>
+            <a:pPr marL="0" marR="0" algn="just">
+              <a:lnSpc>
+                <a:spcPct val="115000"/>
+              </a:lnSpc>
+              <a:spcBef>
+                <a:spcPts val="0"/>
+              </a:spcBef>
+              <a:spcAft>
+                <a:spcPts val="800"/>
+              </a:spcAft>
+            </a:pPr>
+            <a:r>
+              <a:rPr lang="en-US" sz="1400" b="1" dirty="0">
+                <a:solidFill>
+                  <a:srgbClr val="111111"/>
+                </a:solidFill>
+                <a:highlight>
+                  <a:srgbClr val="F7F7F7"/>
+                </a:highlight>
+                <a:latin typeface="-apple-system"/>
+              </a:rPr>
+              <a:t>Kanban Board</a:t>
+            </a:r>
+          </a:p>
+          <a:p>
+            <a:pPr marL="800100" lvl="1" indent="-342900" algn="just">
+              <a:lnSpc>
+                <a:spcPct val="115000"/>
+              </a:lnSpc>
+              <a:spcBef>
+                <a:spcPts val="0"/>
+              </a:spcBef>
+              <a:spcAft>
+                <a:spcPts val="800"/>
+              </a:spcAft>
+              <a:buSzPts val="1000"/>
+              <a:buFont typeface="Symbol" panose="05050102010706020507" pitchFamily="18" charset="2"/>
+              <a:buChar char=""/>
+              <a:tabLst>
+                <a:tab pos="457200" algn="l"/>
+              </a:tabLst>
+            </a:pPr>
+            <a:r>
+              <a:rPr lang="en-US" sz="1400" b="1" dirty="0">
+                <a:solidFill>
+                  <a:srgbClr val="111111"/>
+                </a:solidFill>
+                <a:highlight>
+                  <a:srgbClr val="F7F7F7"/>
+                </a:highlight>
+                <a:latin typeface="-apple-system"/>
+              </a:rPr>
+              <a:t>Definition:</a:t>
+            </a:r>
+            <a:r>
+              <a:rPr lang="en-US" sz="1400" dirty="0">
+                <a:solidFill>
+                  <a:srgbClr val="111111"/>
+                </a:solidFill>
+                <a:highlight>
+                  <a:srgbClr val="F7F7F7"/>
+                </a:highlight>
+                <a:latin typeface="-apple-system"/>
+              </a:rPr>
+              <a:t> A visual tool used in Kanban methodology to manage workflow and improve efficiency. It helps teams visualize their work, limit work in progress, and maximize flow.</a:t>
+            </a:r>
+          </a:p>
+          <a:p>
+            <a:pPr marL="800100" lvl="1" indent="-342900" algn="just">
+              <a:lnSpc>
+                <a:spcPct val="115000"/>
+              </a:lnSpc>
+              <a:spcBef>
+                <a:spcPts val="0"/>
+              </a:spcBef>
+              <a:spcAft>
+                <a:spcPts val="800"/>
+              </a:spcAft>
+              <a:buSzPts val="1000"/>
+              <a:buFont typeface="Symbol" panose="05050102010706020507" pitchFamily="18" charset="2"/>
+              <a:buChar char=""/>
+              <a:tabLst>
+                <a:tab pos="457200" algn="l"/>
+              </a:tabLst>
+            </a:pPr>
+            <a:r>
+              <a:rPr lang="en-US" sz="1400" b="1" dirty="0">
+                <a:solidFill>
+                  <a:srgbClr val="111111"/>
+                </a:solidFill>
+                <a:highlight>
+                  <a:srgbClr val="F7F7F7"/>
+                </a:highlight>
+                <a:latin typeface="-apple-system"/>
+              </a:rPr>
+              <a:t>Why Use It?: </a:t>
+            </a:r>
+            <a:r>
+              <a:rPr lang="en-US" sz="1400" dirty="0">
+                <a:solidFill>
+                  <a:srgbClr val="111111"/>
+                </a:solidFill>
+                <a:highlight>
+                  <a:srgbClr val="F7F7F7"/>
+                </a:highlight>
+                <a:latin typeface="-apple-system"/>
+              </a:rPr>
+              <a:t>Kanban boards are flexible and can be used for continuous delivery, making them suitable for teams that prioritize work on a rolling basis rather than fixed sprints.</a:t>
+            </a:r>
+          </a:p>
+          <a:p>
+            <a:pPr marL="0" marR="0" algn="just">
+              <a:lnSpc>
+                <a:spcPct val="115000"/>
+              </a:lnSpc>
+              <a:spcBef>
+                <a:spcPts val="0"/>
+              </a:spcBef>
+              <a:spcAft>
+                <a:spcPts val="800"/>
+              </a:spcAft>
+            </a:pPr>
+            <a:r>
+              <a:rPr lang="en-US" sz="1400" b="1" dirty="0">
+                <a:solidFill>
+                  <a:srgbClr val="111111"/>
+                </a:solidFill>
+                <a:highlight>
+                  <a:srgbClr val="F7F7F7"/>
+                </a:highlight>
+                <a:latin typeface="-apple-system"/>
+              </a:rPr>
+              <a:t>Fibonacci Numbers in Estimation</a:t>
+            </a:r>
+          </a:p>
+          <a:p>
+            <a:pPr marL="800100" lvl="1" indent="-342900" algn="just">
+              <a:lnSpc>
+                <a:spcPct val="115000"/>
+              </a:lnSpc>
+              <a:spcBef>
+                <a:spcPts val="0"/>
+              </a:spcBef>
+              <a:spcAft>
+                <a:spcPts val="800"/>
+              </a:spcAft>
+              <a:buSzPts val="1000"/>
+              <a:buFont typeface="Symbol" panose="05050102010706020507" pitchFamily="18" charset="2"/>
+              <a:buChar char=""/>
+              <a:tabLst>
+                <a:tab pos="457200" algn="l"/>
+              </a:tabLst>
+            </a:pPr>
+            <a:r>
+              <a:rPr lang="en-US" sz="1400" b="1" dirty="0">
+                <a:solidFill>
+                  <a:srgbClr val="111111"/>
+                </a:solidFill>
+                <a:highlight>
+                  <a:srgbClr val="F7F7F7"/>
+                </a:highlight>
+                <a:latin typeface="-apple-system"/>
+              </a:rPr>
+              <a:t>Definition:</a:t>
+            </a:r>
+            <a:r>
+              <a:rPr lang="en-US" sz="1400" dirty="0">
+                <a:solidFill>
+                  <a:srgbClr val="111111"/>
+                </a:solidFill>
+                <a:highlight>
+                  <a:srgbClr val="F7F7F7"/>
+                </a:highlight>
+                <a:latin typeface="-apple-system"/>
+              </a:rPr>
+              <a:t> Fibonacci numbers are used in Agile estimation because the sequence grows in a non-linear way, reflecting the increasing uncertainty and complexity as work becomes more extensive.</a:t>
+            </a:r>
+          </a:p>
+          <a:p>
+            <a:pPr marL="800100" lvl="1" indent="-342900" algn="just">
+              <a:lnSpc>
+                <a:spcPct val="115000"/>
+              </a:lnSpc>
+              <a:spcBef>
+                <a:spcPts val="0"/>
+              </a:spcBef>
+              <a:spcAft>
+                <a:spcPts val="800"/>
+              </a:spcAft>
+              <a:buSzPts val="1000"/>
+              <a:buFont typeface="Symbol" panose="05050102010706020507" pitchFamily="18" charset="2"/>
+              <a:buChar char=""/>
+              <a:tabLst>
+                <a:tab pos="457200" algn="l"/>
+              </a:tabLst>
+            </a:pPr>
+            <a:r>
+              <a:rPr lang="en-US" sz="1400" b="1" dirty="0">
+                <a:solidFill>
+                  <a:srgbClr val="111111"/>
+                </a:solidFill>
+                <a:highlight>
+                  <a:srgbClr val="F7F7F7"/>
+                </a:highlight>
+                <a:latin typeface="-apple-system"/>
+              </a:rPr>
+              <a:t>Example: </a:t>
+            </a:r>
+            <a:r>
+              <a:rPr lang="en-US" sz="1400" dirty="0">
+                <a:solidFill>
+                  <a:srgbClr val="111111"/>
+                </a:solidFill>
+                <a:highlight>
+                  <a:srgbClr val="F7F7F7"/>
+                </a:highlight>
+                <a:latin typeface="-apple-system"/>
+              </a:rPr>
+              <a:t>A task that is slightly more complex than a 3-point story might be estimated as a 5-point story, and something even more complex might be an 8 or 13-point story.</a:t>
+            </a:r>
+          </a:p>
+          <a:p>
+            <a:pPr marL="0" marR="0" algn="just">
+              <a:lnSpc>
+                <a:spcPct val="115000"/>
+              </a:lnSpc>
+              <a:spcBef>
+                <a:spcPts val="0"/>
+              </a:spcBef>
+              <a:spcAft>
+                <a:spcPts val="800"/>
+              </a:spcAft>
+            </a:pPr>
+            <a:endParaRPr lang="en-US" sz="1400" dirty="0">
+              <a:solidFill>
+                <a:srgbClr val="111111"/>
+              </a:solidFill>
+              <a:highlight>
+                <a:srgbClr val="F7F7F7"/>
+              </a:highlight>
+              <a:latin typeface="-apple-system"/>
+            </a:endParaRPr>
+          </a:p>
+        </p:txBody>
+      </p:sp>
+    </p:spTree>
+    <p:extLst>
+      <p:ext uri="{BB962C8B-B14F-4D97-AF65-F5344CB8AC3E}">
+        <p14:creationId xmlns:p14="http://schemas.microsoft.com/office/powerpoint/2010/main" val="365903351"/>
+      </p:ext>
+    </p:extLst>
+  </p:cSld>
+  <p:clrMapOvr>
+    <a:masterClrMapping/>
+  </p:clrMapOvr>
+</p:sld>
+</file>
+
+<file path=ppt/slides/slide8.xml><?xml version="1.0" encoding="utf-8"?>
+<p:sld xmlns:a="http://schemas.openxmlformats.org/drawingml/2006/main" xmlns:r="http://schemas.openxmlformats.org/officeDocument/2006/relationships" xmlns:p="http://schemas.openxmlformats.org/presentationml/2006/main">
+  <p:cSld>
+    <p:spTree>
+      <p:nvGrpSpPr>
+        <p:cNvPr id="1" name=""/>
+        <p:cNvGrpSpPr/>
+        <p:nvPr/>
+      </p:nvGrpSpPr>
+      <p:grpSpPr>
+        <a:xfrm>
+          <a:off x="0" y="0"/>
+          <a:ext cx="0" cy="0"/>
+          <a:chOff x="0" y="0"/>
+          <a:chExt cx="0" cy="0"/>
+        </a:xfrm>
+      </p:grpSpPr>
+      <p:graphicFrame>
+        <p:nvGraphicFramePr>
+          <p:cNvPr id="7" name="think-cell data - do not delete" hidden="1">
+            <a:extLst>
+              <a:ext uri="{FF2B5EF4-FFF2-40B4-BE49-F238E27FC236}">
+                <a16:creationId xmlns:a16="http://schemas.microsoft.com/office/drawing/2014/main" id="{3583FF9E-539E-FE29-E73B-3EF7E093601C}"/>
+              </a:ext>
+            </a:extLst>
+          </p:cNvPr>
+          <p:cNvGraphicFramePr>
+            <a:graphicFrameLocks noChangeAspect="1"/>
+          </p:cNvGraphicFramePr>
+          <p:nvPr>
+            <p:custDataLst>
+              <p:tags r:id="rId1"/>
+            </p:custDataLst>
+          </p:nvPr>
+        </p:nvGraphicFramePr>
+        <p:xfrm>
+          <a:off x="1588" y="1588"/>
+          <a:ext cx="1588" cy="1588"/>
+        </p:xfrm>
+        <a:graphic>
+          <a:graphicData uri="http://schemas.openxmlformats.org/presentationml/2006/ole">
+            <mc:AlternateContent xmlns:mc="http://schemas.openxmlformats.org/markup-compatibility/2006">
+              <mc:Choice xmlns:v="urn:schemas-microsoft-com:vml" Requires="v">
+                <p:oleObj name="think-cell Slide" r:id="rId3" imgW="395" imgH="394" progId="TCLayout.ActiveDocument.1">
+                  <p:embed/>
+                </p:oleObj>
+              </mc:Choice>
+              <mc:Fallback>
+                <p:oleObj name="think-cell Slide" r:id="rId3" imgW="395" imgH="394" progId="TCLayout.ActiveDocument.1">
+                  <p:embed/>
+                  <p:pic>
+                    <p:nvPicPr>
+                      <p:cNvPr id="7" name="think-cell data - do not delete" hidden="1">
+                        <a:extLst>
+                          <a:ext uri="{FF2B5EF4-FFF2-40B4-BE49-F238E27FC236}">
+                            <a16:creationId xmlns:a16="http://schemas.microsoft.com/office/drawing/2014/main" id="{3583FF9E-539E-FE29-E73B-3EF7E093601C}"/>
+                          </a:ext>
+                        </a:extLst>
+                      </p:cNvPr>
+                      <p:cNvPicPr/>
+                      <p:nvPr/>
+                    </p:nvPicPr>
+                    <p:blipFill>
+                      <a:blip r:embed="rId4"/>
+                      <a:stretch>
+                        <a:fillRect/>
+                      </a:stretch>
+                    </p:blipFill>
+                    <p:spPr>
+                      <a:xfrm>
+                        <a:off x="1588" y="1588"/>
+                        <a:ext cx="1588" cy="1588"/>
+                      </a:xfrm>
+                      <a:prstGeom prst="rect">
+                        <a:avLst/>
+                      </a:prstGeom>
+                    </p:spPr>
+                  </p:pic>
+                </p:oleObj>
+              </mc:Fallback>
+            </mc:AlternateContent>
+          </a:graphicData>
+        </a:graphic>
+      </p:graphicFrame>
+      <p:sp>
+        <p:nvSpPr>
+          <p:cNvPr id="10" name="Rectangle 9">
+            <a:extLst>
+              <a:ext uri="{FF2B5EF4-FFF2-40B4-BE49-F238E27FC236}">
+                <a16:creationId xmlns:a16="http://schemas.microsoft.com/office/drawing/2014/main" id="{8686D658-9330-BA20-4BC9-1E47EEC5B53D}"/>
+              </a:ext>
+            </a:extLst>
+          </p:cNvPr>
+          <p:cNvSpPr/>
+          <p:nvPr/>
+        </p:nvSpPr>
+        <p:spPr>
+          <a:xfrm>
+            <a:off x="10861040" y="0"/>
+            <a:ext cx="1330960" cy="1463040"/>
+          </a:xfrm>
+          <a:prstGeom prst="rect">
+            <a:avLst/>
+          </a:prstGeom>
+          <a:solidFill>
+            <a:srgbClr val="C00000"/>
+          </a:solidFill>
+          <a:ln>
+            <a:noFill/>
+          </a:ln>
+        </p:spPr>
+        <p:style>
+          <a:lnRef idx="2">
+            <a:schemeClr val="accent1">
+              <a:shade val="15000"/>
+            </a:schemeClr>
+          </a:lnRef>
+          <a:fillRef idx="1">
+            <a:schemeClr val="accent1"/>
+          </a:fillRef>
+          <a:effectRef idx="0">
+            <a:schemeClr val="accent1"/>
+          </a:effectRef>
+          <a:fontRef idx="minor">
+            <a:schemeClr val="lt1"/>
+          </a:fontRef>
+        </p:style>
+        <p:txBody>
+          <a:bodyPr rtlCol="0" anchor="ctr"/>
+          <a:lstStyle/>
+          <a:p>
+            <a:pPr algn="ctr"/>
+            <a:endParaRPr lang="en-IN"/>
+          </a:p>
+        </p:txBody>
+      </p:sp>
+      <p:sp>
+        <p:nvSpPr>
+          <p:cNvPr id="3" name="Title 2">
+            <a:extLst>
+              <a:ext uri="{FF2B5EF4-FFF2-40B4-BE49-F238E27FC236}">
+                <a16:creationId xmlns:a16="http://schemas.microsoft.com/office/drawing/2014/main" id="{CEA128C4-A0BC-A895-713C-306E7FF62894}"/>
+              </a:ext>
+            </a:extLst>
+          </p:cNvPr>
+          <p:cNvSpPr>
+            <a:spLocks noGrp="1"/>
+          </p:cNvSpPr>
+          <p:nvPr>
+            <p:ph type="title"/>
+          </p:nvPr>
+        </p:nvSpPr>
+        <p:spPr/>
+        <p:txBody>
+          <a:bodyPr vert="horz" anchor="ctr">
+            <a:noAutofit/>
+          </a:bodyPr>
+          <a:lstStyle/>
+          <a:p>
+            <a:r>
+              <a:rPr lang="en-US" b="1" dirty="0">
+                <a:effectLst>
+                  <a:outerShdw blurRad="38100" dist="38100" dir="2700000" algn="tl">
+                    <a:srgbClr val="000000">
+                      <a:alpha val="43137"/>
+                    </a:srgbClr>
+                  </a:outerShdw>
+                </a:effectLst>
+                <a:latin typeface="+mn-lt"/>
+                <a:cs typeface="+mj-cs"/>
+              </a:rPr>
+              <a:t>Learning 4 | My takeaways</a:t>
+            </a:r>
+            <a:endParaRPr lang="en-IN" sz="4000" i="1" u="sng" dirty="0">
+              <a:effectLst>
+                <a:outerShdw blurRad="38100" dist="38100" dir="2700000" algn="tl">
+                  <a:srgbClr val="000000">
+                    <a:alpha val="43137"/>
+                  </a:srgbClr>
+                </a:outerShdw>
+              </a:effectLst>
+              <a:highlight>
+                <a:srgbClr val="FF6600"/>
+              </a:highlight>
+            </a:endParaRPr>
+          </a:p>
+        </p:txBody>
+      </p:sp>
+      <p:sp>
+        <p:nvSpPr>
+          <p:cNvPr id="4" name="Slide Number Placeholder 3">
+            <a:extLst>
+              <a:ext uri="{FF2B5EF4-FFF2-40B4-BE49-F238E27FC236}">
+                <a16:creationId xmlns:a16="http://schemas.microsoft.com/office/drawing/2014/main" id="{82193751-E94F-32C7-DCCA-7D3244D279EA}"/>
+              </a:ext>
+            </a:extLst>
+          </p:cNvPr>
+          <p:cNvSpPr>
+            <a:spLocks noGrp="1"/>
+          </p:cNvSpPr>
+          <p:nvPr>
+            <p:ph type="sldNum" sz="quarter" idx="15"/>
+          </p:nvPr>
+        </p:nvSpPr>
+        <p:spPr/>
+        <p:txBody>
+          <a:bodyPr/>
+          <a:lstStyle/>
+          <a:p>
+            <a:fld id="{0879F475-59B1-4993-848A-C2B683DE9AF5}" type="slidenum">
+              <a:rPr lang="en-IN" smtClean="0"/>
+              <a:pPr/>
+              <a:t>8</a:t>
+            </a:fld>
+            <a:endParaRPr lang="en-IN" dirty="0"/>
+          </a:p>
+        </p:txBody>
+      </p:sp>
+      <p:pic>
+        <p:nvPicPr>
+          <p:cNvPr id="9" name="Graphic 8" descr="Idea outline">
+            <a:extLst>
+              <a:ext uri="{FF2B5EF4-FFF2-40B4-BE49-F238E27FC236}">
+                <a16:creationId xmlns:a16="http://schemas.microsoft.com/office/drawing/2014/main" id="{8701F636-0E69-F494-2D36-9D9665F8A8DA}"/>
+              </a:ext>
+            </a:extLst>
+          </p:cNvPr>
+          <p:cNvPicPr>
+            <a:picLocks noChangeAspect="1"/>
+          </p:cNvPicPr>
+          <p:nvPr/>
+        </p:nvPicPr>
+        <p:blipFill>
+          <a:blip r:embed="rId5">
+            <a:extLst>
+              <a:ext uri="{96DAC541-7B7A-43D3-8B79-37D633B846F1}">
+                <asvg:svgBlip xmlns:asvg="http://schemas.microsoft.com/office/drawing/2016/SVG/main" r:embed="rId6"/>
+              </a:ext>
+            </a:extLst>
+          </a:blip>
+          <a:stretch>
+            <a:fillRect/>
+          </a:stretch>
+        </p:blipFill>
+        <p:spPr>
+          <a:xfrm>
+            <a:off x="10957498" y="141532"/>
+            <a:ext cx="1159454" cy="1159454"/>
+          </a:xfrm>
+          <a:prstGeom prst="rect">
+            <a:avLst/>
+          </a:prstGeom>
+        </p:spPr>
+      </p:pic>
+      <p:pic>
+        <p:nvPicPr>
+          <p:cNvPr id="5124" name="Picture 4" descr="Kanban vs. Scrum. Who wore it best? - BigPicture">
+            <a:extLst>
+              <a:ext uri="{FF2B5EF4-FFF2-40B4-BE49-F238E27FC236}">
+                <a16:creationId xmlns:a16="http://schemas.microsoft.com/office/drawing/2014/main" id="{8C1CCBFA-A91A-6690-A2DD-A7669DEA47B0}"/>
+              </a:ext>
+            </a:extLst>
+          </p:cNvPr>
+          <p:cNvPicPr>
+            <a:picLocks noChangeAspect="1" noChangeArrowheads="1"/>
+          </p:cNvPicPr>
+          <p:nvPr/>
+        </p:nvPicPr>
+        <p:blipFill>
+          <a:blip r:embed="rId7" cstate="screen">
+            <a:extLst>
+              <a:ext uri="{28A0092B-C50C-407E-A947-70E740481C1C}">
+                <a14:useLocalDpi xmlns:a14="http://schemas.microsoft.com/office/drawing/2010/main" val="0"/>
+              </a:ext>
+            </a:extLst>
+          </a:blip>
+          <a:srcRect/>
+          <a:stretch>
+            <a:fillRect/>
+          </a:stretch>
+        </p:blipFill>
+        <p:spPr bwMode="auto">
+          <a:xfrm>
+            <a:off x="2215595" y="1608618"/>
+            <a:ext cx="7756187" cy="4362855"/>
+          </a:xfrm>
+          <a:prstGeom prst="rect">
+            <a:avLst/>
+          </a:prstGeom>
+          <a:noFill/>
+          <a:extLst>
+            <a:ext uri="{909E8E84-426E-40DD-AFC4-6F175D3DCCD1}">
+              <a14:hiddenFill xmlns:a14="http://schemas.microsoft.com/office/drawing/2010/main">
+                <a:solidFill>
+                  <a:srgbClr val="FFFFFF"/>
+                </a:solidFill>
+              </a14:hiddenFill>
+            </a:ext>
+          </a:extLst>
+        </p:spPr>
+      </p:pic>
+    </p:spTree>
+    <p:extLst>
+      <p:ext uri="{BB962C8B-B14F-4D97-AF65-F5344CB8AC3E}">
+        <p14:creationId xmlns:p14="http://schemas.microsoft.com/office/powerpoint/2010/main" val="716337969"/>
+      </p:ext>
+    </p:extLst>
+  </p:cSld>
+  <p:clrMapOvr>
+    <a:masterClrMapping/>
+  </p:clrMapOvr>
+</p:sld>
+</file>
+
+<file path=ppt/slides/slide9.xml><?xml version="1.0" encoding="utf-8"?>
+<p:sld xmlns:a="http://schemas.openxmlformats.org/drawingml/2006/main" xmlns:r="http://schemas.openxmlformats.org/officeDocument/2006/relationships" xmlns:p="http://schemas.openxmlformats.org/presentationml/2006/main">
+  <p:cSld>
+    <p:spTree>
+      <p:nvGrpSpPr>
+        <p:cNvPr id="1" name=""/>
+        <p:cNvGrpSpPr/>
+        <p:nvPr/>
+      </p:nvGrpSpPr>
+      <p:grpSpPr>
+        <a:xfrm>
+          <a:off x="0" y="0"/>
+          <a:ext cx="0" cy="0"/>
+          <a:chOff x="0" y="0"/>
+          <a:chExt cx="0" cy="0"/>
+        </a:xfrm>
+      </p:grpSpPr>
+      <p:graphicFrame>
+        <p:nvGraphicFramePr>
+          <p:cNvPr id="7" name="think-cell data - do not delete" hidden="1">
+            <a:extLst>
+              <a:ext uri="{FF2B5EF4-FFF2-40B4-BE49-F238E27FC236}">
+                <a16:creationId xmlns:a16="http://schemas.microsoft.com/office/drawing/2014/main" id="{3583FF9E-539E-FE29-E73B-3EF7E093601C}"/>
+              </a:ext>
+            </a:extLst>
+          </p:cNvPr>
+          <p:cNvGraphicFramePr>
+            <a:graphicFrameLocks noChangeAspect="1"/>
+          </p:cNvGraphicFramePr>
+          <p:nvPr>
+            <p:custDataLst>
+              <p:tags r:id="rId1"/>
+            </p:custDataLst>
+          </p:nvPr>
+        </p:nvGraphicFramePr>
+        <p:xfrm>
+          <a:off x="1588" y="1588"/>
+          <a:ext cx="1588" cy="1588"/>
+        </p:xfrm>
+        <a:graphic>
+          <a:graphicData uri="http://schemas.openxmlformats.org/presentationml/2006/ole">
+            <mc:AlternateContent xmlns:mc="http://schemas.openxmlformats.org/markup-compatibility/2006">
+              <mc:Choice xmlns:v="urn:schemas-microsoft-com:vml" Requires="v">
+                <p:oleObj name="think-cell Slide" r:id="rId3" imgW="395" imgH="394" progId="TCLayout.ActiveDocument.1">
+                  <p:embed/>
+                </p:oleObj>
+              </mc:Choice>
+              <mc:Fallback>
+                <p:oleObj name="think-cell Slide" r:id="rId3" imgW="395" imgH="394" progId="TCLayout.ActiveDocument.1">
+                  <p:embed/>
+                  <p:pic>
+                    <p:nvPicPr>
+                      <p:cNvPr id="7" name="think-cell data - do not delete" hidden="1">
+                        <a:extLst>
+                          <a:ext uri="{FF2B5EF4-FFF2-40B4-BE49-F238E27FC236}">
+                            <a16:creationId xmlns:a16="http://schemas.microsoft.com/office/drawing/2014/main" id="{3583FF9E-539E-FE29-E73B-3EF7E093601C}"/>
+                          </a:ext>
+                        </a:extLst>
+                      </p:cNvPr>
+                      <p:cNvPicPr/>
+                      <p:nvPr/>
+                    </p:nvPicPr>
+                    <p:blipFill>
+                      <a:blip r:embed="rId4"/>
+                      <a:stretch>
+                        <a:fillRect/>
+                      </a:stretch>
+                    </p:blipFill>
+                    <p:spPr>
+                      <a:xfrm>
+                        <a:off x="1588" y="1588"/>
+                        <a:ext cx="1588" cy="1588"/>
+                      </a:xfrm>
+                      <a:prstGeom prst="rect">
+                        <a:avLst/>
+                      </a:prstGeom>
+                    </p:spPr>
+                  </p:pic>
+                </p:oleObj>
+              </mc:Fallback>
+            </mc:AlternateContent>
+          </a:graphicData>
+        </a:graphic>
+      </p:graphicFrame>
+      <p:sp>
+        <p:nvSpPr>
+          <p:cNvPr id="10" name="Rectangle 9">
+            <a:extLst>
+              <a:ext uri="{FF2B5EF4-FFF2-40B4-BE49-F238E27FC236}">
+                <a16:creationId xmlns:a16="http://schemas.microsoft.com/office/drawing/2014/main" id="{8686D658-9330-BA20-4BC9-1E47EEC5B53D}"/>
+              </a:ext>
+            </a:extLst>
+          </p:cNvPr>
+          <p:cNvSpPr/>
+          <p:nvPr/>
+        </p:nvSpPr>
+        <p:spPr>
+          <a:xfrm>
+            <a:off x="10861040" y="0"/>
+            <a:ext cx="1330960" cy="1463040"/>
+          </a:xfrm>
+          <a:prstGeom prst="rect">
+            <a:avLst/>
+          </a:prstGeom>
+          <a:solidFill>
+            <a:srgbClr val="C00000"/>
+          </a:solidFill>
+          <a:ln>
+            <a:noFill/>
+          </a:ln>
+        </p:spPr>
+        <p:style>
+          <a:lnRef idx="2">
+            <a:schemeClr val="accent1">
+              <a:shade val="15000"/>
+            </a:schemeClr>
+          </a:lnRef>
+          <a:fillRef idx="1">
+            <a:schemeClr val="accent1"/>
+          </a:fillRef>
+          <a:effectRef idx="0">
+            <a:schemeClr val="accent1"/>
+          </a:effectRef>
+          <a:fontRef idx="minor">
+            <a:schemeClr val="lt1"/>
+          </a:fontRef>
+        </p:style>
+        <p:txBody>
+          <a:bodyPr rtlCol="0" anchor="ctr"/>
+          <a:lstStyle/>
+          <a:p>
+            <a:pPr algn="ctr"/>
+            <a:endParaRPr lang="en-IN"/>
+          </a:p>
+        </p:txBody>
+      </p:sp>
+      <p:sp>
+        <p:nvSpPr>
+          <p:cNvPr id="3" name="Title 2">
+            <a:extLst>
+              <a:ext uri="{FF2B5EF4-FFF2-40B4-BE49-F238E27FC236}">
+                <a16:creationId xmlns:a16="http://schemas.microsoft.com/office/drawing/2014/main" id="{CEA128C4-A0BC-A895-713C-306E7FF62894}"/>
+              </a:ext>
+            </a:extLst>
+          </p:cNvPr>
+          <p:cNvSpPr>
+            <a:spLocks noGrp="1"/>
+          </p:cNvSpPr>
+          <p:nvPr>
+            <p:ph type="title"/>
+          </p:nvPr>
+        </p:nvSpPr>
+        <p:spPr/>
+        <p:txBody>
+          <a:bodyPr vert="horz" anchor="ctr">
+            <a:noAutofit/>
+          </a:bodyPr>
+          <a:lstStyle/>
+          <a:p>
+            <a:r>
+              <a:rPr lang="en-US" b="1" dirty="0">
+                <a:effectLst>
+                  <a:outerShdw blurRad="38100" dist="38100" dir="2700000" algn="tl">
+                    <a:srgbClr val="000000">
+                      <a:alpha val="43137"/>
+                    </a:srgbClr>
+                  </a:outerShdw>
+                </a:effectLst>
+                <a:latin typeface="+mn-lt"/>
+                <a:cs typeface="+mj-cs"/>
+              </a:rPr>
+              <a:t>Learning 5 | My takeaways</a:t>
+            </a:r>
+            <a:endParaRPr lang="en-IN" sz="4000" i="1" u="sng" dirty="0">
+              <a:effectLst>
+                <a:outerShdw blurRad="38100" dist="38100" dir="2700000" algn="tl">
+                  <a:srgbClr val="000000">
+                    <a:alpha val="43137"/>
+                  </a:srgbClr>
+                </a:outerShdw>
+              </a:effectLst>
+              <a:highlight>
+                <a:srgbClr val="FF6600"/>
+              </a:highlight>
+            </a:endParaRPr>
+          </a:p>
+        </p:txBody>
+      </p:sp>
+      <p:sp>
+        <p:nvSpPr>
+          <p:cNvPr id="4" name="Slide Number Placeholder 3">
+            <a:extLst>
+              <a:ext uri="{FF2B5EF4-FFF2-40B4-BE49-F238E27FC236}">
+                <a16:creationId xmlns:a16="http://schemas.microsoft.com/office/drawing/2014/main" id="{82193751-E94F-32C7-DCCA-7D3244D279EA}"/>
+              </a:ext>
+            </a:extLst>
+          </p:cNvPr>
+          <p:cNvSpPr>
+            <a:spLocks noGrp="1"/>
+          </p:cNvSpPr>
+          <p:nvPr>
+            <p:ph type="sldNum" sz="quarter" idx="15"/>
+          </p:nvPr>
+        </p:nvSpPr>
+        <p:spPr/>
+        <p:txBody>
+          <a:bodyPr/>
+          <a:lstStyle/>
+          <a:p>
+            <a:fld id="{0879F475-59B1-4993-848A-C2B683DE9AF5}" type="slidenum">
+              <a:rPr lang="en-IN" smtClean="0"/>
+              <a:pPr/>
+              <a:t>9</a:t>
+            </a:fld>
+            <a:endParaRPr lang="en-IN" dirty="0"/>
+          </a:p>
+        </p:txBody>
+      </p:sp>
+      <p:pic>
+        <p:nvPicPr>
+          <p:cNvPr id="9" name="Graphic 8" descr="Idea outline">
+            <a:extLst>
+              <a:ext uri="{FF2B5EF4-FFF2-40B4-BE49-F238E27FC236}">
+                <a16:creationId xmlns:a16="http://schemas.microsoft.com/office/drawing/2014/main" id="{8701F636-0E69-F494-2D36-9D9665F8A8DA}"/>
+              </a:ext>
+            </a:extLst>
+          </p:cNvPr>
+          <p:cNvPicPr>
+            <a:picLocks noChangeAspect="1"/>
+          </p:cNvPicPr>
+          <p:nvPr/>
+        </p:nvPicPr>
+        <p:blipFill>
+          <a:blip r:embed="rId5">
+            <a:extLst>
+              <a:ext uri="{96DAC541-7B7A-43D3-8B79-37D633B846F1}">
+                <asvg:svgBlip xmlns:asvg="http://schemas.microsoft.com/office/drawing/2016/SVG/main" r:embed="rId6"/>
+              </a:ext>
+            </a:extLst>
+          </a:blip>
+          <a:stretch>
+            <a:fillRect/>
+          </a:stretch>
+        </p:blipFill>
+        <p:spPr>
+          <a:xfrm>
+            <a:off x="10957498" y="141532"/>
+            <a:ext cx="1159454" cy="1159454"/>
+          </a:xfrm>
+          <a:prstGeom prst="rect">
+            <a:avLst/>
+          </a:prstGeom>
+        </p:spPr>
+      </p:pic>
+      <p:sp>
+        <p:nvSpPr>
+          <p:cNvPr id="11" name="Content Placeholder 2">
+            <a:extLst>
+              <a:ext uri="{FF2B5EF4-FFF2-40B4-BE49-F238E27FC236}">
+                <a16:creationId xmlns:a16="http://schemas.microsoft.com/office/drawing/2014/main" id="{DE9F1BE0-7910-FA1B-DCE8-56EFD1E4FC09}"/>
+              </a:ext>
+            </a:extLst>
+          </p:cNvPr>
+          <p:cNvSpPr txBox="1">
+            <a:spLocks/>
+          </p:cNvSpPr>
+          <p:nvPr/>
+        </p:nvSpPr>
+        <p:spPr>
+          <a:xfrm>
+            <a:off x="442193" y="1860993"/>
+            <a:ext cx="11309311" cy="4076241"/>
+          </a:xfrm>
+          <a:prstGeom prst="rect">
+            <a:avLst/>
+          </a:prstGeom>
+          <a:solidFill>
+            <a:schemeClr val="bg1"/>
+          </a:solidFill>
+          <a:ln>
+            <a:noFill/>
+          </a:ln>
+          <a:effectLst>
+            <a:outerShdw blurRad="63500" sx="102000" sy="102000" algn="ctr" rotWithShape="0">
+              <a:prstClr val="black">
+                <a:alpha val="40000"/>
+              </a:prstClr>
+            </a:outerShdw>
+          </a:effectLst>
+        </p:spPr>
+        <p:txBody>
+          <a:bodyPr numCol="2"/>
+          <a:lstStyle>
+            <a:lvl1pPr marL="228600" indent="-228600" algn="l" defTabSz="914400" rtl="0" eaLnBrk="1" latinLnBrk="0" hangingPunct="1">
+              <a:lnSpc>
+                <a:spcPct val="90000"/>
+              </a:lnSpc>
+              <a:spcBef>
+                <a:spcPts val="1000"/>
+              </a:spcBef>
+              <a:buFont typeface="Arial" panose="020B0604020202020204" pitchFamily="34" charset="0"/>
+              <a:buChar char="•"/>
+              <a:defRPr sz="1600" kern="1200">
+                <a:solidFill>
+                  <a:schemeClr val="tx1"/>
+                </a:solidFill>
+                <a:latin typeface="+mn-lt"/>
+                <a:ea typeface="+mn-ea"/>
+                <a:cs typeface="+mn-cs"/>
+              </a:defRPr>
+            </a:lvl1pPr>
+            <a:lvl2pPr marL="685800" indent="-228600" algn="l" defTabSz="914400" rtl="0" eaLnBrk="1" latinLnBrk="0" hangingPunct="1">
+              <a:lnSpc>
+                <a:spcPct val="90000"/>
+              </a:lnSpc>
+              <a:spcBef>
+                <a:spcPts val="500"/>
+              </a:spcBef>
+              <a:buFont typeface="Arial" panose="020B0604020202020204" pitchFamily="34" charset="0"/>
+              <a:buChar char="•"/>
+              <a:defRPr sz="1600" kern="1200">
+                <a:solidFill>
+                  <a:schemeClr val="tx1"/>
+                </a:solidFill>
+                <a:latin typeface="+mn-lt"/>
+                <a:ea typeface="+mn-ea"/>
+                <a:cs typeface="+mn-cs"/>
+              </a:defRPr>
+            </a:lvl2pPr>
+            <a:lvl3pPr marL="1143000" indent="-228600" algn="l" defTabSz="914400" rtl="0" eaLnBrk="1" latinLnBrk="0" hangingPunct="1">
+              <a:lnSpc>
+                <a:spcPct val="90000"/>
+              </a:lnSpc>
+              <a:spcBef>
+                <a:spcPts val="500"/>
+              </a:spcBef>
+              <a:buFont typeface="Arial" panose="020B0604020202020204" pitchFamily="34" charset="0"/>
+              <a:buChar char="•"/>
+              <a:defRPr sz="1600" kern="1200">
+                <a:solidFill>
+                  <a:schemeClr val="tx1"/>
+                </a:solidFill>
+                <a:latin typeface="+mn-lt"/>
+                <a:ea typeface="+mn-ea"/>
+                <a:cs typeface="+mn-cs"/>
+              </a:defRPr>
+            </a:lvl3pPr>
+            <a:lvl4pPr marL="1600200" indent="-228600" algn="l" defTabSz="914400" rtl="0" eaLnBrk="1" latinLnBrk="0" hangingPunct="1">
+              <a:lnSpc>
+                <a:spcPct val="90000"/>
+              </a:lnSpc>
+              <a:spcBef>
+                <a:spcPts val="500"/>
+              </a:spcBef>
+              <a:buFont typeface="Arial" panose="020B0604020202020204" pitchFamily="34" charset="0"/>
+              <a:buChar char="•"/>
+              <a:defRPr sz="1600" kern="1200">
+                <a:solidFill>
+                  <a:schemeClr val="tx1"/>
+                </a:solidFill>
+                <a:latin typeface="+mn-lt"/>
+                <a:ea typeface="+mn-ea"/>
+                <a:cs typeface="+mn-cs"/>
+              </a:defRPr>
+            </a:lvl4pPr>
+            <a:lvl5pPr marL="2057400" indent="-228600" algn="l" defTabSz="914400" rtl="0" eaLnBrk="1" latinLnBrk="0" hangingPunct="1">
+              <a:lnSpc>
+                <a:spcPct val="90000"/>
+              </a:lnSpc>
+              <a:spcBef>
+                <a:spcPts val="500"/>
+              </a:spcBef>
+              <a:buFont typeface="Arial" panose="020B0604020202020204" pitchFamily="34" charset="0"/>
+              <a:buChar char="•"/>
+              <a:defRPr sz="1600" kern="1200">
+                <a:solidFill>
+                  <a:schemeClr val="tx1"/>
+                </a:solidFill>
+                <a:latin typeface="+mn-lt"/>
+                <a:ea typeface="+mn-ea"/>
+                <a:cs typeface="+mn-cs"/>
+              </a:defRPr>
+            </a:lvl5pPr>
+            <a:lvl6pPr marL="2514600" indent="-228600" algn="l" defTabSz="914400" rtl="0" eaLnBrk="1" latinLnBrk="0" hangingPunct="1">
+              <a:lnSpc>
+                <a:spcPct val="90000"/>
+              </a:lnSpc>
+              <a:spcBef>
+                <a:spcPts val="500"/>
+              </a:spcBef>
+              <a:buFont typeface="Arial" panose="020B0604020202020204" pitchFamily="34" charset="0"/>
+              <a:buChar char="•"/>
+              <a:defRPr sz="1800" kern="1200">
+                <a:solidFill>
+                  <a:schemeClr val="tx1"/>
+                </a:solidFill>
+                <a:latin typeface="+mn-lt"/>
+                <a:ea typeface="+mn-ea"/>
+                <a:cs typeface="+mn-cs"/>
+              </a:defRPr>
+            </a:lvl6pPr>
+            <a:lvl7pPr marL="2971800" indent="-228600" algn="l" defTabSz="914400" rtl="0" eaLnBrk="1" latinLnBrk="0" hangingPunct="1">
+              <a:lnSpc>
+                <a:spcPct val="90000"/>
+              </a:lnSpc>
+              <a:spcBef>
+                <a:spcPts val="500"/>
+              </a:spcBef>
+              <a:buFont typeface="Arial" panose="020B0604020202020204" pitchFamily="34" charset="0"/>
+              <a:buChar char="•"/>
+              <a:defRPr sz="1800" kern="1200">
+                <a:solidFill>
+                  <a:schemeClr val="tx1"/>
+                </a:solidFill>
+                <a:latin typeface="+mn-lt"/>
+                <a:ea typeface="+mn-ea"/>
+                <a:cs typeface="+mn-cs"/>
+              </a:defRPr>
+            </a:lvl7pPr>
+            <a:lvl8pPr marL="3429000" indent="-228600" algn="l" defTabSz="914400" rtl="0" eaLnBrk="1" latinLnBrk="0" hangingPunct="1">
+              <a:lnSpc>
+                <a:spcPct val="90000"/>
+              </a:lnSpc>
+              <a:spcBef>
+                <a:spcPts val="500"/>
+              </a:spcBef>
+              <a:buFont typeface="Arial" panose="020B0604020202020204" pitchFamily="34" charset="0"/>
+              <a:buChar char="•"/>
+              <a:defRPr sz="1800" kern="1200">
+                <a:solidFill>
+                  <a:schemeClr val="tx1"/>
+                </a:solidFill>
+                <a:latin typeface="+mn-lt"/>
+                <a:ea typeface="+mn-ea"/>
+                <a:cs typeface="+mn-cs"/>
+              </a:defRPr>
+            </a:lvl8pPr>
+            <a:lvl9pPr marL="3886200" indent="-228600" algn="l" defTabSz="914400" rtl="0" eaLnBrk="1" latinLnBrk="0" hangingPunct="1">
+              <a:lnSpc>
+                <a:spcPct val="90000"/>
+              </a:lnSpc>
+              <a:spcBef>
+                <a:spcPts val="500"/>
+              </a:spcBef>
+              <a:buFont typeface="Arial" panose="020B0604020202020204" pitchFamily="34" charset="0"/>
+              <a:buChar char="•"/>
+              <a:defRPr sz="1800" kern="1200">
+                <a:solidFill>
+                  <a:schemeClr val="tx1"/>
+                </a:solidFill>
+                <a:latin typeface="+mn-lt"/>
+                <a:ea typeface="+mn-ea"/>
+                <a:cs typeface="+mn-cs"/>
+              </a:defRPr>
+            </a:lvl9pPr>
+          </a:lstStyle>
+          <a:p>
+            <a:pPr marL="0" marR="0" algn="just" rtl="0" eaLnBrk="1" latinLnBrk="0" hangingPunct="1">
+              <a:lnSpc>
+                <a:spcPct val="115000"/>
+              </a:lnSpc>
+              <a:spcBef>
+                <a:spcPts val="0"/>
+              </a:spcBef>
+              <a:spcAft>
+                <a:spcPts val="800"/>
+              </a:spcAft>
+            </a:pPr>
+            <a:r>
+              <a:rPr lang="en-US" sz="1400" b="1" kern="1200" dirty="0">
+                <a:solidFill>
+                  <a:srgbClr val="111111"/>
+                </a:solidFill>
+                <a:effectLst/>
+                <a:highlight>
+                  <a:srgbClr val="F7F7F7"/>
+                </a:highlight>
+                <a:latin typeface="-apple-system"/>
+                <a:ea typeface="+mn-ea"/>
+                <a:cs typeface="+mn-cs"/>
+              </a:rPr>
+              <a:t>Burn-Up vs. Burndown Charts</a:t>
+            </a:r>
+            <a:endParaRPr lang="en-US" sz="1400" dirty="0">
+              <a:effectLst/>
+            </a:endParaRPr>
+          </a:p>
+          <a:p>
+            <a:pPr marL="804672" indent="-347472" algn="just" rtl="0" eaLnBrk="1" latinLnBrk="0" hangingPunct="1">
+              <a:lnSpc>
+                <a:spcPct val="115000"/>
+              </a:lnSpc>
+              <a:spcBef>
+                <a:spcPts val="0"/>
+              </a:spcBef>
+              <a:spcAft>
+                <a:spcPts val="800"/>
+              </a:spcAft>
+              <a:tabLst>
+                <a:tab pos="457200" algn="l"/>
+              </a:tabLst>
+            </a:pPr>
+            <a:r>
+              <a:rPr lang="en-US" sz="1400" b="1" kern="1200" dirty="0">
+                <a:solidFill>
+                  <a:srgbClr val="111111"/>
+                </a:solidFill>
+                <a:effectLst/>
+                <a:highlight>
+                  <a:srgbClr val="F7F7F7"/>
+                </a:highlight>
+                <a:latin typeface="-apple-system"/>
+                <a:ea typeface="+mn-ea"/>
+                <a:cs typeface="+mn-cs"/>
+              </a:rPr>
+              <a:t>Definition:</a:t>
+            </a:r>
+            <a:endParaRPr lang="en-US" sz="1400" dirty="0">
+              <a:effectLst/>
+            </a:endParaRPr>
+          </a:p>
+          <a:p>
+            <a:pPr marL="1197864" indent="-283464" algn="just" rtl="0" eaLnBrk="1" latinLnBrk="0" hangingPunct="1">
+              <a:lnSpc>
+                <a:spcPct val="115000"/>
+              </a:lnSpc>
+              <a:spcBef>
+                <a:spcPts val="0"/>
+              </a:spcBef>
+              <a:spcAft>
+                <a:spcPts val="800"/>
+              </a:spcAft>
+              <a:tabLst>
+                <a:tab pos="914400" algn="l"/>
+              </a:tabLst>
+            </a:pPr>
+            <a:r>
+              <a:rPr lang="en-US" sz="1400" b="1" kern="1200" dirty="0">
+                <a:solidFill>
+                  <a:srgbClr val="111111"/>
+                </a:solidFill>
+                <a:effectLst/>
+                <a:highlight>
+                  <a:srgbClr val="F7F7F7"/>
+                </a:highlight>
+                <a:latin typeface="-apple-system"/>
+                <a:ea typeface="+mn-ea"/>
+                <a:cs typeface="+mn-cs"/>
+              </a:rPr>
+              <a:t>Burn-Up Chart: </a:t>
+            </a:r>
+            <a:r>
+              <a:rPr lang="en-US" sz="1400" kern="1200" dirty="0">
+                <a:solidFill>
+                  <a:srgbClr val="111111"/>
+                </a:solidFill>
+                <a:effectLst/>
+                <a:highlight>
+                  <a:srgbClr val="F7F7F7"/>
+                </a:highlight>
+                <a:latin typeface="-apple-system"/>
+                <a:ea typeface="+mn-ea"/>
+                <a:cs typeface="+mn-cs"/>
+              </a:rPr>
+              <a:t>Shows progress toward a goal by plotting completed work against the total scope, allowing teams to see how close they are to achieving the sprint or release goal.</a:t>
+            </a:r>
+            <a:endParaRPr lang="en-US" sz="1400" dirty="0">
+              <a:effectLst/>
+            </a:endParaRPr>
+          </a:p>
+          <a:p>
+            <a:pPr marL="1197864" indent="-283464" algn="just" rtl="0" eaLnBrk="1" latinLnBrk="0" hangingPunct="1">
+              <a:lnSpc>
+                <a:spcPct val="115000"/>
+              </a:lnSpc>
+              <a:spcBef>
+                <a:spcPts val="0"/>
+              </a:spcBef>
+              <a:spcAft>
+                <a:spcPts val="800"/>
+              </a:spcAft>
+              <a:tabLst>
+                <a:tab pos="914400" algn="l"/>
+              </a:tabLst>
+            </a:pPr>
+            <a:r>
+              <a:rPr lang="en-US" sz="1400" b="1" kern="1200" dirty="0">
+                <a:solidFill>
+                  <a:srgbClr val="111111"/>
+                </a:solidFill>
+                <a:effectLst/>
+                <a:highlight>
+                  <a:srgbClr val="F7F7F7"/>
+                </a:highlight>
+                <a:latin typeface="-apple-system"/>
+                <a:ea typeface="+mn-ea"/>
+                <a:cs typeface="+mn-cs"/>
+              </a:rPr>
+              <a:t>Burndown Chart: </a:t>
+            </a:r>
+            <a:r>
+              <a:rPr lang="en-US" sz="1400" kern="1200" dirty="0">
+                <a:solidFill>
+                  <a:srgbClr val="111111"/>
+                </a:solidFill>
+                <a:effectLst/>
+                <a:highlight>
+                  <a:srgbClr val="F7F7F7"/>
+                </a:highlight>
+                <a:latin typeface="-apple-system"/>
+                <a:ea typeface="+mn-ea"/>
+                <a:cs typeface="+mn-cs"/>
+              </a:rPr>
+              <a:t>Plots remaining work against time, showing how much work is left to complete within the sprint or project timeline.</a:t>
+            </a:r>
+            <a:endParaRPr lang="en-US" sz="1400" dirty="0">
+              <a:effectLst/>
+            </a:endParaRPr>
+          </a:p>
+          <a:p>
+            <a:pPr marL="804672" indent="-347472" algn="just" rtl="0" eaLnBrk="1" latinLnBrk="0" hangingPunct="1">
+              <a:lnSpc>
+                <a:spcPct val="115000"/>
+              </a:lnSpc>
+              <a:spcBef>
+                <a:spcPts val="0"/>
+              </a:spcBef>
+              <a:spcAft>
+                <a:spcPts val="800"/>
+              </a:spcAft>
+              <a:tabLst>
+                <a:tab pos="457200" algn="l"/>
+              </a:tabLst>
+            </a:pPr>
+            <a:r>
+              <a:rPr lang="en-US" sz="1400" b="1" kern="1200" dirty="0">
+                <a:solidFill>
+                  <a:srgbClr val="111111"/>
+                </a:solidFill>
+                <a:effectLst/>
+                <a:highlight>
+                  <a:srgbClr val="F7F7F7"/>
+                </a:highlight>
+                <a:latin typeface="-apple-system"/>
+                <a:ea typeface="+mn-ea"/>
+                <a:cs typeface="+mn-cs"/>
+              </a:rPr>
+              <a:t>Example:</a:t>
+            </a:r>
+            <a:r>
+              <a:rPr lang="en-US" sz="1400" kern="1200" dirty="0">
+                <a:solidFill>
+                  <a:srgbClr val="111111"/>
+                </a:solidFill>
+                <a:effectLst/>
+                <a:highlight>
+                  <a:srgbClr val="F7F7F7"/>
+                </a:highlight>
+                <a:latin typeface="-apple-system"/>
+                <a:ea typeface="+mn-ea"/>
+                <a:cs typeface="+mn-cs"/>
+              </a:rPr>
+              <a:t> A burn-up chart might show a steady increase in completed story points, while a burndown chart might show the remaining story points decreasing over time.</a:t>
+            </a:r>
+          </a:p>
+          <a:p>
+            <a:pPr marL="0" marR="0">
+              <a:lnSpc>
+                <a:spcPct val="115000"/>
+              </a:lnSpc>
+              <a:spcBef>
+                <a:spcPts val="0"/>
+              </a:spcBef>
+              <a:spcAft>
+                <a:spcPts val="800"/>
+              </a:spcAft>
+            </a:pPr>
+            <a:endParaRPr lang="en-US" sz="1400" b="1" dirty="0">
+              <a:solidFill>
+                <a:srgbClr val="111111"/>
+              </a:solidFill>
+              <a:highlight>
+                <a:srgbClr val="F7F7F7"/>
+              </a:highlight>
+              <a:latin typeface="-apple-system"/>
+            </a:endParaRPr>
+          </a:p>
+        </p:txBody>
+      </p:sp>
+      <p:pic>
+        <p:nvPicPr>
+          <p:cNvPr id="8194" name="Picture 2" descr="How To Elevate Your Agile Processes with Burndown Charts">
+            <a:extLst>
+              <a:ext uri="{FF2B5EF4-FFF2-40B4-BE49-F238E27FC236}">
+                <a16:creationId xmlns:a16="http://schemas.microsoft.com/office/drawing/2014/main" id="{AA3A0770-F004-34E5-8ABA-FE75B1A9C614}"/>
+              </a:ext>
+            </a:extLst>
+          </p:cNvPr>
+          <p:cNvPicPr>
+            <a:picLocks noChangeAspect="1" noChangeArrowheads="1"/>
+          </p:cNvPicPr>
+          <p:nvPr/>
+        </p:nvPicPr>
+        <p:blipFill>
+          <a:blip r:embed="rId7" cstate="screen">
+            <a:extLst>
+              <a:ext uri="{28A0092B-C50C-407E-A947-70E740481C1C}">
+                <a14:useLocalDpi xmlns:a14="http://schemas.microsoft.com/office/drawing/2010/main" val="0"/>
+              </a:ext>
+            </a:extLst>
+          </a:blip>
+          <a:srcRect/>
+          <a:stretch>
+            <a:fillRect/>
+          </a:stretch>
+        </p:blipFill>
+        <p:spPr bwMode="auto">
+          <a:xfrm>
+            <a:off x="6435547" y="2072850"/>
+            <a:ext cx="5171876" cy="3652526"/>
+          </a:xfrm>
+          <a:prstGeom prst="rect">
+            <a:avLst/>
+          </a:prstGeom>
+          <a:noFill/>
+          <a:extLst>
+            <a:ext uri="{909E8E84-426E-40DD-AFC4-6F175D3DCCD1}">
+              <a14:hiddenFill xmlns:a14="http://schemas.microsoft.com/office/drawing/2010/main">
+                <a:solidFill>
+                  <a:srgbClr val="FFFFFF"/>
+                </a:solidFill>
+              </a14:hiddenFill>
+            </a:ext>
+          </a:extLst>
+        </p:spPr>
+      </p:pic>
+    </p:spTree>
+    <p:extLst>
+      <p:ext uri="{BB962C8B-B14F-4D97-AF65-F5344CB8AC3E}">
+        <p14:creationId xmlns:p14="http://schemas.microsoft.com/office/powerpoint/2010/main" val="1815977310"/>
       </p:ext>
     </p:extLst>
   </p:cSld>
@@ -10464,6 +14506,12 @@
 </p:tagLst>
 </file>
 
+<file path=ppt/tags/tag10.xml><?xml version="1.0" encoding="utf-8"?>
+<p:tagLst xmlns:a="http://schemas.openxmlformats.org/drawingml/2006/main" xmlns:r="http://schemas.openxmlformats.org/officeDocument/2006/relationships" xmlns:p="http://schemas.openxmlformats.org/presentationml/2006/main">
+  <p:tag name="THINKCELLSHAPEDONOTDELETE" val="thinkcellActiveDocDoNotDelete"/>
+</p:tagLst>
+</file>
+
 <file path=ppt/tags/tag2.xml><?xml version="1.0" encoding="utf-8"?>
 <p:tagLst xmlns:a="http://schemas.openxmlformats.org/drawingml/2006/main" xmlns:r="http://schemas.openxmlformats.org/officeDocument/2006/relationships" xmlns:p="http://schemas.openxmlformats.org/presentationml/2006/main">
   <p:tag name="THINKCELLSHAPEDONOTDELETE" val="thinkcellActiveDocDoNotDelete"/>
@@ -10477,6 +14525,36 @@
 </file>
 
 <file path=ppt/tags/tag4.xml><?xml version="1.0" encoding="utf-8"?>
+<p:tagLst xmlns:a="http://schemas.openxmlformats.org/drawingml/2006/main" xmlns:r="http://schemas.openxmlformats.org/officeDocument/2006/relationships" xmlns:p="http://schemas.openxmlformats.org/presentationml/2006/main">
+  <p:tag name="THINKCELLSHAPEDONOTDELETE" val="thinkcellActiveDocDoNotDelete"/>
+</p:tagLst>
+</file>
+
+<file path=ppt/tags/tag5.xml><?xml version="1.0" encoding="utf-8"?>
+<p:tagLst xmlns:a="http://schemas.openxmlformats.org/drawingml/2006/main" xmlns:r="http://schemas.openxmlformats.org/officeDocument/2006/relationships" xmlns:p="http://schemas.openxmlformats.org/presentationml/2006/main">
+  <p:tag name="THINKCELLSHAPEDONOTDELETE" val="thinkcellActiveDocDoNotDelete"/>
+</p:tagLst>
+</file>
+
+<file path=ppt/tags/tag6.xml><?xml version="1.0" encoding="utf-8"?>
+<p:tagLst xmlns:a="http://schemas.openxmlformats.org/drawingml/2006/main" xmlns:r="http://schemas.openxmlformats.org/officeDocument/2006/relationships" xmlns:p="http://schemas.openxmlformats.org/presentationml/2006/main">
+  <p:tag name="THINKCELLSHAPEDONOTDELETE" val="thinkcellActiveDocDoNotDelete"/>
+</p:tagLst>
+</file>
+
+<file path=ppt/tags/tag7.xml><?xml version="1.0" encoding="utf-8"?>
+<p:tagLst xmlns:a="http://schemas.openxmlformats.org/drawingml/2006/main" xmlns:r="http://schemas.openxmlformats.org/officeDocument/2006/relationships" xmlns:p="http://schemas.openxmlformats.org/presentationml/2006/main">
+  <p:tag name="THINKCELLSHAPEDONOTDELETE" val="thinkcellActiveDocDoNotDelete"/>
+</p:tagLst>
+</file>
+
+<file path=ppt/tags/tag8.xml><?xml version="1.0" encoding="utf-8"?>
+<p:tagLst xmlns:a="http://schemas.openxmlformats.org/drawingml/2006/main" xmlns:r="http://schemas.openxmlformats.org/officeDocument/2006/relationships" xmlns:p="http://schemas.openxmlformats.org/presentationml/2006/main">
+  <p:tag name="THINKCELLSHAPEDONOTDELETE" val="thinkcellActiveDocDoNotDelete"/>
+</p:tagLst>
+</file>
+
+<file path=ppt/tags/tag9.xml><?xml version="1.0" encoding="utf-8"?>
 <p:tagLst xmlns:a="http://schemas.openxmlformats.org/drawingml/2006/main" xmlns:r="http://schemas.openxmlformats.org/officeDocument/2006/relationships" xmlns:p="http://schemas.openxmlformats.org/presentationml/2006/main">
   <p:tag name="THINKCELLSHAPEDONOTDELETE" val="thinkcellActiveDocDoNotDelete"/>
 </p:tagLst>
@@ -11274,23 +15352,6 @@
 </file>
 
 <file path=customXml/item1.xml><?xml version="1.0" encoding="utf-8"?>
-<p:properties xmlns:p="http://schemas.microsoft.com/office/2006/metadata/properties" xmlns:xsi="http://www.w3.org/2001/XMLSchema-instance" xmlns:pc="http://schemas.microsoft.com/office/infopath/2007/PartnerControls">
-  <documentManagement>
-    <_activity xmlns="d64320fb-f9a3-4131-8206-9d18da17abe9" xsi:nil="true"/>
-  </documentManagement>
-</p:properties>
-</file>
-
-<file path=customXml/item2.xml><?xml version="1.0" encoding="utf-8"?>
-<?mso-contentType ?>
-<FormTemplates xmlns="http://schemas.microsoft.com/sharepoint/v3/contenttype/forms">
-  <Display>DocumentLibraryForm</Display>
-  <Edit>DocumentLibraryForm</Edit>
-  <New>DocumentLibraryForm</New>
-</FormTemplates>
-</file>
-
-<file path=customXml/item3.xml><?xml version="1.0" encoding="utf-8"?>
 <ct:contentTypeSchema xmlns:ct="http://schemas.microsoft.com/office/2006/metadata/contentType" xmlns:ma="http://schemas.microsoft.com/office/2006/metadata/properties/metaAttributes" ct:_="" ma:_="" ma:contentTypeName="Document" ma:contentTypeID="0x010100BF23033ADD2CC44581BA464AC24AB4CD" ma:contentTypeVersion="18" ma:contentTypeDescription="Create a new document." ma:contentTypeScope="" ma:versionID="bfa97c90a71db97c80c59ca5c0ffda22">
   <xsd:schema xmlns:xsd="http://www.w3.org/2001/XMLSchema" xmlns:xs="http://www.w3.org/2001/XMLSchema" xmlns:p="http://schemas.microsoft.com/office/2006/metadata/properties" xmlns:ns3="d64320fb-f9a3-4131-8206-9d18da17abe9" xmlns:ns4="489eda54-cdc8-4a48-94a2-8f9cf8024289" targetNamespace="http://schemas.microsoft.com/office/2006/metadata/properties" ma:root="true" ma:fieldsID="be474ca7a15bf1e8a5e4b2eb5ea5d141" ns3:_="" ns4:_="">
     <xsd:import namespace="d64320fb-f9a3-4131-8206-9d18da17abe9"/>
@@ -11543,32 +15604,24 @@
 </ct:contentTypeSchema>
 </file>
 
-<file path=customXml/itemProps1.xml><?xml version="1.0" encoding="utf-8"?>
-<ds:datastoreItem xmlns:ds="http://schemas.openxmlformats.org/officeDocument/2006/customXml" ds:itemID="{1DADF44A-8650-472F-B2D9-50E27F0769F7}">
-  <ds:schemaRefs>
-    <ds:schemaRef ds:uri="http://purl.org/dc/terms/"/>
-    <ds:schemaRef ds:uri="http://purl.org/dc/elements/1.1/"/>
-    <ds:schemaRef ds:uri="http://schemas.microsoft.com/office/2006/documentManagement/types"/>
-    <ds:schemaRef ds:uri="http://schemas.openxmlformats.org/package/2006/metadata/core-properties"/>
-    <ds:schemaRef ds:uri="d64320fb-f9a3-4131-8206-9d18da17abe9"/>
-    <ds:schemaRef ds:uri="http://purl.org/dc/dcmitype/"/>
-    <ds:schemaRef ds:uri="http://schemas.microsoft.com/office/infopath/2007/PartnerControls"/>
-    <ds:schemaRef ds:uri="489eda54-cdc8-4a48-94a2-8f9cf8024289"/>
-    <ds:schemaRef ds:uri="http://schemas.microsoft.com/office/2006/metadata/properties"/>
-    <ds:schemaRef ds:uri="http://www.w3.org/XML/1998/namespace"/>
-  </ds:schemaRefs>
-</ds:datastoreItem>
+<file path=customXml/item2.xml><?xml version="1.0" encoding="utf-8"?>
+<?mso-contentType ?>
+<FormTemplates xmlns="http://schemas.microsoft.com/sharepoint/v3/contenttype/forms">
+  <Display>DocumentLibraryForm</Display>
+  <Edit>DocumentLibraryForm</Edit>
+  <New>DocumentLibraryForm</New>
+</FormTemplates>
 </file>
 
-<file path=customXml/itemProps2.xml><?xml version="1.0" encoding="utf-8"?>
-<ds:datastoreItem xmlns:ds="http://schemas.openxmlformats.org/officeDocument/2006/customXml" ds:itemID="{911617EF-9A33-49DD-BF18-3F75C7B3CC29}">
-  <ds:schemaRefs>
-    <ds:schemaRef ds:uri="http://schemas.microsoft.com/sharepoint/v3/contenttype/forms"/>
-  </ds:schemaRefs>
-</ds:datastoreItem>
+<file path=customXml/item3.xml><?xml version="1.0" encoding="utf-8"?>
+<p:properties xmlns:p="http://schemas.microsoft.com/office/2006/metadata/properties" xmlns:xsi="http://www.w3.org/2001/XMLSchema-instance" xmlns:pc="http://schemas.microsoft.com/office/infopath/2007/PartnerControls">
+  <documentManagement>
+    <_activity xmlns="d64320fb-f9a3-4131-8206-9d18da17abe9" xsi:nil="true"/>
+  </documentManagement>
+</p:properties>
 </file>
 
-<file path=customXml/itemProps3.xml><?xml version="1.0" encoding="utf-8"?>
+<file path=customXml/itemProps1.xml><?xml version="1.0" encoding="utf-8"?>
 <ds:datastoreItem xmlns:ds="http://schemas.openxmlformats.org/officeDocument/2006/customXml" ds:itemID="{912B7AD5-CBD7-462B-BC8B-1E0D74017F51}">
   <ds:schemaRefs>
     <ds:schemaRef ds:uri="http://schemas.microsoft.com/office/2006/metadata/contentType"/>
@@ -11587,6 +15640,31 @@
 </ds:datastoreItem>
 </file>
 
+<file path=customXml/itemProps2.xml><?xml version="1.0" encoding="utf-8"?>
+<ds:datastoreItem xmlns:ds="http://schemas.openxmlformats.org/officeDocument/2006/customXml" ds:itemID="{911617EF-9A33-49DD-BF18-3F75C7B3CC29}">
+  <ds:schemaRefs>
+    <ds:schemaRef ds:uri="http://schemas.microsoft.com/sharepoint/v3/contenttype/forms"/>
+  </ds:schemaRefs>
+</ds:datastoreItem>
+</file>
+
+<file path=customXml/itemProps3.xml><?xml version="1.0" encoding="utf-8"?>
+<ds:datastoreItem xmlns:ds="http://schemas.openxmlformats.org/officeDocument/2006/customXml" ds:itemID="{1DADF44A-8650-472F-B2D9-50E27F0769F7}">
+  <ds:schemaRefs>
+    <ds:schemaRef ds:uri="http://purl.org/dc/terms/"/>
+    <ds:schemaRef ds:uri="http://purl.org/dc/elements/1.1/"/>
+    <ds:schemaRef ds:uri="http://schemas.microsoft.com/office/2006/documentManagement/types"/>
+    <ds:schemaRef ds:uri="http://schemas.openxmlformats.org/package/2006/metadata/core-properties"/>
+    <ds:schemaRef ds:uri="d64320fb-f9a3-4131-8206-9d18da17abe9"/>
+    <ds:schemaRef ds:uri="http://purl.org/dc/dcmitype/"/>
+    <ds:schemaRef ds:uri="http://schemas.microsoft.com/office/infopath/2007/PartnerControls"/>
+    <ds:schemaRef ds:uri="489eda54-cdc8-4a48-94a2-8f9cf8024289"/>
+    <ds:schemaRef ds:uri="http://schemas.microsoft.com/office/2006/metadata/properties"/>
+    <ds:schemaRef ds:uri="http://www.w3.org/XML/1998/namespace"/>
+  </ds:schemaRefs>
+</ds:datastoreItem>
+</file>
+
 <file path=docMetadata/LabelInfo.xml><?xml version="1.0" encoding="utf-8"?>
 <clbl:labelList xmlns:clbl="http://schemas.microsoft.com/office/2020/mipLabelMetadata">
   <clbl:label id="{d0cb1e24-a0e2-4a4c-9340-733297c9cd7c}" enabled="1" method="Privileged" siteId="{db1e96a8-a3da-442a-930b-235cac24cd5c}" removed="0"/>
